--- a/Documentacion/User Manual.pptx
+++ b/Documentacion/User Manual.pptx
@@ -13,6 +13,15 @@
     <p:sldId id="261" r:id="rId7"/>
     <p:sldId id="262" r:id="rId8"/>
     <p:sldId id="263" r:id="rId9"/>
+    <p:sldId id="264" r:id="rId10"/>
+    <p:sldId id="265" r:id="rId11"/>
+    <p:sldId id="266" r:id="rId12"/>
+    <p:sldId id="267" r:id="rId13"/>
+    <p:sldId id="268" r:id="rId14"/>
+    <p:sldId id="269" r:id="rId15"/>
+    <p:sldId id="270" r:id="rId16"/>
+    <p:sldId id="271" r:id="rId17"/>
+    <p:sldId id="272" r:id="rId18"/>
   </p:sldIdLst>
   <p:sldSz cx="12192000" cy="6858000"/>
   <p:notesSz cx="6858000" cy="9144000"/>
@@ -111,7 +120,16 @@
       </a:defRPr>
     </a:lvl9pPr>
   </p:defaultTextStyle>
+  <p:extLst>
+    <p:ext uri="{EFAFB233-063F-42B5-8137-9DF3F51BA10A}">
+      <p15:sldGuideLst xmlns:p15="http://schemas.microsoft.com/office/powerpoint/2012/main"/>
+    </p:ext>
+  </p:extLst>
 </p:presentation>
+</file>
+
+<file path=ppt/revisionInfo.xml><?xml version="1.0" encoding="utf-8"?>
+<p1510:revInfo xmlns:a="http://schemas.openxmlformats.org/drawingml/2006/main" xmlns:r="http://schemas.openxmlformats.org/officeDocument/2006/relationships" xmlns:p1510="http://schemas.microsoft.com/office/powerpoint/2015/10/main"/>
 </file>
 
 <file path=ppt/slideLayouts/slideLayout1.xml><?xml version="1.0" encoding="utf-8"?>
@@ -263,7 +281,7 @@
           <a:p>
             <a:fld id="{EE87CA0E-49B2-4457-969E-37D6E4BF31B1}" type="datetimeFigureOut">
               <a:rPr lang="es-MX" smtClean="0"/>
-              <a:t>03/01/2018</a:t>
+              <a:t>09/01/2018</a:t>
             </a:fld>
             <a:endParaRPr lang="es-MX"/>
           </a:p>
@@ -463,7 +481,7 @@
           <a:p>
             <a:fld id="{EE87CA0E-49B2-4457-969E-37D6E4BF31B1}" type="datetimeFigureOut">
               <a:rPr lang="es-MX" smtClean="0"/>
-              <a:t>03/01/2018</a:t>
+              <a:t>09/01/2018</a:t>
             </a:fld>
             <a:endParaRPr lang="es-MX"/>
           </a:p>
@@ -673,7 +691,7 @@
           <a:p>
             <a:fld id="{EE87CA0E-49B2-4457-969E-37D6E4BF31B1}" type="datetimeFigureOut">
               <a:rPr lang="es-MX" smtClean="0"/>
-              <a:t>03/01/2018</a:t>
+              <a:t>09/01/2018</a:t>
             </a:fld>
             <a:endParaRPr lang="es-MX"/>
           </a:p>
@@ -873,7 +891,7 @@
           <a:p>
             <a:fld id="{EE87CA0E-49B2-4457-969E-37D6E4BF31B1}" type="datetimeFigureOut">
               <a:rPr lang="es-MX" smtClean="0"/>
-              <a:t>03/01/2018</a:t>
+              <a:t>09/01/2018</a:t>
             </a:fld>
             <a:endParaRPr lang="es-MX"/>
           </a:p>
@@ -1149,7 +1167,7 @@
           <a:p>
             <a:fld id="{EE87CA0E-49B2-4457-969E-37D6E4BF31B1}" type="datetimeFigureOut">
               <a:rPr lang="es-MX" smtClean="0"/>
-              <a:t>03/01/2018</a:t>
+              <a:t>09/01/2018</a:t>
             </a:fld>
             <a:endParaRPr lang="es-MX"/>
           </a:p>
@@ -1417,7 +1435,7 @@
           <a:p>
             <a:fld id="{EE87CA0E-49B2-4457-969E-37D6E4BF31B1}" type="datetimeFigureOut">
               <a:rPr lang="es-MX" smtClean="0"/>
-              <a:t>03/01/2018</a:t>
+              <a:t>09/01/2018</a:t>
             </a:fld>
             <a:endParaRPr lang="es-MX"/>
           </a:p>
@@ -1832,7 +1850,7 @@
           <a:p>
             <a:fld id="{EE87CA0E-49B2-4457-969E-37D6E4BF31B1}" type="datetimeFigureOut">
               <a:rPr lang="es-MX" smtClean="0"/>
-              <a:t>03/01/2018</a:t>
+              <a:t>09/01/2018</a:t>
             </a:fld>
             <a:endParaRPr lang="es-MX"/>
           </a:p>
@@ -1974,7 +1992,7 @@
           <a:p>
             <a:fld id="{EE87CA0E-49B2-4457-969E-37D6E4BF31B1}" type="datetimeFigureOut">
               <a:rPr lang="es-MX" smtClean="0"/>
-              <a:t>03/01/2018</a:t>
+              <a:t>09/01/2018</a:t>
             </a:fld>
             <a:endParaRPr lang="es-MX"/>
           </a:p>
@@ -2087,7 +2105,7 @@
           <a:p>
             <a:fld id="{EE87CA0E-49B2-4457-969E-37D6E4BF31B1}" type="datetimeFigureOut">
               <a:rPr lang="es-MX" smtClean="0"/>
-              <a:t>03/01/2018</a:t>
+              <a:t>09/01/2018</a:t>
             </a:fld>
             <a:endParaRPr lang="es-MX"/>
           </a:p>
@@ -2400,7 +2418,7 @@
           <a:p>
             <a:fld id="{EE87CA0E-49B2-4457-969E-37D6E4BF31B1}" type="datetimeFigureOut">
               <a:rPr lang="es-MX" smtClean="0"/>
-              <a:t>03/01/2018</a:t>
+              <a:t>09/01/2018</a:t>
             </a:fld>
             <a:endParaRPr lang="es-MX"/>
           </a:p>
@@ -2689,7 +2707,7 @@
           <a:p>
             <a:fld id="{EE87CA0E-49B2-4457-969E-37D6E4BF31B1}" type="datetimeFigureOut">
               <a:rPr lang="es-MX" smtClean="0"/>
-              <a:t>03/01/2018</a:t>
+              <a:t>09/01/2018</a:t>
             </a:fld>
             <a:endParaRPr lang="es-MX"/>
           </a:p>
@@ -2932,7 +2950,7 @@
           <a:p>
             <a:fld id="{EE87CA0E-49B2-4457-969E-37D6E4BF31B1}" type="datetimeFigureOut">
               <a:rPr lang="es-MX" smtClean="0"/>
-              <a:t>03/01/2018</a:t>
+              <a:t>09/01/2018</a:t>
             </a:fld>
             <a:endParaRPr lang="es-MX"/>
           </a:p>
@@ -3427,6 +3445,4733 @@
 </p:sld>
 </file>
 
+<file path=ppt/slides/slide10.xml><?xml version="1.0" encoding="utf-8"?>
+<p:sld xmlns:a="http://schemas.openxmlformats.org/drawingml/2006/main" xmlns:r="http://schemas.openxmlformats.org/officeDocument/2006/relationships" xmlns:p="http://schemas.openxmlformats.org/presentationml/2006/main">
+  <p:cSld>
+    <p:spTree>
+      <p:nvGrpSpPr>
+        <p:cNvPr id="1" name=""/>
+        <p:cNvGrpSpPr/>
+        <p:nvPr/>
+      </p:nvGrpSpPr>
+      <p:grpSpPr>
+        <a:xfrm>
+          <a:off x="0" y="0"/>
+          <a:ext cx="0" cy="0"/>
+          <a:chOff x="0" y="0"/>
+          <a:chExt cx="0" cy="0"/>
+        </a:xfrm>
+      </p:grpSpPr>
+      <p:sp>
+        <p:nvSpPr>
+          <p:cNvPr id="2" name="Content Placeholder 2">
+            <a:extLst>
+              <a:ext uri="{FF2B5EF4-FFF2-40B4-BE49-F238E27FC236}">
+                <a16:creationId xmlns:a16="http://schemas.microsoft.com/office/drawing/2014/main" id="{DAB1A531-E4B6-4824-A14A-ECAC7B181762}"/>
+              </a:ext>
+            </a:extLst>
+          </p:cNvPr>
+          <p:cNvSpPr txBox="1">
+            <a:spLocks/>
+          </p:cNvSpPr>
+          <p:nvPr/>
+        </p:nvSpPr>
+        <p:spPr>
+          <a:xfrm>
+            <a:off x="838200" y="331305"/>
+            <a:ext cx="9471991" cy="480225"/>
+          </a:xfrm>
+          <a:prstGeom prst="rect">
+            <a:avLst/>
+          </a:prstGeom>
+        </p:spPr>
+        <p:txBody>
+          <a:bodyPr/>
+          <a:lstStyle>
+            <a:lvl1pPr marL="228600" indent="-228600" algn="l" defTabSz="914400" rtl="0" eaLnBrk="1" latinLnBrk="0" hangingPunct="1">
+              <a:lnSpc>
+                <a:spcPct val="90000"/>
+              </a:lnSpc>
+              <a:spcBef>
+                <a:spcPts val="1000"/>
+              </a:spcBef>
+              <a:buFont typeface="Arial" panose="020B0604020202020204" pitchFamily="34" charset="0"/>
+              <a:buChar char="•"/>
+              <a:defRPr sz="2800" kern="1200">
+                <a:solidFill>
+                  <a:schemeClr val="tx1"/>
+                </a:solidFill>
+                <a:latin typeface="+mn-lt"/>
+                <a:ea typeface="+mn-ea"/>
+                <a:cs typeface="+mn-cs"/>
+              </a:defRPr>
+            </a:lvl1pPr>
+            <a:lvl2pPr marL="685800" indent="-228600" algn="l" defTabSz="914400" rtl="0" eaLnBrk="1" latinLnBrk="0" hangingPunct="1">
+              <a:lnSpc>
+                <a:spcPct val="90000"/>
+              </a:lnSpc>
+              <a:spcBef>
+                <a:spcPts val="500"/>
+              </a:spcBef>
+              <a:buFont typeface="Arial" panose="020B0604020202020204" pitchFamily="34" charset="0"/>
+              <a:buChar char="•"/>
+              <a:defRPr sz="2400" kern="1200">
+                <a:solidFill>
+                  <a:schemeClr val="tx1"/>
+                </a:solidFill>
+                <a:latin typeface="+mn-lt"/>
+                <a:ea typeface="+mn-ea"/>
+                <a:cs typeface="+mn-cs"/>
+              </a:defRPr>
+            </a:lvl2pPr>
+            <a:lvl3pPr marL="1143000" indent="-228600" algn="l" defTabSz="914400" rtl="0" eaLnBrk="1" latinLnBrk="0" hangingPunct="1">
+              <a:lnSpc>
+                <a:spcPct val="90000"/>
+              </a:lnSpc>
+              <a:spcBef>
+                <a:spcPts val="500"/>
+              </a:spcBef>
+              <a:buFont typeface="Arial" panose="020B0604020202020204" pitchFamily="34" charset="0"/>
+              <a:buChar char="•"/>
+              <a:defRPr sz="2000" kern="1200">
+                <a:solidFill>
+                  <a:schemeClr val="tx1"/>
+                </a:solidFill>
+                <a:latin typeface="+mn-lt"/>
+                <a:ea typeface="+mn-ea"/>
+                <a:cs typeface="+mn-cs"/>
+              </a:defRPr>
+            </a:lvl3pPr>
+            <a:lvl4pPr marL="1600200" indent="-228600" algn="l" defTabSz="914400" rtl="0" eaLnBrk="1" latinLnBrk="0" hangingPunct="1">
+              <a:lnSpc>
+                <a:spcPct val="90000"/>
+              </a:lnSpc>
+              <a:spcBef>
+                <a:spcPts val="500"/>
+              </a:spcBef>
+              <a:buFont typeface="Arial" panose="020B0604020202020204" pitchFamily="34" charset="0"/>
+              <a:buChar char="•"/>
+              <a:defRPr sz="1800" kern="1200">
+                <a:solidFill>
+                  <a:schemeClr val="tx1"/>
+                </a:solidFill>
+                <a:latin typeface="+mn-lt"/>
+                <a:ea typeface="+mn-ea"/>
+                <a:cs typeface="+mn-cs"/>
+              </a:defRPr>
+            </a:lvl4pPr>
+            <a:lvl5pPr marL="2057400" indent="-228600" algn="l" defTabSz="914400" rtl="0" eaLnBrk="1" latinLnBrk="0" hangingPunct="1">
+              <a:lnSpc>
+                <a:spcPct val="90000"/>
+              </a:lnSpc>
+              <a:spcBef>
+                <a:spcPts val="500"/>
+              </a:spcBef>
+              <a:buFont typeface="Arial" panose="020B0604020202020204" pitchFamily="34" charset="0"/>
+              <a:buChar char="•"/>
+              <a:defRPr sz="1800" kern="1200">
+                <a:solidFill>
+                  <a:schemeClr val="tx1"/>
+                </a:solidFill>
+                <a:latin typeface="+mn-lt"/>
+                <a:ea typeface="+mn-ea"/>
+                <a:cs typeface="+mn-cs"/>
+              </a:defRPr>
+            </a:lvl5pPr>
+            <a:lvl6pPr marL="2514600" indent="-228600" algn="l" defTabSz="914400" rtl="0" eaLnBrk="1" latinLnBrk="0" hangingPunct="1">
+              <a:lnSpc>
+                <a:spcPct val="90000"/>
+              </a:lnSpc>
+              <a:spcBef>
+                <a:spcPts val="500"/>
+              </a:spcBef>
+              <a:buFont typeface="Arial" panose="020B0604020202020204" pitchFamily="34" charset="0"/>
+              <a:buChar char="•"/>
+              <a:defRPr sz="1800" kern="1200">
+                <a:solidFill>
+                  <a:schemeClr val="tx1"/>
+                </a:solidFill>
+                <a:latin typeface="+mn-lt"/>
+                <a:ea typeface="+mn-ea"/>
+                <a:cs typeface="+mn-cs"/>
+              </a:defRPr>
+            </a:lvl6pPr>
+            <a:lvl7pPr marL="2971800" indent="-228600" algn="l" defTabSz="914400" rtl="0" eaLnBrk="1" latinLnBrk="0" hangingPunct="1">
+              <a:lnSpc>
+                <a:spcPct val="90000"/>
+              </a:lnSpc>
+              <a:spcBef>
+                <a:spcPts val="500"/>
+              </a:spcBef>
+              <a:buFont typeface="Arial" panose="020B0604020202020204" pitchFamily="34" charset="0"/>
+              <a:buChar char="•"/>
+              <a:defRPr sz="1800" kern="1200">
+                <a:solidFill>
+                  <a:schemeClr val="tx1"/>
+                </a:solidFill>
+                <a:latin typeface="+mn-lt"/>
+                <a:ea typeface="+mn-ea"/>
+                <a:cs typeface="+mn-cs"/>
+              </a:defRPr>
+            </a:lvl7pPr>
+            <a:lvl8pPr marL="3429000" indent="-228600" algn="l" defTabSz="914400" rtl="0" eaLnBrk="1" latinLnBrk="0" hangingPunct="1">
+              <a:lnSpc>
+                <a:spcPct val="90000"/>
+              </a:lnSpc>
+              <a:spcBef>
+                <a:spcPts val="500"/>
+              </a:spcBef>
+              <a:buFont typeface="Arial" panose="020B0604020202020204" pitchFamily="34" charset="0"/>
+              <a:buChar char="•"/>
+              <a:defRPr sz="1800" kern="1200">
+                <a:solidFill>
+                  <a:schemeClr val="tx1"/>
+                </a:solidFill>
+                <a:latin typeface="+mn-lt"/>
+                <a:ea typeface="+mn-ea"/>
+                <a:cs typeface="+mn-cs"/>
+              </a:defRPr>
+            </a:lvl8pPr>
+            <a:lvl9pPr marL="3886200" indent="-228600" algn="l" defTabSz="914400" rtl="0" eaLnBrk="1" latinLnBrk="0" hangingPunct="1">
+              <a:lnSpc>
+                <a:spcPct val="90000"/>
+              </a:lnSpc>
+              <a:spcBef>
+                <a:spcPts val="500"/>
+              </a:spcBef>
+              <a:buFont typeface="Arial" panose="020B0604020202020204" pitchFamily="34" charset="0"/>
+              <a:buChar char="•"/>
+              <a:defRPr sz="1800" kern="1200">
+                <a:solidFill>
+                  <a:schemeClr val="tx1"/>
+                </a:solidFill>
+                <a:latin typeface="+mn-lt"/>
+                <a:ea typeface="+mn-ea"/>
+                <a:cs typeface="+mn-cs"/>
+              </a:defRPr>
+            </a:lvl9pPr>
+          </a:lstStyle>
+          <a:p>
+            <a:r>
+              <a:rPr lang="es-MX" dirty="0"/>
+              <a:t>Business </a:t>
+            </a:r>
+            <a:r>
+              <a:rPr lang="es-MX" dirty="0" err="1"/>
+              <a:t>Development</a:t>
+            </a:r>
+            <a:r>
+              <a:rPr lang="es-MX" dirty="0"/>
+              <a:t> Link </a:t>
+            </a:r>
+            <a:r>
+              <a:rPr lang="es-MX" dirty="0" err="1"/>
+              <a:t>Sites</a:t>
+            </a:r>
+            <a:r>
+              <a:rPr lang="es-MX" dirty="0"/>
+              <a:t> </a:t>
+            </a:r>
+            <a:r>
+              <a:rPr lang="es-MX" dirty="0" err="1"/>
+              <a:t>to</a:t>
+            </a:r>
+            <a:r>
+              <a:rPr lang="es-MX" dirty="0"/>
+              <a:t> </a:t>
+            </a:r>
+            <a:r>
+              <a:rPr lang="es-MX" dirty="0" err="1"/>
+              <a:t>Clients</a:t>
+            </a:r>
+            <a:endParaRPr lang="es-MX" dirty="0"/>
+          </a:p>
+          <a:p>
+            <a:endParaRPr lang="es-MX" dirty="0"/>
+          </a:p>
+        </p:txBody>
+      </p:sp>
+      <p:sp>
+        <p:nvSpPr>
+          <p:cNvPr id="3" name="TextBox 2">
+            <a:extLst>
+              <a:ext uri="{FF2B5EF4-FFF2-40B4-BE49-F238E27FC236}">
+                <a16:creationId xmlns:a16="http://schemas.microsoft.com/office/drawing/2014/main" id="{2E663498-CDED-4CA0-86D1-D9EBCCFF1F41}"/>
+              </a:ext>
+            </a:extLst>
+          </p:cNvPr>
+          <p:cNvSpPr txBox="1"/>
+          <p:nvPr/>
+        </p:nvSpPr>
+        <p:spPr>
+          <a:xfrm>
+            <a:off x="157057" y="1154938"/>
+            <a:ext cx="9922973" cy="954107"/>
+          </a:xfrm>
+          <a:prstGeom prst="rect">
+            <a:avLst/>
+          </a:prstGeom>
+          <a:noFill/>
+        </p:spPr>
+        <p:txBody>
+          <a:bodyPr wrap="none" rtlCol="0">
+            <a:spAutoFit/>
+          </a:bodyPr>
+          <a:lstStyle/>
+          <a:p>
+            <a:r>
+              <a:rPr lang="es-MX" sz="1400" dirty="0"/>
+              <a:t>Step 1. </a:t>
+            </a:r>
+            <a:r>
+              <a:rPr lang="es-MX" sz="1400" dirty="0" err="1"/>
+              <a:t>Register</a:t>
+            </a:r>
+            <a:r>
+              <a:rPr lang="es-MX" sz="1400" dirty="0"/>
+              <a:t> </a:t>
+            </a:r>
+            <a:r>
+              <a:rPr lang="es-MX" sz="1400" dirty="0" err="1"/>
+              <a:t>clients</a:t>
+            </a:r>
+            <a:r>
+              <a:rPr lang="es-MX" sz="1400" dirty="0"/>
+              <a:t> </a:t>
+            </a:r>
+            <a:r>
+              <a:rPr lang="es-MX" sz="1400" dirty="0" err="1"/>
+              <a:t>into</a:t>
+            </a:r>
+            <a:r>
+              <a:rPr lang="es-MX" sz="1400" dirty="0"/>
+              <a:t> </a:t>
+            </a:r>
+            <a:r>
+              <a:rPr lang="es-MX" sz="1400" dirty="0" err="1"/>
+              <a:t>the</a:t>
+            </a:r>
+            <a:r>
+              <a:rPr lang="es-MX" sz="1400" dirty="0"/>
+              <a:t> </a:t>
+            </a:r>
+            <a:r>
+              <a:rPr lang="es-MX" sz="1400" dirty="0" err="1"/>
+              <a:t>system</a:t>
+            </a:r>
+            <a:r>
+              <a:rPr lang="es-MX" sz="1400" dirty="0"/>
+              <a:t>. </a:t>
+            </a:r>
+            <a:r>
+              <a:rPr lang="es-MX" sz="1400" dirty="0" err="1"/>
+              <a:t>The</a:t>
+            </a:r>
+            <a:r>
+              <a:rPr lang="es-MX" sz="1400" dirty="0"/>
+              <a:t> </a:t>
+            </a:r>
+            <a:r>
+              <a:rPr lang="es-MX" sz="1400" dirty="0" err="1"/>
+              <a:t>system</a:t>
+            </a:r>
+            <a:r>
+              <a:rPr lang="es-MX" sz="1400" dirty="0"/>
+              <a:t> </a:t>
+            </a:r>
+            <a:r>
+              <a:rPr lang="es-MX" sz="1400" dirty="0" err="1"/>
+              <a:t>only</a:t>
+            </a:r>
+            <a:r>
+              <a:rPr lang="es-MX" sz="1400" dirty="0"/>
+              <a:t> has </a:t>
+            </a:r>
+            <a:r>
+              <a:rPr lang="es-MX" sz="1400" dirty="0" err="1"/>
+              <a:t>one</a:t>
+            </a:r>
+            <a:r>
+              <a:rPr lang="es-MX" sz="1400" dirty="0"/>
+              <a:t> Client </a:t>
+            </a:r>
+            <a:r>
+              <a:rPr lang="es-MX" sz="1400" dirty="0" err="1"/>
+              <a:t>preloaded</a:t>
+            </a:r>
+            <a:r>
+              <a:rPr lang="es-MX" sz="1400" dirty="0"/>
+              <a:t> “DEFAULT” </a:t>
+            </a:r>
+            <a:r>
+              <a:rPr lang="en-US" sz="1400" dirty="0"/>
+              <a:t>and this has linked the whole list of sites</a:t>
+            </a:r>
+          </a:p>
+          <a:p>
+            <a:endParaRPr lang="en-US" sz="1400" dirty="0"/>
+          </a:p>
+          <a:p>
+            <a:r>
+              <a:rPr lang="en-US" sz="1400" dirty="0"/>
+              <a:t>Step 2. Link each site to a client</a:t>
+            </a:r>
+          </a:p>
+          <a:p>
+            <a:endParaRPr lang="es-MX" sz="1400" dirty="0"/>
+          </a:p>
+        </p:txBody>
+      </p:sp>
+      <p:pic>
+        <p:nvPicPr>
+          <p:cNvPr id="4" name="Picture 3">
+            <a:extLst>
+              <a:ext uri="{FF2B5EF4-FFF2-40B4-BE49-F238E27FC236}">
+                <a16:creationId xmlns:a16="http://schemas.microsoft.com/office/drawing/2014/main" id="{27891002-0B20-4881-8CA4-34F50ADDA35B}"/>
+              </a:ext>
+            </a:extLst>
+          </p:cNvPr>
+          <p:cNvPicPr>
+            <a:picLocks noChangeAspect="1"/>
+          </p:cNvPicPr>
+          <p:nvPr/>
+        </p:nvPicPr>
+        <p:blipFill>
+          <a:blip r:embed="rId2"/>
+          <a:stretch>
+            <a:fillRect/>
+          </a:stretch>
+        </p:blipFill>
+        <p:spPr>
+          <a:xfrm>
+            <a:off x="1060826" y="2941482"/>
+            <a:ext cx="2144420" cy="2449751"/>
+          </a:xfrm>
+          <a:prstGeom prst="rect">
+            <a:avLst/>
+          </a:prstGeom>
+        </p:spPr>
+      </p:pic>
+      <p:sp>
+        <p:nvSpPr>
+          <p:cNvPr id="5" name="Rectangle 4">
+            <a:extLst>
+              <a:ext uri="{FF2B5EF4-FFF2-40B4-BE49-F238E27FC236}">
+                <a16:creationId xmlns:a16="http://schemas.microsoft.com/office/drawing/2014/main" id="{D9DA21C9-433F-4E7E-89F1-7477362C9560}"/>
+              </a:ext>
+            </a:extLst>
+          </p:cNvPr>
+          <p:cNvSpPr/>
+          <p:nvPr/>
+        </p:nvSpPr>
+        <p:spPr>
+          <a:xfrm>
+            <a:off x="1060826" y="3700641"/>
+            <a:ext cx="2063827" cy="389895"/>
+          </a:xfrm>
+          <a:prstGeom prst="rect">
+            <a:avLst/>
+          </a:prstGeom>
+          <a:noFill/>
+          <a:ln w="79375">
+            <a:solidFill>
+              <a:schemeClr val="accent1">
+                <a:lumMod val="75000"/>
+              </a:schemeClr>
+            </a:solidFill>
+          </a:ln>
+        </p:spPr>
+        <p:style>
+          <a:lnRef idx="2">
+            <a:schemeClr val="accent1">
+              <a:shade val="50000"/>
+            </a:schemeClr>
+          </a:lnRef>
+          <a:fillRef idx="1">
+            <a:schemeClr val="accent1"/>
+          </a:fillRef>
+          <a:effectRef idx="0">
+            <a:schemeClr val="accent1"/>
+          </a:effectRef>
+          <a:fontRef idx="minor">
+            <a:schemeClr val="lt1"/>
+          </a:fontRef>
+        </p:style>
+        <p:txBody>
+          <a:bodyPr rtlCol="0" anchor="ctr"/>
+          <a:lstStyle/>
+          <a:p>
+            <a:pPr algn="ctr"/>
+            <a:endParaRPr lang="es-MX"/>
+          </a:p>
+        </p:txBody>
+      </p:sp>
+      <p:pic>
+        <p:nvPicPr>
+          <p:cNvPr id="6" name="Picture 5">
+            <a:extLst>
+              <a:ext uri="{FF2B5EF4-FFF2-40B4-BE49-F238E27FC236}">
+                <a16:creationId xmlns:a16="http://schemas.microsoft.com/office/drawing/2014/main" id="{A053AA6D-33E7-43F2-B310-F097E151D8F4}"/>
+              </a:ext>
+            </a:extLst>
+          </p:cNvPr>
+          <p:cNvPicPr>
+            <a:picLocks noChangeAspect="1"/>
+          </p:cNvPicPr>
+          <p:nvPr/>
+        </p:nvPicPr>
+        <p:blipFill>
+          <a:blip r:embed="rId3"/>
+          <a:stretch>
+            <a:fillRect/>
+          </a:stretch>
+        </p:blipFill>
+        <p:spPr>
+          <a:xfrm>
+            <a:off x="4447256" y="2614509"/>
+            <a:ext cx="5359901" cy="2952053"/>
+          </a:xfrm>
+          <a:prstGeom prst="rect">
+            <a:avLst/>
+          </a:prstGeom>
+        </p:spPr>
+      </p:pic>
+      <p:cxnSp>
+        <p:nvCxnSpPr>
+          <p:cNvPr id="8" name="Connector: Elbow 7">
+            <a:extLst>
+              <a:ext uri="{FF2B5EF4-FFF2-40B4-BE49-F238E27FC236}">
+                <a16:creationId xmlns:a16="http://schemas.microsoft.com/office/drawing/2014/main" id="{5BA609CD-4F04-48AA-AE19-C2BC4916470B}"/>
+              </a:ext>
+            </a:extLst>
+          </p:cNvPr>
+          <p:cNvCxnSpPr>
+            <a:cxnSpLocks/>
+            <a:stCxn id="5" idx="3"/>
+          </p:cNvCxnSpPr>
+          <p:nvPr/>
+        </p:nvCxnSpPr>
+        <p:spPr>
+          <a:xfrm flipV="1">
+            <a:off x="3124653" y="2817668"/>
+            <a:ext cx="1213432" cy="1077921"/>
+          </a:xfrm>
+          <a:prstGeom prst="bentConnector3">
+            <a:avLst/>
+          </a:prstGeom>
+          <a:ln>
+            <a:tailEnd type="triangle"/>
+          </a:ln>
+        </p:spPr>
+        <p:style>
+          <a:lnRef idx="1">
+            <a:schemeClr val="accent1"/>
+          </a:lnRef>
+          <a:fillRef idx="0">
+            <a:schemeClr val="accent1"/>
+          </a:fillRef>
+          <a:effectRef idx="0">
+            <a:schemeClr val="accent1"/>
+          </a:effectRef>
+          <a:fontRef idx="minor">
+            <a:schemeClr val="tx1"/>
+          </a:fontRef>
+        </p:style>
+      </p:cxnSp>
+      <p:sp>
+        <p:nvSpPr>
+          <p:cNvPr id="12" name="Rectangle 11">
+            <a:extLst>
+              <a:ext uri="{FF2B5EF4-FFF2-40B4-BE49-F238E27FC236}">
+                <a16:creationId xmlns:a16="http://schemas.microsoft.com/office/drawing/2014/main" id="{8D3C44F9-CCA4-412B-ADC8-AC30070DAC72}"/>
+              </a:ext>
+            </a:extLst>
+          </p:cNvPr>
+          <p:cNvSpPr/>
+          <p:nvPr/>
+        </p:nvSpPr>
+        <p:spPr>
+          <a:xfrm>
+            <a:off x="9154634" y="3661964"/>
+            <a:ext cx="652523" cy="325248"/>
+          </a:xfrm>
+          <a:prstGeom prst="rect">
+            <a:avLst/>
+          </a:prstGeom>
+          <a:noFill/>
+          <a:ln w="79375">
+            <a:solidFill>
+              <a:schemeClr val="accent1">
+                <a:lumMod val="75000"/>
+              </a:schemeClr>
+            </a:solidFill>
+          </a:ln>
+        </p:spPr>
+        <p:style>
+          <a:lnRef idx="2">
+            <a:schemeClr val="accent1">
+              <a:shade val="50000"/>
+            </a:schemeClr>
+          </a:lnRef>
+          <a:fillRef idx="1">
+            <a:schemeClr val="accent1"/>
+          </a:fillRef>
+          <a:effectRef idx="0">
+            <a:schemeClr val="accent1"/>
+          </a:effectRef>
+          <a:fontRef idx="minor">
+            <a:schemeClr val="lt1"/>
+          </a:fontRef>
+        </p:style>
+        <p:txBody>
+          <a:bodyPr rtlCol="0" anchor="ctr"/>
+          <a:lstStyle/>
+          <a:p>
+            <a:pPr algn="ctr"/>
+            <a:endParaRPr lang="es-MX"/>
+          </a:p>
+        </p:txBody>
+      </p:sp>
+      <p:sp>
+        <p:nvSpPr>
+          <p:cNvPr id="13" name="TextBox 12">
+            <a:extLst>
+              <a:ext uri="{FF2B5EF4-FFF2-40B4-BE49-F238E27FC236}">
+                <a16:creationId xmlns:a16="http://schemas.microsoft.com/office/drawing/2014/main" id="{C3D96ECA-728E-43D4-B34E-5B41313F63F3}"/>
+              </a:ext>
+            </a:extLst>
+          </p:cNvPr>
+          <p:cNvSpPr txBox="1"/>
+          <p:nvPr/>
+        </p:nvSpPr>
+        <p:spPr>
+          <a:xfrm>
+            <a:off x="9942650" y="3617880"/>
+            <a:ext cx="1271310" cy="369332"/>
+          </a:xfrm>
+          <a:prstGeom prst="rect">
+            <a:avLst/>
+          </a:prstGeom>
+          <a:noFill/>
+        </p:spPr>
+        <p:txBody>
+          <a:bodyPr wrap="none" rtlCol="0">
+            <a:spAutoFit/>
+          </a:bodyPr>
+          <a:lstStyle/>
+          <a:p>
+            <a:r>
+              <a:rPr lang="es-MX" dirty="0" err="1"/>
+              <a:t>Go</a:t>
+            </a:r>
+            <a:r>
+              <a:rPr lang="es-MX" dirty="0"/>
+              <a:t> </a:t>
+            </a:r>
+            <a:r>
+              <a:rPr lang="es-MX" dirty="0" err="1"/>
+              <a:t>to</a:t>
+            </a:r>
+            <a:r>
+              <a:rPr lang="es-MX" dirty="0"/>
+              <a:t> View </a:t>
+            </a:r>
+          </a:p>
+        </p:txBody>
+      </p:sp>
+    </p:spTree>
+    <p:extLst>
+      <p:ext uri="{BB962C8B-B14F-4D97-AF65-F5344CB8AC3E}">
+        <p14:creationId xmlns:p14="http://schemas.microsoft.com/office/powerpoint/2010/main" val="2898048429"/>
+      </p:ext>
+    </p:extLst>
+  </p:cSld>
+  <p:clrMapOvr>
+    <a:masterClrMapping/>
+  </p:clrMapOvr>
+</p:sld>
+</file>
+
+<file path=ppt/slides/slide11.xml><?xml version="1.0" encoding="utf-8"?>
+<p:sld xmlns:a="http://schemas.openxmlformats.org/drawingml/2006/main" xmlns:r="http://schemas.openxmlformats.org/officeDocument/2006/relationships" xmlns:p="http://schemas.openxmlformats.org/presentationml/2006/main">
+  <p:cSld>
+    <p:spTree>
+      <p:nvGrpSpPr>
+        <p:cNvPr id="1" name=""/>
+        <p:cNvGrpSpPr/>
+        <p:nvPr/>
+      </p:nvGrpSpPr>
+      <p:grpSpPr>
+        <a:xfrm>
+          <a:off x="0" y="0"/>
+          <a:ext cx="0" cy="0"/>
+          <a:chOff x="0" y="0"/>
+          <a:chExt cx="0" cy="0"/>
+        </a:xfrm>
+      </p:grpSpPr>
+      <p:pic>
+        <p:nvPicPr>
+          <p:cNvPr id="2" name="Picture 1">
+            <a:extLst>
+              <a:ext uri="{FF2B5EF4-FFF2-40B4-BE49-F238E27FC236}">
+                <a16:creationId xmlns:a16="http://schemas.microsoft.com/office/drawing/2014/main" id="{C4621022-C137-4252-82A2-3427490724F6}"/>
+              </a:ext>
+            </a:extLst>
+          </p:cNvPr>
+          <p:cNvPicPr>
+            <a:picLocks noChangeAspect="1"/>
+          </p:cNvPicPr>
+          <p:nvPr/>
+        </p:nvPicPr>
+        <p:blipFill>
+          <a:blip r:embed="rId2"/>
+          <a:stretch>
+            <a:fillRect/>
+          </a:stretch>
+        </p:blipFill>
+        <p:spPr>
+          <a:xfrm>
+            <a:off x="519777" y="1428086"/>
+            <a:ext cx="4711442" cy="1789776"/>
+          </a:xfrm>
+          <a:prstGeom prst="rect">
+            <a:avLst/>
+          </a:prstGeom>
+        </p:spPr>
+      </p:pic>
+      <p:sp>
+        <p:nvSpPr>
+          <p:cNvPr id="3" name="Content Placeholder 2">
+            <a:extLst>
+              <a:ext uri="{FF2B5EF4-FFF2-40B4-BE49-F238E27FC236}">
+                <a16:creationId xmlns:a16="http://schemas.microsoft.com/office/drawing/2014/main" id="{494B4D00-A240-4330-85EC-7F13DCD31D1A}"/>
+              </a:ext>
+            </a:extLst>
+          </p:cNvPr>
+          <p:cNvSpPr txBox="1">
+            <a:spLocks/>
+          </p:cNvSpPr>
+          <p:nvPr/>
+        </p:nvSpPr>
+        <p:spPr>
+          <a:xfrm>
+            <a:off x="838200" y="331305"/>
+            <a:ext cx="9471991" cy="480225"/>
+          </a:xfrm>
+          <a:prstGeom prst="rect">
+            <a:avLst/>
+          </a:prstGeom>
+        </p:spPr>
+        <p:txBody>
+          <a:bodyPr/>
+          <a:lstStyle>
+            <a:lvl1pPr marL="228600" indent="-228600" algn="l" defTabSz="914400" rtl="0" eaLnBrk="1" latinLnBrk="0" hangingPunct="1">
+              <a:lnSpc>
+                <a:spcPct val="90000"/>
+              </a:lnSpc>
+              <a:spcBef>
+                <a:spcPts val="1000"/>
+              </a:spcBef>
+              <a:buFont typeface="Arial" panose="020B0604020202020204" pitchFamily="34" charset="0"/>
+              <a:buChar char="•"/>
+              <a:defRPr sz="2800" kern="1200">
+                <a:solidFill>
+                  <a:schemeClr val="tx1"/>
+                </a:solidFill>
+                <a:latin typeface="+mn-lt"/>
+                <a:ea typeface="+mn-ea"/>
+                <a:cs typeface="+mn-cs"/>
+              </a:defRPr>
+            </a:lvl1pPr>
+            <a:lvl2pPr marL="685800" indent="-228600" algn="l" defTabSz="914400" rtl="0" eaLnBrk="1" latinLnBrk="0" hangingPunct="1">
+              <a:lnSpc>
+                <a:spcPct val="90000"/>
+              </a:lnSpc>
+              <a:spcBef>
+                <a:spcPts val="500"/>
+              </a:spcBef>
+              <a:buFont typeface="Arial" panose="020B0604020202020204" pitchFamily="34" charset="0"/>
+              <a:buChar char="•"/>
+              <a:defRPr sz="2400" kern="1200">
+                <a:solidFill>
+                  <a:schemeClr val="tx1"/>
+                </a:solidFill>
+                <a:latin typeface="+mn-lt"/>
+                <a:ea typeface="+mn-ea"/>
+                <a:cs typeface="+mn-cs"/>
+              </a:defRPr>
+            </a:lvl2pPr>
+            <a:lvl3pPr marL="1143000" indent="-228600" algn="l" defTabSz="914400" rtl="0" eaLnBrk="1" latinLnBrk="0" hangingPunct="1">
+              <a:lnSpc>
+                <a:spcPct val="90000"/>
+              </a:lnSpc>
+              <a:spcBef>
+                <a:spcPts val="500"/>
+              </a:spcBef>
+              <a:buFont typeface="Arial" panose="020B0604020202020204" pitchFamily="34" charset="0"/>
+              <a:buChar char="•"/>
+              <a:defRPr sz="2000" kern="1200">
+                <a:solidFill>
+                  <a:schemeClr val="tx1"/>
+                </a:solidFill>
+                <a:latin typeface="+mn-lt"/>
+                <a:ea typeface="+mn-ea"/>
+                <a:cs typeface="+mn-cs"/>
+              </a:defRPr>
+            </a:lvl3pPr>
+            <a:lvl4pPr marL="1600200" indent="-228600" algn="l" defTabSz="914400" rtl="0" eaLnBrk="1" latinLnBrk="0" hangingPunct="1">
+              <a:lnSpc>
+                <a:spcPct val="90000"/>
+              </a:lnSpc>
+              <a:spcBef>
+                <a:spcPts val="500"/>
+              </a:spcBef>
+              <a:buFont typeface="Arial" panose="020B0604020202020204" pitchFamily="34" charset="0"/>
+              <a:buChar char="•"/>
+              <a:defRPr sz="1800" kern="1200">
+                <a:solidFill>
+                  <a:schemeClr val="tx1"/>
+                </a:solidFill>
+                <a:latin typeface="+mn-lt"/>
+                <a:ea typeface="+mn-ea"/>
+                <a:cs typeface="+mn-cs"/>
+              </a:defRPr>
+            </a:lvl4pPr>
+            <a:lvl5pPr marL="2057400" indent="-228600" algn="l" defTabSz="914400" rtl="0" eaLnBrk="1" latinLnBrk="0" hangingPunct="1">
+              <a:lnSpc>
+                <a:spcPct val="90000"/>
+              </a:lnSpc>
+              <a:spcBef>
+                <a:spcPts val="500"/>
+              </a:spcBef>
+              <a:buFont typeface="Arial" panose="020B0604020202020204" pitchFamily="34" charset="0"/>
+              <a:buChar char="•"/>
+              <a:defRPr sz="1800" kern="1200">
+                <a:solidFill>
+                  <a:schemeClr val="tx1"/>
+                </a:solidFill>
+                <a:latin typeface="+mn-lt"/>
+                <a:ea typeface="+mn-ea"/>
+                <a:cs typeface="+mn-cs"/>
+              </a:defRPr>
+            </a:lvl5pPr>
+            <a:lvl6pPr marL="2514600" indent="-228600" algn="l" defTabSz="914400" rtl="0" eaLnBrk="1" latinLnBrk="0" hangingPunct="1">
+              <a:lnSpc>
+                <a:spcPct val="90000"/>
+              </a:lnSpc>
+              <a:spcBef>
+                <a:spcPts val="500"/>
+              </a:spcBef>
+              <a:buFont typeface="Arial" panose="020B0604020202020204" pitchFamily="34" charset="0"/>
+              <a:buChar char="•"/>
+              <a:defRPr sz="1800" kern="1200">
+                <a:solidFill>
+                  <a:schemeClr val="tx1"/>
+                </a:solidFill>
+                <a:latin typeface="+mn-lt"/>
+                <a:ea typeface="+mn-ea"/>
+                <a:cs typeface="+mn-cs"/>
+              </a:defRPr>
+            </a:lvl6pPr>
+            <a:lvl7pPr marL="2971800" indent="-228600" algn="l" defTabSz="914400" rtl="0" eaLnBrk="1" latinLnBrk="0" hangingPunct="1">
+              <a:lnSpc>
+                <a:spcPct val="90000"/>
+              </a:lnSpc>
+              <a:spcBef>
+                <a:spcPts val="500"/>
+              </a:spcBef>
+              <a:buFont typeface="Arial" panose="020B0604020202020204" pitchFamily="34" charset="0"/>
+              <a:buChar char="•"/>
+              <a:defRPr sz="1800" kern="1200">
+                <a:solidFill>
+                  <a:schemeClr val="tx1"/>
+                </a:solidFill>
+                <a:latin typeface="+mn-lt"/>
+                <a:ea typeface="+mn-ea"/>
+                <a:cs typeface="+mn-cs"/>
+              </a:defRPr>
+            </a:lvl7pPr>
+            <a:lvl8pPr marL="3429000" indent="-228600" algn="l" defTabSz="914400" rtl="0" eaLnBrk="1" latinLnBrk="0" hangingPunct="1">
+              <a:lnSpc>
+                <a:spcPct val="90000"/>
+              </a:lnSpc>
+              <a:spcBef>
+                <a:spcPts val="500"/>
+              </a:spcBef>
+              <a:buFont typeface="Arial" panose="020B0604020202020204" pitchFamily="34" charset="0"/>
+              <a:buChar char="•"/>
+              <a:defRPr sz="1800" kern="1200">
+                <a:solidFill>
+                  <a:schemeClr val="tx1"/>
+                </a:solidFill>
+                <a:latin typeface="+mn-lt"/>
+                <a:ea typeface="+mn-ea"/>
+                <a:cs typeface="+mn-cs"/>
+              </a:defRPr>
+            </a:lvl8pPr>
+            <a:lvl9pPr marL="3886200" indent="-228600" algn="l" defTabSz="914400" rtl="0" eaLnBrk="1" latinLnBrk="0" hangingPunct="1">
+              <a:lnSpc>
+                <a:spcPct val="90000"/>
+              </a:lnSpc>
+              <a:spcBef>
+                <a:spcPts val="500"/>
+              </a:spcBef>
+              <a:buFont typeface="Arial" panose="020B0604020202020204" pitchFamily="34" charset="0"/>
+              <a:buChar char="•"/>
+              <a:defRPr sz="1800" kern="1200">
+                <a:solidFill>
+                  <a:schemeClr val="tx1"/>
+                </a:solidFill>
+                <a:latin typeface="+mn-lt"/>
+                <a:ea typeface="+mn-ea"/>
+                <a:cs typeface="+mn-cs"/>
+              </a:defRPr>
+            </a:lvl9pPr>
+          </a:lstStyle>
+          <a:p>
+            <a:r>
+              <a:rPr lang="es-MX" dirty="0"/>
+              <a:t>Business </a:t>
+            </a:r>
+            <a:r>
+              <a:rPr lang="es-MX" dirty="0" err="1"/>
+              <a:t>Development</a:t>
+            </a:r>
+            <a:r>
+              <a:rPr lang="es-MX" dirty="0"/>
+              <a:t> Link </a:t>
+            </a:r>
+            <a:r>
+              <a:rPr lang="es-MX" dirty="0" err="1"/>
+              <a:t>Sites</a:t>
+            </a:r>
+            <a:r>
+              <a:rPr lang="es-MX" dirty="0"/>
+              <a:t> </a:t>
+            </a:r>
+            <a:r>
+              <a:rPr lang="es-MX" dirty="0" err="1"/>
+              <a:t>to</a:t>
+            </a:r>
+            <a:r>
+              <a:rPr lang="es-MX" dirty="0"/>
+              <a:t> </a:t>
+            </a:r>
+            <a:r>
+              <a:rPr lang="es-MX" dirty="0" err="1"/>
+              <a:t>Clients</a:t>
+            </a:r>
+            <a:endParaRPr lang="es-MX" dirty="0"/>
+          </a:p>
+          <a:p>
+            <a:endParaRPr lang="es-MX" dirty="0"/>
+          </a:p>
+        </p:txBody>
+      </p:sp>
+      <p:sp>
+        <p:nvSpPr>
+          <p:cNvPr id="4" name="TextBox 3">
+            <a:extLst>
+              <a:ext uri="{FF2B5EF4-FFF2-40B4-BE49-F238E27FC236}">
+                <a16:creationId xmlns:a16="http://schemas.microsoft.com/office/drawing/2014/main" id="{1B0E4E06-2B30-4DB3-A4E5-3CD2052A683C}"/>
+              </a:ext>
+            </a:extLst>
+          </p:cNvPr>
+          <p:cNvSpPr txBox="1"/>
+          <p:nvPr/>
+        </p:nvSpPr>
+        <p:spPr>
+          <a:xfrm>
+            <a:off x="519777" y="935142"/>
+            <a:ext cx="1502527" cy="369332"/>
+          </a:xfrm>
+          <a:prstGeom prst="rect">
+            <a:avLst/>
+          </a:prstGeom>
+          <a:noFill/>
+        </p:spPr>
+        <p:txBody>
+          <a:bodyPr wrap="none" rtlCol="0">
+            <a:spAutoFit/>
+          </a:bodyPr>
+          <a:lstStyle/>
+          <a:p>
+            <a:r>
+              <a:rPr lang="es-MX" dirty="0"/>
+              <a:t>1. </a:t>
+            </a:r>
+            <a:r>
+              <a:rPr lang="es-MX" dirty="0" err="1"/>
+              <a:t>Scroll</a:t>
+            </a:r>
+            <a:r>
+              <a:rPr lang="es-MX" dirty="0"/>
+              <a:t> </a:t>
+            </a:r>
+            <a:r>
+              <a:rPr lang="es-MX" dirty="0" err="1"/>
+              <a:t>down</a:t>
+            </a:r>
+            <a:endParaRPr lang="es-MX" dirty="0"/>
+          </a:p>
+        </p:txBody>
+      </p:sp>
+      <p:cxnSp>
+        <p:nvCxnSpPr>
+          <p:cNvPr id="6" name="Straight Arrow Connector 5">
+            <a:extLst>
+              <a:ext uri="{FF2B5EF4-FFF2-40B4-BE49-F238E27FC236}">
+                <a16:creationId xmlns:a16="http://schemas.microsoft.com/office/drawing/2014/main" id="{3E500FD2-B0B9-4178-B03B-56372DE8BAAF}"/>
+              </a:ext>
+            </a:extLst>
+          </p:cNvPr>
+          <p:cNvCxnSpPr>
+            <a:cxnSpLocks/>
+          </p:cNvCxnSpPr>
+          <p:nvPr/>
+        </p:nvCxnSpPr>
+        <p:spPr>
+          <a:xfrm>
+            <a:off x="425302" y="1428086"/>
+            <a:ext cx="0" cy="1789776"/>
+          </a:xfrm>
+          <a:prstGeom prst="straightConnector1">
+            <a:avLst/>
+          </a:prstGeom>
+          <a:ln>
+            <a:tailEnd type="triangle"/>
+          </a:ln>
+        </p:spPr>
+        <p:style>
+          <a:lnRef idx="1">
+            <a:schemeClr val="accent1"/>
+          </a:lnRef>
+          <a:fillRef idx="0">
+            <a:schemeClr val="accent1"/>
+          </a:fillRef>
+          <a:effectRef idx="0">
+            <a:schemeClr val="accent1"/>
+          </a:effectRef>
+          <a:fontRef idx="minor">
+            <a:schemeClr val="tx1"/>
+          </a:fontRef>
+        </p:style>
+      </p:cxnSp>
+      <p:pic>
+        <p:nvPicPr>
+          <p:cNvPr id="7" name="Picture 6">
+            <a:extLst>
+              <a:ext uri="{FF2B5EF4-FFF2-40B4-BE49-F238E27FC236}">
+                <a16:creationId xmlns:a16="http://schemas.microsoft.com/office/drawing/2014/main" id="{87832F4E-1DC4-4608-8657-20DF4FF5EA87}"/>
+              </a:ext>
+            </a:extLst>
+          </p:cNvPr>
+          <p:cNvPicPr>
+            <a:picLocks noChangeAspect="1"/>
+          </p:cNvPicPr>
+          <p:nvPr/>
+        </p:nvPicPr>
+        <p:blipFill>
+          <a:blip r:embed="rId3"/>
+          <a:stretch>
+            <a:fillRect/>
+          </a:stretch>
+        </p:blipFill>
+        <p:spPr>
+          <a:xfrm>
+            <a:off x="6435041" y="1428086"/>
+            <a:ext cx="5442300" cy="2229514"/>
+          </a:xfrm>
+          <a:prstGeom prst="rect">
+            <a:avLst/>
+          </a:prstGeom>
+        </p:spPr>
+      </p:pic>
+      <p:cxnSp>
+        <p:nvCxnSpPr>
+          <p:cNvPr id="9" name="Connector: Elbow 8">
+            <a:extLst>
+              <a:ext uri="{FF2B5EF4-FFF2-40B4-BE49-F238E27FC236}">
+                <a16:creationId xmlns:a16="http://schemas.microsoft.com/office/drawing/2014/main" id="{7188A6E5-55C7-4F26-810B-34A54E9A346F}"/>
+              </a:ext>
+            </a:extLst>
+          </p:cNvPr>
+          <p:cNvCxnSpPr>
+            <a:stCxn id="2" idx="3"/>
+            <a:endCxn id="7" idx="1"/>
+          </p:cNvCxnSpPr>
+          <p:nvPr/>
+        </p:nvCxnSpPr>
+        <p:spPr>
+          <a:xfrm>
+            <a:off x="5231219" y="2322974"/>
+            <a:ext cx="1203822" cy="219869"/>
+          </a:xfrm>
+          <a:prstGeom prst="bentConnector3">
+            <a:avLst/>
+          </a:prstGeom>
+          <a:ln>
+            <a:tailEnd type="triangle"/>
+          </a:ln>
+        </p:spPr>
+        <p:style>
+          <a:lnRef idx="1">
+            <a:schemeClr val="accent1"/>
+          </a:lnRef>
+          <a:fillRef idx="0">
+            <a:schemeClr val="accent1"/>
+          </a:fillRef>
+          <a:effectRef idx="0">
+            <a:schemeClr val="accent1"/>
+          </a:effectRef>
+          <a:fontRef idx="minor">
+            <a:schemeClr val="tx1"/>
+          </a:fontRef>
+        </p:style>
+      </p:cxnSp>
+      <p:sp>
+        <p:nvSpPr>
+          <p:cNvPr id="11" name="TextBox 10">
+            <a:extLst>
+              <a:ext uri="{FF2B5EF4-FFF2-40B4-BE49-F238E27FC236}">
+                <a16:creationId xmlns:a16="http://schemas.microsoft.com/office/drawing/2014/main" id="{62A5E657-B916-478B-A044-5DC1C3C9E10F}"/>
+              </a:ext>
+            </a:extLst>
+          </p:cNvPr>
+          <p:cNvSpPr txBox="1"/>
+          <p:nvPr/>
+        </p:nvSpPr>
+        <p:spPr>
+          <a:xfrm>
+            <a:off x="6573247" y="895935"/>
+            <a:ext cx="2359236" cy="369332"/>
+          </a:xfrm>
+          <a:prstGeom prst="rect">
+            <a:avLst/>
+          </a:prstGeom>
+          <a:noFill/>
+        </p:spPr>
+        <p:txBody>
+          <a:bodyPr wrap="none" rtlCol="0">
+            <a:spAutoFit/>
+          </a:bodyPr>
+          <a:lstStyle/>
+          <a:p>
+            <a:r>
+              <a:rPr lang="es-MX" dirty="0"/>
+              <a:t>2. </a:t>
+            </a:r>
+            <a:r>
+              <a:rPr lang="es-MX" dirty="0" err="1"/>
+              <a:t>Click</a:t>
+            </a:r>
+            <a:r>
+              <a:rPr lang="es-MX" dirty="0"/>
+              <a:t> </a:t>
+            </a:r>
+            <a:r>
+              <a:rPr lang="es-MX" dirty="0" err="1"/>
+              <a:t>on</a:t>
+            </a:r>
+            <a:r>
+              <a:rPr lang="es-MX" dirty="0"/>
+              <a:t> EDIT </a:t>
+            </a:r>
+            <a:r>
+              <a:rPr lang="es-MX" dirty="0" err="1"/>
+              <a:t>button</a:t>
+            </a:r>
+            <a:r>
+              <a:rPr lang="es-MX" dirty="0"/>
+              <a:t> </a:t>
+            </a:r>
+          </a:p>
+        </p:txBody>
+      </p:sp>
+      <p:pic>
+        <p:nvPicPr>
+          <p:cNvPr id="12" name="Picture 11">
+            <a:extLst>
+              <a:ext uri="{FF2B5EF4-FFF2-40B4-BE49-F238E27FC236}">
+                <a16:creationId xmlns:a16="http://schemas.microsoft.com/office/drawing/2014/main" id="{674FFA73-CB4A-425B-8DA6-F30F800296F0}"/>
+              </a:ext>
+            </a:extLst>
+          </p:cNvPr>
+          <p:cNvPicPr>
+            <a:picLocks noChangeAspect="1"/>
+          </p:cNvPicPr>
+          <p:nvPr/>
+        </p:nvPicPr>
+        <p:blipFill>
+          <a:blip r:embed="rId4"/>
+          <a:stretch>
+            <a:fillRect/>
+          </a:stretch>
+        </p:blipFill>
+        <p:spPr>
+          <a:xfrm>
+            <a:off x="3127455" y="4436252"/>
+            <a:ext cx="5353702" cy="1929823"/>
+          </a:xfrm>
+          <a:prstGeom prst="rect">
+            <a:avLst/>
+          </a:prstGeom>
+        </p:spPr>
+      </p:pic>
+      <p:sp>
+        <p:nvSpPr>
+          <p:cNvPr id="13" name="TextBox 12">
+            <a:extLst>
+              <a:ext uri="{FF2B5EF4-FFF2-40B4-BE49-F238E27FC236}">
+                <a16:creationId xmlns:a16="http://schemas.microsoft.com/office/drawing/2014/main" id="{C5F1329B-9EDC-4846-AA81-86C6AFCDDE7B}"/>
+              </a:ext>
+            </a:extLst>
+          </p:cNvPr>
+          <p:cNvSpPr txBox="1"/>
+          <p:nvPr/>
+        </p:nvSpPr>
+        <p:spPr>
+          <a:xfrm>
+            <a:off x="3496655" y="4079969"/>
+            <a:ext cx="4615302" cy="369332"/>
+          </a:xfrm>
+          <a:prstGeom prst="rect">
+            <a:avLst/>
+          </a:prstGeom>
+          <a:noFill/>
+        </p:spPr>
+        <p:txBody>
+          <a:bodyPr wrap="none" rtlCol="0">
+            <a:spAutoFit/>
+          </a:bodyPr>
+          <a:lstStyle/>
+          <a:p>
+            <a:r>
+              <a:rPr lang="es-MX" dirty="0"/>
+              <a:t>3. Chance </a:t>
+            </a:r>
+            <a:r>
+              <a:rPr lang="es-MX" dirty="0" err="1"/>
+              <a:t>the</a:t>
+            </a:r>
+            <a:r>
+              <a:rPr lang="es-MX" dirty="0"/>
+              <a:t> </a:t>
+            </a:r>
+            <a:r>
+              <a:rPr lang="es-MX" dirty="0" err="1"/>
+              <a:t>assigned</a:t>
+            </a:r>
+            <a:r>
+              <a:rPr lang="es-MX" dirty="0"/>
+              <a:t> </a:t>
+            </a:r>
+            <a:r>
+              <a:rPr lang="es-MX" dirty="0" err="1"/>
+              <a:t>Site</a:t>
+            </a:r>
+            <a:r>
+              <a:rPr lang="es-MX" dirty="0"/>
+              <a:t> Manager and SAVE</a:t>
+            </a:r>
+          </a:p>
+        </p:txBody>
+      </p:sp>
+    </p:spTree>
+    <p:extLst>
+      <p:ext uri="{BB962C8B-B14F-4D97-AF65-F5344CB8AC3E}">
+        <p14:creationId xmlns:p14="http://schemas.microsoft.com/office/powerpoint/2010/main" val="3060663323"/>
+      </p:ext>
+    </p:extLst>
+  </p:cSld>
+  <p:clrMapOvr>
+    <a:masterClrMapping/>
+  </p:clrMapOvr>
+</p:sld>
+</file>
+
+<file path=ppt/slides/slide12.xml><?xml version="1.0" encoding="utf-8"?>
+<p:sld xmlns:a="http://schemas.openxmlformats.org/drawingml/2006/main" xmlns:r="http://schemas.openxmlformats.org/officeDocument/2006/relationships" xmlns:p="http://schemas.openxmlformats.org/presentationml/2006/main">
+  <p:cSld>
+    <p:spTree>
+      <p:nvGrpSpPr>
+        <p:cNvPr id="1" name=""/>
+        <p:cNvGrpSpPr/>
+        <p:nvPr/>
+      </p:nvGrpSpPr>
+      <p:grpSpPr>
+        <a:xfrm>
+          <a:off x="0" y="0"/>
+          <a:ext cx="0" cy="0"/>
+          <a:chOff x="0" y="0"/>
+          <a:chExt cx="0" cy="0"/>
+        </a:xfrm>
+      </p:grpSpPr>
+      <p:sp>
+        <p:nvSpPr>
+          <p:cNvPr id="2" name="Content Placeholder 2">
+            <a:extLst>
+              <a:ext uri="{FF2B5EF4-FFF2-40B4-BE49-F238E27FC236}">
+                <a16:creationId xmlns:a16="http://schemas.microsoft.com/office/drawing/2014/main" id="{74058804-FA22-42F8-B662-9417F05A7EC2}"/>
+              </a:ext>
+            </a:extLst>
+          </p:cNvPr>
+          <p:cNvSpPr txBox="1">
+            <a:spLocks/>
+          </p:cNvSpPr>
+          <p:nvPr/>
+        </p:nvSpPr>
+        <p:spPr>
+          <a:xfrm>
+            <a:off x="838200" y="331305"/>
+            <a:ext cx="9471991" cy="480225"/>
+          </a:xfrm>
+          <a:prstGeom prst="rect">
+            <a:avLst/>
+          </a:prstGeom>
+        </p:spPr>
+        <p:txBody>
+          <a:bodyPr/>
+          <a:lstStyle>
+            <a:lvl1pPr marL="228600" indent="-228600" algn="l" defTabSz="914400" rtl="0" eaLnBrk="1" latinLnBrk="0" hangingPunct="1">
+              <a:lnSpc>
+                <a:spcPct val="90000"/>
+              </a:lnSpc>
+              <a:spcBef>
+                <a:spcPts val="1000"/>
+              </a:spcBef>
+              <a:buFont typeface="Arial" panose="020B0604020202020204" pitchFamily="34" charset="0"/>
+              <a:buChar char="•"/>
+              <a:defRPr sz="2800" kern="1200">
+                <a:solidFill>
+                  <a:schemeClr val="tx1"/>
+                </a:solidFill>
+                <a:latin typeface="+mn-lt"/>
+                <a:ea typeface="+mn-ea"/>
+                <a:cs typeface="+mn-cs"/>
+              </a:defRPr>
+            </a:lvl1pPr>
+            <a:lvl2pPr marL="685800" indent="-228600" algn="l" defTabSz="914400" rtl="0" eaLnBrk="1" latinLnBrk="0" hangingPunct="1">
+              <a:lnSpc>
+                <a:spcPct val="90000"/>
+              </a:lnSpc>
+              <a:spcBef>
+                <a:spcPts val="500"/>
+              </a:spcBef>
+              <a:buFont typeface="Arial" panose="020B0604020202020204" pitchFamily="34" charset="0"/>
+              <a:buChar char="•"/>
+              <a:defRPr sz="2400" kern="1200">
+                <a:solidFill>
+                  <a:schemeClr val="tx1"/>
+                </a:solidFill>
+                <a:latin typeface="+mn-lt"/>
+                <a:ea typeface="+mn-ea"/>
+                <a:cs typeface="+mn-cs"/>
+              </a:defRPr>
+            </a:lvl2pPr>
+            <a:lvl3pPr marL="1143000" indent="-228600" algn="l" defTabSz="914400" rtl="0" eaLnBrk="1" latinLnBrk="0" hangingPunct="1">
+              <a:lnSpc>
+                <a:spcPct val="90000"/>
+              </a:lnSpc>
+              <a:spcBef>
+                <a:spcPts val="500"/>
+              </a:spcBef>
+              <a:buFont typeface="Arial" panose="020B0604020202020204" pitchFamily="34" charset="0"/>
+              <a:buChar char="•"/>
+              <a:defRPr sz="2000" kern="1200">
+                <a:solidFill>
+                  <a:schemeClr val="tx1"/>
+                </a:solidFill>
+                <a:latin typeface="+mn-lt"/>
+                <a:ea typeface="+mn-ea"/>
+                <a:cs typeface="+mn-cs"/>
+              </a:defRPr>
+            </a:lvl3pPr>
+            <a:lvl4pPr marL="1600200" indent="-228600" algn="l" defTabSz="914400" rtl="0" eaLnBrk="1" latinLnBrk="0" hangingPunct="1">
+              <a:lnSpc>
+                <a:spcPct val="90000"/>
+              </a:lnSpc>
+              <a:spcBef>
+                <a:spcPts val="500"/>
+              </a:spcBef>
+              <a:buFont typeface="Arial" panose="020B0604020202020204" pitchFamily="34" charset="0"/>
+              <a:buChar char="•"/>
+              <a:defRPr sz="1800" kern="1200">
+                <a:solidFill>
+                  <a:schemeClr val="tx1"/>
+                </a:solidFill>
+                <a:latin typeface="+mn-lt"/>
+                <a:ea typeface="+mn-ea"/>
+                <a:cs typeface="+mn-cs"/>
+              </a:defRPr>
+            </a:lvl4pPr>
+            <a:lvl5pPr marL="2057400" indent="-228600" algn="l" defTabSz="914400" rtl="0" eaLnBrk="1" latinLnBrk="0" hangingPunct="1">
+              <a:lnSpc>
+                <a:spcPct val="90000"/>
+              </a:lnSpc>
+              <a:spcBef>
+                <a:spcPts val="500"/>
+              </a:spcBef>
+              <a:buFont typeface="Arial" panose="020B0604020202020204" pitchFamily="34" charset="0"/>
+              <a:buChar char="•"/>
+              <a:defRPr sz="1800" kern="1200">
+                <a:solidFill>
+                  <a:schemeClr val="tx1"/>
+                </a:solidFill>
+                <a:latin typeface="+mn-lt"/>
+                <a:ea typeface="+mn-ea"/>
+                <a:cs typeface="+mn-cs"/>
+              </a:defRPr>
+            </a:lvl5pPr>
+            <a:lvl6pPr marL="2514600" indent="-228600" algn="l" defTabSz="914400" rtl="0" eaLnBrk="1" latinLnBrk="0" hangingPunct="1">
+              <a:lnSpc>
+                <a:spcPct val="90000"/>
+              </a:lnSpc>
+              <a:spcBef>
+                <a:spcPts val="500"/>
+              </a:spcBef>
+              <a:buFont typeface="Arial" panose="020B0604020202020204" pitchFamily="34" charset="0"/>
+              <a:buChar char="•"/>
+              <a:defRPr sz="1800" kern="1200">
+                <a:solidFill>
+                  <a:schemeClr val="tx1"/>
+                </a:solidFill>
+                <a:latin typeface="+mn-lt"/>
+                <a:ea typeface="+mn-ea"/>
+                <a:cs typeface="+mn-cs"/>
+              </a:defRPr>
+            </a:lvl6pPr>
+            <a:lvl7pPr marL="2971800" indent="-228600" algn="l" defTabSz="914400" rtl="0" eaLnBrk="1" latinLnBrk="0" hangingPunct="1">
+              <a:lnSpc>
+                <a:spcPct val="90000"/>
+              </a:lnSpc>
+              <a:spcBef>
+                <a:spcPts val="500"/>
+              </a:spcBef>
+              <a:buFont typeface="Arial" panose="020B0604020202020204" pitchFamily="34" charset="0"/>
+              <a:buChar char="•"/>
+              <a:defRPr sz="1800" kern="1200">
+                <a:solidFill>
+                  <a:schemeClr val="tx1"/>
+                </a:solidFill>
+                <a:latin typeface="+mn-lt"/>
+                <a:ea typeface="+mn-ea"/>
+                <a:cs typeface="+mn-cs"/>
+              </a:defRPr>
+            </a:lvl7pPr>
+            <a:lvl8pPr marL="3429000" indent="-228600" algn="l" defTabSz="914400" rtl="0" eaLnBrk="1" latinLnBrk="0" hangingPunct="1">
+              <a:lnSpc>
+                <a:spcPct val="90000"/>
+              </a:lnSpc>
+              <a:spcBef>
+                <a:spcPts val="500"/>
+              </a:spcBef>
+              <a:buFont typeface="Arial" panose="020B0604020202020204" pitchFamily="34" charset="0"/>
+              <a:buChar char="•"/>
+              <a:defRPr sz="1800" kern="1200">
+                <a:solidFill>
+                  <a:schemeClr val="tx1"/>
+                </a:solidFill>
+                <a:latin typeface="+mn-lt"/>
+                <a:ea typeface="+mn-ea"/>
+                <a:cs typeface="+mn-cs"/>
+              </a:defRPr>
+            </a:lvl8pPr>
+            <a:lvl9pPr marL="3886200" indent="-228600" algn="l" defTabSz="914400" rtl="0" eaLnBrk="1" latinLnBrk="0" hangingPunct="1">
+              <a:lnSpc>
+                <a:spcPct val="90000"/>
+              </a:lnSpc>
+              <a:spcBef>
+                <a:spcPts val="500"/>
+              </a:spcBef>
+              <a:buFont typeface="Arial" panose="020B0604020202020204" pitchFamily="34" charset="0"/>
+              <a:buChar char="•"/>
+              <a:defRPr sz="1800" kern="1200">
+                <a:solidFill>
+                  <a:schemeClr val="tx1"/>
+                </a:solidFill>
+                <a:latin typeface="+mn-lt"/>
+                <a:ea typeface="+mn-ea"/>
+                <a:cs typeface="+mn-cs"/>
+              </a:defRPr>
+            </a:lvl9pPr>
+          </a:lstStyle>
+          <a:p>
+            <a:r>
+              <a:rPr lang="es-MX" dirty="0"/>
+              <a:t>Business </a:t>
+            </a:r>
+            <a:r>
+              <a:rPr lang="es-MX" dirty="0" err="1"/>
+              <a:t>Development</a:t>
+            </a:r>
+            <a:r>
+              <a:rPr lang="es-MX" dirty="0"/>
+              <a:t>: </a:t>
+            </a:r>
+            <a:r>
+              <a:rPr lang="es-MX" dirty="0" err="1"/>
+              <a:t>Create</a:t>
+            </a:r>
+            <a:r>
+              <a:rPr lang="es-MX" dirty="0"/>
+              <a:t> new RFQ</a:t>
+            </a:r>
+          </a:p>
+          <a:p>
+            <a:endParaRPr lang="es-MX" dirty="0"/>
+          </a:p>
+        </p:txBody>
+      </p:sp>
+      <p:pic>
+        <p:nvPicPr>
+          <p:cNvPr id="3" name="Picture 2">
+            <a:extLst>
+              <a:ext uri="{FF2B5EF4-FFF2-40B4-BE49-F238E27FC236}">
+                <a16:creationId xmlns:a16="http://schemas.microsoft.com/office/drawing/2014/main" id="{76265508-BF0B-4F19-9646-7345919391A9}"/>
+              </a:ext>
+            </a:extLst>
+          </p:cNvPr>
+          <p:cNvPicPr>
+            <a:picLocks noChangeAspect="1"/>
+          </p:cNvPicPr>
+          <p:nvPr/>
+        </p:nvPicPr>
+        <p:blipFill>
+          <a:blip r:embed="rId2"/>
+          <a:stretch>
+            <a:fillRect/>
+          </a:stretch>
+        </p:blipFill>
+        <p:spPr>
+          <a:xfrm>
+            <a:off x="219918" y="1077749"/>
+            <a:ext cx="2009187" cy="2441628"/>
+          </a:xfrm>
+          <a:prstGeom prst="rect">
+            <a:avLst/>
+          </a:prstGeom>
+        </p:spPr>
+      </p:pic>
+      <p:sp>
+        <p:nvSpPr>
+          <p:cNvPr id="4" name="Rectangle 3">
+            <a:extLst>
+              <a:ext uri="{FF2B5EF4-FFF2-40B4-BE49-F238E27FC236}">
+                <a16:creationId xmlns:a16="http://schemas.microsoft.com/office/drawing/2014/main" id="{1659915E-5182-4063-B26C-721D4458B0C6}"/>
+              </a:ext>
+            </a:extLst>
+          </p:cNvPr>
+          <p:cNvSpPr/>
+          <p:nvPr/>
+        </p:nvSpPr>
+        <p:spPr>
+          <a:xfrm>
+            <a:off x="219918" y="1908668"/>
+            <a:ext cx="1927859" cy="643146"/>
+          </a:xfrm>
+          <a:prstGeom prst="rect">
+            <a:avLst/>
+          </a:prstGeom>
+          <a:noFill/>
+          <a:ln w="79375">
+            <a:solidFill>
+              <a:schemeClr val="accent1">
+                <a:lumMod val="75000"/>
+              </a:schemeClr>
+            </a:solidFill>
+          </a:ln>
+        </p:spPr>
+        <p:style>
+          <a:lnRef idx="2">
+            <a:schemeClr val="accent1">
+              <a:shade val="50000"/>
+            </a:schemeClr>
+          </a:lnRef>
+          <a:fillRef idx="1">
+            <a:schemeClr val="accent1"/>
+          </a:fillRef>
+          <a:effectRef idx="0">
+            <a:schemeClr val="accent1"/>
+          </a:effectRef>
+          <a:fontRef idx="minor">
+            <a:schemeClr val="lt1"/>
+          </a:fontRef>
+        </p:style>
+        <p:txBody>
+          <a:bodyPr rtlCol="0" anchor="ctr"/>
+          <a:lstStyle/>
+          <a:p>
+            <a:pPr algn="ctr"/>
+            <a:endParaRPr lang="es-MX"/>
+          </a:p>
+        </p:txBody>
+      </p:sp>
+      <p:pic>
+        <p:nvPicPr>
+          <p:cNvPr id="5" name="Picture 4">
+            <a:extLst>
+              <a:ext uri="{FF2B5EF4-FFF2-40B4-BE49-F238E27FC236}">
+                <a16:creationId xmlns:a16="http://schemas.microsoft.com/office/drawing/2014/main" id="{DF261653-AB38-482E-94E0-8809D77E0520}"/>
+              </a:ext>
+            </a:extLst>
+          </p:cNvPr>
+          <p:cNvPicPr>
+            <a:picLocks noChangeAspect="1"/>
+          </p:cNvPicPr>
+          <p:nvPr/>
+        </p:nvPicPr>
+        <p:blipFill>
+          <a:blip r:embed="rId3"/>
+          <a:stretch>
+            <a:fillRect/>
+          </a:stretch>
+        </p:blipFill>
+        <p:spPr>
+          <a:xfrm>
+            <a:off x="3522261" y="1447221"/>
+            <a:ext cx="3327428" cy="1702684"/>
+          </a:xfrm>
+          <a:prstGeom prst="rect">
+            <a:avLst/>
+          </a:prstGeom>
+        </p:spPr>
+      </p:pic>
+      <p:cxnSp>
+        <p:nvCxnSpPr>
+          <p:cNvPr id="7" name="Connector: Elbow 6">
+            <a:extLst>
+              <a:ext uri="{FF2B5EF4-FFF2-40B4-BE49-F238E27FC236}">
+                <a16:creationId xmlns:a16="http://schemas.microsoft.com/office/drawing/2014/main" id="{4AA19A6D-F823-4A3F-9216-EBEF040D505F}"/>
+              </a:ext>
+            </a:extLst>
+          </p:cNvPr>
+          <p:cNvCxnSpPr>
+            <a:stCxn id="4" idx="3"/>
+          </p:cNvCxnSpPr>
+          <p:nvPr/>
+        </p:nvCxnSpPr>
+        <p:spPr>
+          <a:xfrm flipV="1">
+            <a:off x="2147777" y="2118167"/>
+            <a:ext cx="1374484" cy="112074"/>
+          </a:xfrm>
+          <a:prstGeom prst="bentConnector3">
+            <a:avLst/>
+          </a:prstGeom>
+          <a:ln>
+            <a:tailEnd type="triangle"/>
+          </a:ln>
+        </p:spPr>
+        <p:style>
+          <a:lnRef idx="1">
+            <a:schemeClr val="accent1"/>
+          </a:lnRef>
+          <a:fillRef idx="0">
+            <a:schemeClr val="accent1"/>
+          </a:fillRef>
+          <a:effectRef idx="0">
+            <a:schemeClr val="accent1"/>
+          </a:effectRef>
+          <a:fontRef idx="minor">
+            <a:schemeClr val="tx1"/>
+          </a:fontRef>
+        </p:style>
+      </p:cxnSp>
+      <p:sp>
+        <p:nvSpPr>
+          <p:cNvPr id="8" name="TextBox 7">
+            <a:extLst>
+              <a:ext uri="{FF2B5EF4-FFF2-40B4-BE49-F238E27FC236}">
+                <a16:creationId xmlns:a16="http://schemas.microsoft.com/office/drawing/2014/main" id="{04E08933-0D61-458F-B3DC-4E965162BA9F}"/>
+              </a:ext>
+            </a:extLst>
+          </p:cNvPr>
+          <p:cNvSpPr txBox="1"/>
+          <p:nvPr/>
+        </p:nvSpPr>
+        <p:spPr>
+          <a:xfrm>
+            <a:off x="3503730" y="880073"/>
+            <a:ext cx="3637551" cy="584775"/>
+          </a:xfrm>
+          <a:prstGeom prst="rect">
+            <a:avLst/>
+          </a:prstGeom>
+          <a:noFill/>
+        </p:spPr>
+        <p:txBody>
+          <a:bodyPr wrap="square" rtlCol="0">
+            <a:spAutoFit/>
+          </a:bodyPr>
+          <a:lstStyle/>
+          <a:p>
+            <a:r>
+              <a:rPr lang="es-MX" sz="1600" dirty="0"/>
+              <a:t>Step 1. </a:t>
+            </a:r>
+            <a:r>
+              <a:rPr lang="es-MX" sz="1600" dirty="0" err="1"/>
+              <a:t>Select</a:t>
+            </a:r>
+            <a:r>
+              <a:rPr lang="es-MX" sz="1600" dirty="0"/>
+              <a:t> </a:t>
+            </a:r>
+            <a:r>
+              <a:rPr lang="es-MX" sz="1600" dirty="0" err="1"/>
+              <a:t>one</a:t>
+            </a:r>
+            <a:r>
+              <a:rPr lang="es-MX" sz="1600" dirty="0"/>
+              <a:t> “</a:t>
+            </a:r>
+            <a:r>
+              <a:rPr lang="es-MX" sz="1600" dirty="0" err="1"/>
+              <a:t>Customer</a:t>
+            </a:r>
+            <a:r>
+              <a:rPr lang="es-MX" sz="1600" dirty="0"/>
+              <a:t>” </a:t>
+            </a:r>
+            <a:r>
+              <a:rPr lang="es-MX" sz="1600" dirty="0" err="1"/>
+              <a:t>from</a:t>
+            </a:r>
+            <a:r>
+              <a:rPr lang="es-MX" sz="1600" dirty="0"/>
+              <a:t> </a:t>
+            </a:r>
+            <a:r>
+              <a:rPr lang="es-MX" sz="1600" dirty="0" err="1"/>
+              <a:t>List</a:t>
+            </a:r>
+            <a:r>
+              <a:rPr lang="es-MX" sz="1600" dirty="0"/>
+              <a:t> after </a:t>
+            </a:r>
+            <a:r>
+              <a:rPr lang="es-MX" sz="1600" dirty="0" err="1"/>
+              <a:t>selecting</a:t>
+            </a:r>
+            <a:r>
+              <a:rPr lang="es-MX" sz="1600" dirty="0"/>
+              <a:t> a “</a:t>
+            </a:r>
+            <a:r>
+              <a:rPr lang="es-MX" sz="1600" dirty="0" err="1"/>
+              <a:t>Site</a:t>
+            </a:r>
+            <a:r>
+              <a:rPr lang="es-MX" sz="1600" dirty="0"/>
+              <a:t> </a:t>
+            </a:r>
+            <a:r>
+              <a:rPr lang="es-MX" sz="1600" dirty="0" err="1"/>
+              <a:t>Name</a:t>
+            </a:r>
+            <a:r>
+              <a:rPr lang="es-MX" sz="1600" dirty="0"/>
+              <a:t>”</a:t>
+            </a:r>
+          </a:p>
+        </p:txBody>
+      </p:sp>
+      <p:pic>
+        <p:nvPicPr>
+          <p:cNvPr id="9" name="Picture 8">
+            <a:extLst>
+              <a:ext uri="{FF2B5EF4-FFF2-40B4-BE49-F238E27FC236}">
+                <a16:creationId xmlns:a16="http://schemas.microsoft.com/office/drawing/2014/main" id="{AAA55B04-2ADC-4BFB-8A31-A9F5737B1F77}"/>
+              </a:ext>
+            </a:extLst>
+          </p:cNvPr>
+          <p:cNvPicPr>
+            <a:picLocks noChangeAspect="1"/>
+          </p:cNvPicPr>
+          <p:nvPr/>
+        </p:nvPicPr>
+        <p:blipFill>
+          <a:blip r:embed="rId4"/>
+          <a:stretch>
+            <a:fillRect/>
+          </a:stretch>
+        </p:blipFill>
+        <p:spPr>
+          <a:xfrm>
+            <a:off x="8915472" y="1379941"/>
+            <a:ext cx="2789438" cy="1476451"/>
+          </a:xfrm>
+          <a:prstGeom prst="rect">
+            <a:avLst/>
+          </a:prstGeom>
+        </p:spPr>
+      </p:pic>
+      <p:cxnSp>
+        <p:nvCxnSpPr>
+          <p:cNvPr id="11" name="Straight Arrow Connector 10">
+            <a:extLst>
+              <a:ext uri="{FF2B5EF4-FFF2-40B4-BE49-F238E27FC236}">
+                <a16:creationId xmlns:a16="http://schemas.microsoft.com/office/drawing/2014/main" id="{0495BF83-C73B-495E-B6CD-F684E4193738}"/>
+              </a:ext>
+            </a:extLst>
+          </p:cNvPr>
+          <p:cNvCxnSpPr/>
+          <p:nvPr/>
+        </p:nvCxnSpPr>
+        <p:spPr>
+          <a:xfrm>
+            <a:off x="7141281" y="2118166"/>
+            <a:ext cx="1527859" cy="0"/>
+          </a:xfrm>
+          <a:prstGeom prst="straightConnector1">
+            <a:avLst/>
+          </a:prstGeom>
+          <a:ln>
+            <a:tailEnd type="triangle"/>
+          </a:ln>
+        </p:spPr>
+        <p:style>
+          <a:lnRef idx="1">
+            <a:schemeClr val="accent1"/>
+          </a:lnRef>
+          <a:fillRef idx="0">
+            <a:schemeClr val="accent1"/>
+          </a:fillRef>
+          <a:effectRef idx="0">
+            <a:schemeClr val="accent1"/>
+          </a:effectRef>
+          <a:fontRef idx="minor">
+            <a:schemeClr val="tx1"/>
+          </a:fontRef>
+        </p:style>
+      </p:cxnSp>
+      <p:sp>
+        <p:nvSpPr>
+          <p:cNvPr id="12" name="TextBox 11">
+            <a:extLst>
+              <a:ext uri="{FF2B5EF4-FFF2-40B4-BE49-F238E27FC236}">
+                <a16:creationId xmlns:a16="http://schemas.microsoft.com/office/drawing/2014/main" id="{8139A7B5-D2DB-4D0E-9D4C-D4B127EE5580}"/>
+              </a:ext>
+            </a:extLst>
+          </p:cNvPr>
+          <p:cNvSpPr txBox="1"/>
+          <p:nvPr/>
+        </p:nvSpPr>
+        <p:spPr>
+          <a:xfrm>
+            <a:off x="7217535" y="1739391"/>
+            <a:ext cx="1330091" cy="338554"/>
+          </a:xfrm>
+          <a:prstGeom prst="rect">
+            <a:avLst/>
+          </a:prstGeom>
+          <a:noFill/>
+        </p:spPr>
+        <p:txBody>
+          <a:bodyPr wrap="square" rtlCol="0">
+            <a:spAutoFit/>
+          </a:bodyPr>
+          <a:lstStyle/>
+          <a:p>
+            <a:r>
+              <a:rPr lang="es-MX" sz="1600" dirty="0" err="1"/>
+              <a:t>Go</a:t>
+            </a:r>
+            <a:r>
+              <a:rPr lang="es-MX" sz="1600" dirty="0"/>
+              <a:t> </a:t>
+            </a:r>
+            <a:r>
+              <a:rPr lang="es-MX" sz="1600" dirty="0" err="1"/>
+              <a:t>to</a:t>
+            </a:r>
+            <a:r>
+              <a:rPr lang="es-MX" sz="1600" dirty="0"/>
+              <a:t> Step 2</a:t>
+            </a:r>
+          </a:p>
+        </p:txBody>
+      </p:sp>
+      <p:pic>
+        <p:nvPicPr>
+          <p:cNvPr id="13" name="Picture 12">
+            <a:extLst>
+              <a:ext uri="{FF2B5EF4-FFF2-40B4-BE49-F238E27FC236}">
+                <a16:creationId xmlns:a16="http://schemas.microsoft.com/office/drawing/2014/main" id="{7A7051F8-AA16-42C1-AF60-ACC3935A3407}"/>
+              </a:ext>
+            </a:extLst>
+          </p:cNvPr>
+          <p:cNvPicPr>
+            <a:picLocks noChangeAspect="1"/>
+          </p:cNvPicPr>
+          <p:nvPr/>
+        </p:nvPicPr>
+        <p:blipFill>
+          <a:blip r:embed="rId5"/>
+          <a:stretch>
+            <a:fillRect/>
+          </a:stretch>
+        </p:blipFill>
+        <p:spPr>
+          <a:xfrm>
+            <a:off x="0" y="4456542"/>
+            <a:ext cx="3920636" cy="2401458"/>
+          </a:xfrm>
+          <a:prstGeom prst="rect">
+            <a:avLst/>
+          </a:prstGeom>
+        </p:spPr>
+      </p:pic>
+      <p:sp>
+        <p:nvSpPr>
+          <p:cNvPr id="14" name="TextBox 13">
+            <a:extLst>
+              <a:ext uri="{FF2B5EF4-FFF2-40B4-BE49-F238E27FC236}">
+                <a16:creationId xmlns:a16="http://schemas.microsoft.com/office/drawing/2014/main" id="{E1AE10C3-8A09-4D5B-A3E9-C6A95DCD266C}"/>
+              </a:ext>
+            </a:extLst>
+          </p:cNvPr>
+          <p:cNvSpPr txBox="1"/>
+          <p:nvPr/>
+        </p:nvSpPr>
+        <p:spPr>
+          <a:xfrm>
+            <a:off x="20599" y="3931934"/>
+            <a:ext cx="11473195" cy="584775"/>
+          </a:xfrm>
+          <a:prstGeom prst="rect">
+            <a:avLst/>
+          </a:prstGeom>
+          <a:noFill/>
+        </p:spPr>
+        <p:txBody>
+          <a:bodyPr wrap="square" rtlCol="0">
+            <a:spAutoFit/>
+          </a:bodyPr>
+          <a:lstStyle/>
+          <a:p>
+            <a:r>
+              <a:rPr lang="es-MX" sz="1600" dirty="0"/>
+              <a:t>Step 2. </a:t>
+            </a:r>
+            <a:r>
+              <a:rPr lang="es-MX" sz="1600" dirty="0" err="1"/>
+              <a:t>Select</a:t>
+            </a:r>
+            <a:r>
+              <a:rPr lang="es-MX" sz="1600" dirty="0"/>
+              <a:t> </a:t>
+            </a:r>
+            <a:r>
+              <a:rPr lang="es-MX" sz="1600" dirty="0" err="1"/>
+              <a:t>additional</a:t>
+            </a:r>
+            <a:r>
+              <a:rPr lang="es-MX" sz="1600" dirty="0"/>
+              <a:t> </a:t>
+            </a:r>
+            <a:r>
+              <a:rPr lang="es-MX" sz="1600" dirty="0" err="1"/>
+              <a:t>info</a:t>
+            </a:r>
+            <a:r>
+              <a:rPr lang="es-MX" sz="1600" dirty="0"/>
+              <a:t>.: “</a:t>
+            </a:r>
+            <a:r>
+              <a:rPr lang="es-MX" sz="1600" dirty="0" err="1"/>
+              <a:t>Type</a:t>
+            </a:r>
+            <a:r>
+              <a:rPr lang="es-MX" sz="1600" dirty="0"/>
+              <a:t> </a:t>
+            </a:r>
+            <a:r>
+              <a:rPr lang="es-MX" sz="1600" dirty="0" err="1"/>
+              <a:t>of</a:t>
+            </a:r>
+            <a:r>
+              <a:rPr lang="es-MX" sz="1600" dirty="0"/>
+              <a:t> </a:t>
+            </a:r>
+            <a:r>
+              <a:rPr lang="es-MX" sz="1600" dirty="0" err="1"/>
+              <a:t>Work</a:t>
+            </a:r>
+            <a:r>
+              <a:rPr lang="es-MX" sz="1600" dirty="0"/>
+              <a:t>” ,“ </a:t>
+            </a:r>
+            <a:r>
+              <a:rPr lang="es-MX" sz="1600" dirty="0" err="1"/>
+              <a:t>Scope</a:t>
+            </a:r>
+            <a:r>
+              <a:rPr lang="es-MX" sz="1600" dirty="0"/>
+              <a:t> </a:t>
+            </a:r>
+            <a:r>
+              <a:rPr lang="es-MX" sz="1600" dirty="0" err="1"/>
+              <a:t>of</a:t>
+            </a:r>
+            <a:r>
+              <a:rPr lang="es-MX" sz="1600" dirty="0"/>
+              <a:t> </a:t>
+            </a:r>
+            <a:r>
+              <a:rPr lang="es-MX" sz="1600" dirty="0" err="1"/>
+              <a:t>Work</a:t>
+            </a:r>
+            <a:r>
+              <a:rPr lang="es-MX" sz="1600" dirty="0"/>
+              <a:t>”,  “Project </a:t>
+            </a:r>
+            <a:r>
+              <a:rPr lang="es-MX" sz="1600" dirty="0" err="1"/>
+              <a:t>Description</a:t>
+            </a:r>
+            <a:r>
+              <a:rPr lang="es-MX" sz="1600" dirty="0"/>
+              <a:t>”, </a:t>
+            </a:r>
+            <a:r>
+              <a:rPr lang="es-MX" sz="1600" dirty="0" err="1"/>
+              <a:t>Special</a:t>
+            </a:r>
+            <a:r>
+              <a:rPr lang="es-MX" sz="1600" dirty="0"/>
+              <a:t> notes and </a:t>
+            </a:r>
+            <a:r>
+              <a:rPr lang="es-MX" sz="1600" dirty="0" err="1"/>
+              <a:t>instructions</a:t>
+            </a:r>
+            <a:r>
+              <a:rPr lang="es-MX" sz="1600" dirty="0"/>
+              <a:t> and </a:t>
+            </a:r>
+            <a:r>
+              <a:rPr lang="es-MX" sz="1600" dirty="0" err="1"/>
+              <a:t>Review</a:t>
+            </a:r>
+            <a:r>
+              <a:rPr lang="es-MX" sz="1600" dirty="0"/>
+              <a:t> </a:t>
+            </a:r>
+            <a:r>
+              <a:rPr lang="es-MX" sz="1600" dirty="0" err="1"/>
+              <a:t>if</a:t>
+            </a:r>
+            <a:r>
+              <a:rPr lang="es-MX" sz="1600" dirty="0"/>
+              <a:t> “</a:t>
+            </a:r>
+            <a:r>
+              <a:rPr lang="es-MX" sz="1600" dirty="0" err="1"/>
+              <a:t>Terms</a:t>
+            </a:r>
+            <a:r>
+              <a:rPr lang="es-MX" sz="1600" dirty="0"/>
+              <a:t> &amp; </a:t>
+            </a:r>
+            <a:r>
+              <a:rPr lang="es-MX" sz="1600" dirty="0" err="1"/>
+              <a:t>Conditions</a:t>
+            </a:r>
+            <a:r>
+              <a:rPr lang="es-MX" sz="1600" dirty="0"/>
+              <a:t>” are </a:t>
+            </a:r>
+            <a:r>
+              <a:rPr lang="es-MX" sz="1600" dirty="0" err="1"/>
+              <a:t>correct</a:t>
+            </a:r>
+            <a:r>
+              <a:rPr lang="es-MX" sz="1600" dirty="0"/>
+              <a:t>. </a:t>
+            </a:r>
+            <a:r>
+              <a:rPr lang="es-MX" sz="1600" dirty="0" err="1"/>
+              <a:t>Go</a:t>
+            </a:r>
+            <a:r>
+              <a:rPr lang="es-MX" sz="1600" dirty="0"/>
+              <a:t> </a:t>
+            </a:r>
+            <a:r>
+              <a:rPr lang="es-MX" sz="1600" dirty="0" err="1"/>
+              <a:t>to</a:t>
+            </a:r>
+            <a:r>
+              <a:rPr lang="es-MX" sz="1600" dirty="0"/>
+              <a:t> Step 3</a:t>
+            </a:r>
+          </a:p>
+        </p:txBody>
+      </p:sp>
+      <p:pic>
+        <p:nvPicPr>
+          <p:cNvPr id="15" name="Picture 14">
+            <a:extLst>
+              <a:ext uri="{FF2B5EF4-FFF2-40B4-BE49-F238E27FC236}">
+                <a16:creationId xmlns:a16="http://schemas.microsoft.com/office/drawing/2014/main" id="{F150CBB7-F668-4559-8728-F173D7163537}"/>
+              </a:ext>
+            </a:extLst>
+          </p:cNvPr>
+          <p:cNvPicPr>
+            <a:picLocks noChangeAspect="1"/>
+          </p:cNvPicPr>
+          <p:nvPr/>
+        </p:nvPicPr>
+        <p:blipFill>
+          <a:blip r:embed="rId6"/>
+          <a:stretch>
+            <a:fillRect/>
+          </a:stretch>
+        </p:blipFill>
+        <p:spPr>
+          <a:xfrm>
+            <a:off x="6534937" y="4314498"/>
+            <a:ext cx="4268406" cy="2543502"/>
+          </a:xfrm>
+          <a:prstGeom prst="rect">
+            <a:avLst/>
+          </a:prstGeom>
+        </p:spPr>
+      </p:pic>
+      <p:cxnSp>
+        <p:nvCxnSpPr>
+          <p:cNvPr id="17" name="Connector: Elbow 16">
+            <a:extLst>
+              <a:ext uri="{FF2B5EF4-FFF2-40B4-BE49-F238E27FC236}">
+                <a16:creationId xmlns:a16="http://schemas.microsoft.com/office/drawing/2014/main" id="{8B77B7F4-2EFD-4EAD-BB5A-C71C4FF145FF}"/>
+              </a:ext>
+            </a:extLst>
+          </p:cNvPr>
+          <p:cNvCxnSpPr>
+            <a:stCxn id="13" idx="3"/>
+            <a:endCxn id="15" idx="1"/>
+          </p:cNvCxnSpPr>
+          <p:nvPr/>
+        </p:nvCxnSpPr>
+        <p:spPr>
+          <a:xfrm flipV="1">
+            <a:off x="3920636" y="5586249"/>
+            <a:ext cx="2614301" cy="71022"/>
+          </a:xfrm>
+          <a:prstGeom prst="bentConnector3">
+            <a:avLst/>
+          </a:prstGeom>
+          <a:ln>
+            <a:tailEnd type="triangle"/>
+          </a:ln>
+        </p:spPr>
+        <p:style>
+          <a:lnRef idx="1">
+            <a:schemeClr val="accent1"/>
+          </a:lnRef>
+          <a:fillRef idx="0">
+            <a:schemeClr val="accent1"/>
+          </a:fillRef>
+          <a:effectRef idx="0">
+            <a:schemeClr val="accent1"/>
+          </a:effectRef>
+          <a:fontRef idx="minor">
+            <a:schemeClr val="tx1"/>
+          </a:fontRef>
+        </p:style>
+      </p:cxnSp>
+    </p:spTree>
+    <p:extLst>
+      <p:ext uri="{BB962C8B-B14F-4D97-AF65-F5344CB8AC3E}">
+        <p14:creationId xmlns:p14="http://schemas.microsoft.com/office/powerpoint/2010/main" val="665456028"/>
+      </p:ext>
+    </p:extLst>
+  </p:cSld>
+  <p:clrMapOvr>
+    <a:masterClrMapping/>
+  </p:clrMapOvr>
+</p:sld>
+</file>
+
+<file path=ppt/slides/slide13.xml><?xml version="1.0" encoding="utf-8"?>
+<p:sld xmlns:a="http://schemas.openxmlformats.org/drawingml/2006/main" xmlns:r="http://schemas.openxmlformats.org/officeDocument/2006/relationships" xmlns:p="http://schemas.openxmlformats.org/presentationml/2006/main">
+  <p:cSld>
+    <p:spTree>
+      <p:nvGrpSpPr>
+        <p:cNvPr id="1" name=""/>
+        <p:cNvGrpSpPr/>
+        <p:nvPr/>
+      </p:nvGrpSpPr>
+      <p:grpSpPr>
+        <a:xfrm>
+          <a:off x="0" y="0"/>
+          <a:ext cx="0" cy="0"/>
+          <a:chOff x="0" y="0"/>
+          <a:chExt cx="0" cy="0"/>
+        </a:xfrm>
+      </p:grpSpPr>
+      <p:sp>
+        <p:nvSpPr>
+          <p:cNvPr id="2" name="Content Placeholder 2">
+            <a:extLst>
+              <a:ext uri="{FF2B5EF4-FFF2-40B4-BE49-F238E27FC236}">
+                <a16:creationId xmlns:a16="http://schemas.microsoft.com/office/drawing/2014/main" id="{ED21A795-8589-4A47-990A-A85AE519CFE5}"/>
+              </a:ext>
+            </a:extLst>
+          </p:cNvPr>
+          <p:cNvSpPr txBox="1">
+            <a:spLocks/>
+          </p:cNvSpPr>
+          <p:nvPr/>
+        </p:nvSpPr>
+        <p:spPr>
+          <a:xfrm>
+            <a:off x="838200" y="331305"/>
+            <a:ext cx="9471991" cy="480225"/>
+          </a:xfrm>
+          <a:prstGeom prst="rect">
+            <a:avLst/>
+          </a:prstGeom>
+        </p:spPr>
+        <p:txBody>
+          <a:bodyPr/>
+          <a:lstStyle>
+            <a:lvl1pPr marL="228600" indent="-228600" algn="l" defTabSz="914400" rtl="0" eaLnBrk="1" latinLnBrk="0" hangingPunct="1">
+              <a:lnSpc>
+                <a:spcPct val="90000"/>
+              </a:lnSpc>
+              <a:spcBef>
+                <a:spcPts val="1000"/>
+              </a:spcBef>
+              <a:buFont typeface="Arial" panose="020B0604020202020204" pitchFamily="34" charset="0"/>
+              <a:buChar char="•"/>
+              <a:defRPr sz="2800" kern="1200">
+                <a:solidFill>
+                  <a:schemeClr val="tx1"/>
+                </a:solidFill>
+                <a:latin typeface="+mn-lt"/>
+                <a:ea typeface="+mn-ea"/>
+                <a:cs typeface="+mn-cs"/>
+              </a:defRPr>
+            </a:lvl1pPr>
+            <a:lvl2pPr marL="685800" indent="-228600" algn="l" defTabSz="914400" rtl="0" eaLnBrk="1" latinLnBrk="0" hangingPunct="1">
+              <a:lnSpc>
+                <a:spcPct val="90000"/>
+              </a:lnSpc>
+              <a:spcBef>
+                <a:spcPts val="500"/>
+              </a:spcBef>
+              <a:buFont typeface="Arial" panose="020B0604020202020204" pitchFamily="34" charset="0"/>
+              <a:buChar char="•"/>
+              <a:defRPr sz="2400" kern="1200">
+                <a:solidFill>
+                  <a:schemeClr val="tx1"/>
+                </a:solidFill>
+                <a:latin typeface="+mn-lt"/>
+                <a:ea typeface="+mn-ea"/>
+                <a:cs typeface="+mn-cs"/>
+              </a:defRPr>
+            </a:lvl2pPr>
+            <a:lvl3pPr marL="1143000" indent="-228600" algn="l" defTabSz="914400" rtl="0" eaLnBrk="1" latinLnBrk="0" hangingPunct="1">
+              <a:lnSpc>
+                <a:spcPct val="90000"/>
+              </a:lnSpc>
+              <a:spcBef>
+                <a:spcPts val="500"/>
+              </a:spcBef>
+              <a:buFont typeface="Arial" panose="020B0604020202020204" pitchFamily="34" charset="0"/>
+              <a:buChar char="•"/>
+              <a:defRPr sz="2000" kern="1200">
+                <a:solidFill>
+                  <a:schemeClr val="tx1"/>
+                </a:solidFill>
+                <a:latin typeface="+mn-lt"/>
+                <a:ea typeface="+mn-ea"/>
+                <a:cs typeface="+mn-cs"/>
+              </a:defRPr>
+            </a:lvl3pPr>
+            <a:lvl4pPr marL="1600200" indent="-228600" algn="l" defTabSz="914400" rtl="0" eaLnBrk="1" latinLnBrk="0" hangingPunct="1">
+              <a:lnSpc>
+                <a:spcPct val="90000"/>
+              </a:lnSpc>
+              <a:spcBef>
+                <a:spcPts val="500"/>
+              </a:spcBef>
+              <a:buFont typeface="Arial" panose="020B0604020202020204" pitchFamily="34" charset="0"/>
+              <a:buChar char="•"/>
+              <a:defRPr sz="1800" kern="1200">
+                <a:solidFill>
+                  <a:schemeClr val="tx1"/>
+                </a:solidFill>
+                <a:latin typeface="+mn-lt"/>
+                <a:ea typeface="+mn-ea"/>
+                <a:cs typeface="+mn-cs"/>
+              </a:defRPr>
+            </a:lvl4pPr>
+            <a:lvl5pPr marL="2057400" indent="-228600" algn="l" defTabSz="914400" rtl="0" eaLnBrk="1" latinLnBrk="0" hangingPunct="1">
+              <a:lnSpc>
+                <a:spcPct val="90000"/>
+              </a:lnSpc>
+              <a:spcBef>
+                <a:spcPts val="500"/>
+              </a:spcBef>
+              <a:buFont typeface="Arial" panose="020B0604020202020204" pitchFamily="34" charset="0"/>
+              <a:buChar char="•"/>
+              <a:defRPr sz="1800" kern="1200">
+                <a:solidFill>
+                  <a:schemeClr val="tx1"/>
+                </a:solidFill>
+                <a:latin typeface="+mn-lt"/>
+                <a:ea typeface="+mn-ea"/>
+                <a:cs typeface="+mn-cs"/>
+              </a:defRPr>
+            </a:lvl5pPr>
+            <a:lvl6pPr marL="2514600" indent="-228600" algn="l" defTabSz="914400" rtl="0" eaLnBrk="1" latinLnBrk="0" hangingPunct="1">
+              <a:lnSpc>
+                <a:spcPct val="90000"/>
+              </a:lnSpc>
+              <a:spcBef>
+                <a:spcPts val="500"/>
+              </a:spcBef>
+              <a:buFont typeface="Arial" panose="020B0604020202020204" pitchFamily="34" charset="0"/>
+              <a:buChar char="•"/>
+              <a:defRPr sz="1800" kern="1200">
+                <a:solidFill>
+                  <a:schemeClr val="tx1"/>
+                </a:solidFill>
+                <a:latin typeface="+mn-lt"/>
+                <a:ea typeface="+mn-ea"/>
+                <a:cs typeface="+mn-cs"/>
+              </a:defRPr>
+            </a:lvl6pPr>
+            <a:lvl7pPr marL="2971800" indent="-228600" algn="l" defTabSz="914400" rtl="0" eaLnBrk="1" latinLnBrk="0" hangingPunct="1">
+              <a:lnSpc>
+                <a:spcPct val="90000"/>
+              </a:lnSpc>
+              <a:spcBef>
+                <a:spcPts val="500"/>
+              </a:spcBef>
+              <a:buFont typeface="Arial" panose="020B0604020202020204" pitchFamily="34" charset="0"/>
+              <a:buChar char="•"/>
+              <a:defRPr sz="1800" kern="1200">
+                <a:solidFill>
+                  <a:schemeClr val="tx1"/>
+                </a:solidFill>
+                <a:latin typeface="+mn-lt"/>
+                <a:ea typeface="+mn-ea"/>
+                <a:cs typeface="+mn-cs"/>
+              </a:defRPr>
+            </a:lvl7pPr>
+            <a:lvl8pPr marL="3429000" indent="-228600" algn="l" defTabSz="914400" rtl="0" eaLnBrk="1" latinLnBrk="0" hangingPunct="1">
+              <a:lnSpc>
+                <a:spcPct val="90000"/>
+              </a:lnSpc>
+              <a:spcBef>
+                <a:spcPts val="500"/>
+              </a:spcBef>
+              <a:buFont typeface="Arial" panose="020B0604020202020204" pitchFamily="34" charset="0"/>
+              <a:buChar char="•"/>
+              <a:defRPr sz="1800" kern="1200">
+                <a:solidFill>
+                  <a:schemeClr val="tx1"/>
+                </a:solidFill>
+                <a:latin typeface="+mn-lt"/>
+                <a:ea typeface="+mn-ea"/>
+                <a:cs typeface="+mn-cs"/>
+              </a:defRPr>
+            </a:lvl8pPr>
+            <a:lvl9pPr marL="3886200" indent="-228600" algn="l" defTabSz="914400" rtl="0" eaLnBrk="1" latinLnBrk="0" hangingPunct="1">
+              <a:lnSpc>
+                <a:spcPct val="90000"/>
+              </a:lnSpc>
+              <a:spcBef>
+                <a:spcPts val="500"/>
+              </a:spcBef>
+              <a:buFont typeface="Arial" panose="020B0604020202020204" pitchFamily="34" charset="0"/>
+              <a:buChar char="•"/>
+              <a:defRPr sz="1800" kern="1200">
+                <a:solidFill>
+                  <a:schemeClr val="tx1"/>
+                </a:solidFill>
+                <a:latin typeface="+mn-lt"/>
+                <a:ea typeface="+mn-ea"/>
+                <a:cs typeface="+mn-cs"/>
+              </a:defRPr>
+            </a:lvl9pPr>
+          </a:lstStyle>
+          <a:p>
+            <a:r>
+              <a:rPr lang="es-MX" dirty="0"/>
+              <a:t>Business </a:t>
+            </a:r>
+            <a:r>
+              <a:rPr lang="es-MX" dirty="0" err="1"/>
+              <a:t>Development</a:t>
+            </a:r>
+            <a:r>
+              <a:rPr lang="es-MX" dirty="0"/>
+              <a:t>: </a:t>
+            </a:r>
+            <a:r>
+              <a:rPr lang="es-MX" dirty="0" err="1"/>
+              <a:t>Create</a:t>
+            </a:r>
+            <a:r>
+              <a:rPr lang="es-MX" dirty="0"/>
+              <a:t> new RFQ</a:t>
+            </a:r>
+          </a:p>
+          <a:p>
+            <a:endParaRPr lang="es-MX" dirty="0"/>
+          </a:p>
+        </p:txBody>
+      </p:sp>
+      <p:sp>
+        <p:nvSpPr>
+          <p:cNvPr id="3" name="TextBox 2">
+            <a:extLst>
+              <a:ext uri="{FF2B5EF4-FFF2-40B4-BE49-F238E27FC236}">
+                <a16:creationId xmlns:a16="http://schemas.microsoft.com/office/drawing/2014/main" id="{A23C3884-DA1B-4339-A2FB-C5BF6E0FBB61}"/>
+              </a:ext>
+            </a:extLst>
+          </p:cNvPr>
+          <p:cNvSpPr txBox="1"/>
+          <p:nvPr/>
+        </p:nvSpPr>
+        <p:spPr>
+          <a:xfrm>
+            <a:off x="61247" y="1099992"/>
+            <a:ext cx="5512948" cy="338554"/>
+          </a:xfrm>
+          <a:prstGeom prst="rect">
+            <a:avLst/>
+          </a:prstGeom>
+          <a:noFill/>
+        </p:spPr>
+        <p:txBody>
+          <a:bodyPr wrap="square" rtlCol="0">
+            <a:spAutoFit/>
+          </a:bodyPr>
+          <a:lstStyle/>
+          <a:p>
+            <a:r>
+              <a:rPr lang="es-MX" sz="1600" dirty="0"/>
+              <a:t>Step 3. A) </a:t>
+            </a:r>
+            <a:r>
+              <a:rPr lang="es-MX" sz="1600" dirty="0" err="1"/>
+              <a:t>Asign</a:t>
+            </a:r>
+            <a:r>
+              <a:rPr lang="es-MX" sz="1600" dirty="0"/>
+              <a:t> “Price per </a:t>
+            </a:r>
+            <a:r>
+              <a:rPr lang="es-MX" sz="1600" dirty="0" err="1"/>
+              <a:t>Tech</a:t>
+            </a:r>
+            <a:r>
+              <a:rPr lang="es-MX" sz="1600" dirty="0"/>
+              <a:t>” and “</a:t>
+            </a:r>
+            <a:r>
+              <a:rPr lang="es-MX" sz="1600" dirty="0" err="1"/>
+              <a:t>number</a:t>
+            </a:r>
+            <a:r>
+              <a:rPr lang="es-MX" sz="1600" dirty="0"/>
+              <a:t> </a:t>
+            </a:r>
+            <a:r>
+              <a:rPr lang="es-MX" sz="1600" dirty="0" err="1"/>
+              <a:t>of</a:t>
+            </a:r>
+            <a:r>
+              <a:rPr lang="es-MX" sz="1600" dirty="0"/>
+              <a:t> </a:t>
+            </a:r>
+            <a:r>
+              <a:rPr lang="es-MX" sz="1600" dirty="0" err="1"/>
+              <a:t>Technicians</a:t>
+            </a:r>
+            <a:r>
+              <a:rPr lang="es-MX" sz="1600" dirty="0"/>
+              <a:t>” </a:t>
+            </a:r>
+          </a:p>
+        </p:txBody>
+      </p:sp>
+      <p:pic>
+        <p:nvPicPr>
+          <p:cNvPr id="4" name="Picture 3">
+            <a:extLst>
+              <a:ext uri="{FF2B5EF4-FFF2-40B4-BE49-F238E27FC236}">
+                <a16:creationId xmlns:a16="http://schemas.microsoft.com/office/drawing/2014/main" id="{C9DE9645-9015-4F5B-8AB0-DD1EA61B1FC0}"/>
+              </a:ext>
+            </a:extLst>
+          </p:cNvPr>
+          <p:cNvPicPr>
+            <a:picLocks noChangeAspect="1"/>
+          </p:cNvPicPr>
+          <p:nvPr/>
+        </p:nvPicPr>
+        <p:blipFill>
+          <a:blip r:embed="rId2"/>
+          <a:stretch>
+            <a:fillRect/>
+          </a:stretch>
+        </p:blipFill>
+        <p:spPr>
+          <a:xfrm>
+            <a:off x="61247" y="1595980"/>
+            <a:ext cx="9925050" cy="1466850"/>
+          </a:xfrm>
+          <a:prstGeom prst="rect">
+            <a:avLst/>
+          </a:prstGeom>
+        </p:spPr>
+      </p:pic>
+      <p:pic>
+        <p:nvPicPr>
+          <p:cNvPr id="5" name="Picture 4">
+            <a:extLst>
+              <a:ext uri="{FF2B5EF4-FFF2-40B4-BE49-F238E27FC236}">
+                <a16:creationId xmlns:a16="http://schemas.microsoft.com/office/drawing/2014/main" id="{0ED23A6C-9F2E-4EE3-B6CC-5A43A7C072B3}"/>
+              </a:ext>
+            </a:extLst>
+          </p:cNvPr>
+          <p:cNvPicPr>
+            <a:picLocks noChangeAspect="1"/>
+          </p:cNvPicPr>
+          <p:nvPr/>
+        </p:nvPicPr>
+        <p:blipFill>
+          <a:blip r:embed="rId3"/>
+          <a:stretch>
+            <a:fillRect/>
+          </a:stretch>
+        </p:blipFill>
+        <p:spPr>
+          <a:xfrm>
+            <a:off x="61247" y="3976085"/>
+            <a:ext cx="10001250" cy="2771775"/>
+          </a:xfrm>
+          <a:prstGeom prst="rect">
+            <a:avLst/>
+          </a:prstGeom>
+        </p:spPr>
+      </p:pic>
+      <p:sp>
+        <p:nvSpPr>
+          <p:cNvPr id="6" name="TextBox 5">
+            <a:extLst>
+              <a:ext uri="{FF2B5EF4-FFF2-40B4-BE49-F238E27FC236}">
+                <a16:creationId xmlns:a16="http://schemas.microsoft.com/office/drawing/2014/main" id="{7B23F8FB-B00A-4E56-AEA9-D4B1CAC25817}"/>
+              </a:ext>
+            </a:extLst>
+          </p:cNvPr>
+          <p:cNvSpPr txBox="1"/>
+          <p:nvPr/>
+        </p:nvSpPr>
+        <p:spPr>
+          <a:xfrm>
+            <a:off x="61247" y="3361909"/>
+            <a:ext cx="7764316" cy="338554"/>
+          </a:xfrm>
+          <a:prstGeom prst="rect">
+            <a:avLst/>
+          </a:prstGeom>
+          <a:noFill/>
+        </p:spPr>
+        <p:txBody>
+          <a:bodyPr wrap="square" rtlCol="0">
+            <a:spAutoFit/>
+          </a:bodyPr>
+          <a:lstStyle/>
+          <a:p>
+            <a:r>
+              <a:rPr lang="es-MX" sz="1600" dirty="0"/>
+              <a:t>Step 3. B) </a:t>
+            </a:r>
+            <a:r>
+              <a:rPr lang="es-MX" sz="1600" dirty="0" err="1"/>
+              <a:t>Add</a:t>
+            </a:r>
+            <a:r>
+              <a:rPr lang="es-MX" sz="1600" dirty="0"/>
+              <a:t> ítems </a:t>
+            </a:r>
+            <a:r>
+              <a:rPr lang="es-MX" sz="1600" dirty="0" err="1"/>
+              <a:t>by</a:t>
+            </a:r>
+            <a:r>
+              <a:rPr lang="es-MX" sz="1600" dirty="0"/>
+              <a:t> </a:t>
+            </a:r>
+            <a:r>
+              <a:rPr lang="es-MX" sz="1600" dirty="0" err="1"/>
+              <a:t>Hourly</a:t>
+            </a:r>
+            <a:r>
+              <a:rPr lang="es-MX" sz="1600" dirty="0"/>
+              <a:t> </a:t>
+            </a:r>
+            <a:r>
+              <a:rPr lang="es-MX" sz="1600" dirty="0" err="1"/>
+              <a:t>Rate</a:t>
+            </a:r>
+            <a:r>
+              <a:rPr lang="es-MX" sz="1600" dirty="0"/>
+              <a:t> and/</a:t>
+            </a:r>
+            <a:r>
+              <a:rPr lang="es-MX" sz="1600" dirty="0" err="1"/>
+              <a:t>or</a:t>
+            </a:r>
+            <a:r>
+              <a:rPr lang="es-MX" sz="1600" dirty="0"/>
+              <a:t> “Price per </a:t>
+            </a:r>
+            <a:r>
+              <a:rPr lang="es-MX" sz="1600" dirty="0" err="1"/>
+              <a:t>Unit</a:t>
+            </a:r>
+            <a:r>
+              <a:rPr lang="es-MX" sz="1600" dirty="0"/>
+              <a:t>”. At </a:t>
+            </a:r>
+            <a:r>
+              <a:rPr lang="es-MX" sz="1600" dirty="0" err="1"/>
+              <a:t>the</a:t>
+            </a:r>
+            <a:r>
+              <a:rPr lang="es-MX" sz="1600" dirty="0"/>
+              <a:t> </a:t>
+            </a:r>
+            <a:r>
+              <a:rPr lang="es-MX" sz="1600" dirty="0" err="1"/>
+              <a:t>End</a:t>
+            </a:r>
+            <a:r>
+              <a:rPr lang="es-MX" sz="1600" dirty="0"/>
+              <a:t> SAVE VERSION</a:t>
+            </a:r>
+          </a:p>
+        </p:txBody>
+      </p:sp>
+      <p:sp>
+        <p:nvSpPr>
+          <p:cNvPr id="7" name="Rectangle 6">
+            <a:extLst>
+              <a:ext uri="{FF2B5EF4-FFF2-40B4-BE49-F238E27FC236}">
+                <a16:creationId xmlns:a16="http://schemas.microsoft.com/office/drawing/2014/main" id="{065C13C9-867F-4154-8751-E7121734A399}"/>
+              </a:ext>
+            </a:extLst>
+          </p:cNvPr>
+          <p:cNvSpPr/>
+          <p:nvPr/>
+        </p:nvSpPr>
+        <p:spPr>
+          <a:xfrm>
+            <a:off x="8523947" y="4907050"/>
+            <a:ext cx="885868" cy="643146"/>
+          </a:xfrm>
+          <a:prstGeom prst="rect">
+            <a:avLst/>
+          </a:prstGeom>
+          <a:noFill/>
+          <a:ln w="79375">
+            <a:solidFill>
+              <a:schemeClr val="accent1">
+                <a:lumMod val="75000"/>
+              </a:schemeClr>
+            </a:solidFill>
+          </a:ln>
+        </p:spPr>
+        <p:style>
+          <a:lnRef idx="2">
+            <a:schemeClr val="accent1">
+              <a:shade val="50000"/>
+            </a:schemeClr>
+          </a:lnRef>
+          <a:fillRef idx="1">
+            <a:schemeClr val="accent1"/>
+          </a:fillRef>
+          <a:effectRef idx="0">
+            <a:schemeClr val="accent1"/>
+          </a:effectRef>
+          <a:fontRef idx="minor">
+            <a:schemeClr val="lt1"/>
+          </a:fontRef>
+        </p:style>
+        <p:txBody>
+          <a:bodyPr rtlCol="0" anchor="ctr"/>
+          <a:lstStyle/>
+          <a:p>
+            <a:pPr algn="ctr"/>
+            <a:endParaRPr lang="es-MX"/>
+          </a:p>
+        </p:txBody>
+      </p:sp>
+      <p:sp>
+        <p:nvSpPr>
+          <p:cNvPr id="8" name="Rectangle 7">
+            <a:extLst>
+              <a:ext uri="{FF2B5EF4-FFF2-40B4-BE49-F238E27FC236}">
+                <a16:creationId xmlns:a16="http://schemas.microsoft.com/office/drawing/2014/main" id="{2823C053-6883-48E7-B586-BF0B63A6B822}"/>
+              </a:ext>
+            </a:extLst>
+          </p:cNvPr>
+          <p:cNvSpPr/>
+          <p:nvPr/>
+        </p:nvSpPr>
+        <p:spPr>
+          <a:xfrm>
+            <a:off x="8966881" y="6104714"/>
+            <a:ext cx="885868" cy="643146"/>
+          </a:xfrm>
+          <a:prstGeom prst="rect">
+            <a:avLst/>
+          </a:prstGeom>
+          <a:noFill/>
+          <a:ln w="79375">
+            <a:solidFill>
+              <a:schemeClr val="accent1">
+                <a:lumMod val="75000"/>
+              </a:schemeClr>
+            </a:solidFill>
+          </a:ln>
+        </p:spPr>
+        <p:style>
+          <a:lnRef idx="2">
+            <a:schemeClr val="accent1">
+              <a:shade val="50000"/>
+            </a:schemeClr>
+          </a:lnRef>
+          <a:fillRef idx="1">
+            <a:schemeClr val="accent1"/>
+          </a:fillRef>
+          <a:effectRef idx="0">
+            <a:schemeClr val="accent1"/>
+          </a:effectRef>
+          <a:fontRef idx="minor">
+            <a:schemeClr val="lt1"/>
+          </a:fontRef>
+        </p:style>
+        <p:txBody>
+          <a:bodyPr rtlCol="0" anchor="ctr"/>
+          <a:lstStyle/>
+          <a:p>
+            <a:pPr algn="ctr"/>
+            <a:endParaRPr lang="es-MX"/>
+          </a:p>
+        </p:txBody>
+      </p:sp>
+    </p:spTree>
+    <p:extLst>
+      <p:ext uri="{BB962C8B-B14F-4D97-AF65-F5344CB8AC3E}">
+        <p14:creationId xmlns:p14="http://schemas.microsoft.com/office/powerpoint/2010/main" val="2282405046"/>
+      </p:ext>
+    </p:extLst>
+  </p:cSld>
+  <p:clrMapOvr>
+    <a:masterClrMapping/>
+  </p:clrMapOvr>
+</p:sld>
+</file>
+
+<file path=ppt/slides/slide14.xml><?xml version="1.0" encoding="utf-8"?>
+<p:sld xmlns:a="http://schemas.openxmlformats.org/drawingml/2006/main" xmlns:r="http://schemas.openxmlformats.org/officeDocument/2006/relationships" xmlns:p="http://schemas.openxmlformats.org/presentationml/2006/main">
+  <p:cSld>
+    <p:spTree>
+      <p:nvGrpSpPr>
+        <p:cNvPr id="1" name=""/>
+        <p:cNvGrpSpPr/>
+        <p:nvPr/>
+      </p:nvGrpSpPr>
+      <p:grpSpPr>
+        <a:xfrm>
+          <a:off x="0" y="0"/>
+          <a:ext cx="0" cy="0"/>
+          <a:chOff x="0" y="0"/>
+          <a:chExt cx="0" cy="0"/>
+        </a:xfrm>
+      </p:grpSpPr>
+      <p:pic>
+        <p:nvPicPr>
+          <p:cNvPr id="2" name="Picture 1">
+            <a:extLst>
+              <a:ext uri="{FF2B5EF4-FFF2-40B4-BE49-F238E27FC236}">
+                <a16:creationId xmlns:a16="http://schemas.microsoft.com/office/drawing/2014/main" id="{4C567AEE-E233-499A-9517-790C8212F3CF}"/>
+              </a:ext>
+            </a:extLst>
+          </p:cNvPr>
+          <p:cNvPicPr>
+            <a:picLocks noChangeAspect="1"/>
+          </p:cNvPicPr>
+          <p:nvPr/>
+        </p:nvPicPr>
+        <p:blipFill>
+          <a:blip r:embed="rId2"/>
+          <a:stretch>
+            <a:fillRect/>
+          </a:stretch>
+        </p:blipFill>
+        <p:spPr>
+          <a:xfrm>
+            <a:off x="545140" y="1197114"/>
+            <a:ext cx="10229850" cy="4010025"/>
+          </a:xfrm>
+          <a:prstGeom prst="rect">
+            <a:avLst/>
+          </a:prstGeom>
+        </p:spPr>
+      </p:pic>
+      <p:sp>
+        <p:nvSpPr>
+          <p:cNvPr id="3" name="Content Placeholder 2">
+            <a:extLst>
+              <a:ext uri="{FF2B5EF4-FFF2-40B4-BE49-F238E27FC236}">
+                <a16:creationId xmlns:a16="http://schemas.microsoft.com/office/drawing/2014/main" id="{6562EC68-3BDB-4570-AF5B-1A9CF7C866EA}"/>
+              </a:ext>
+            </a:extLst>
+          </p:cNvPr>
+          <p:cNvSpPr txBox="1">
+            <a:spLocks/>
+          </p:cNvSpPr>
+          <p:nvPr/>
+        </p:nvSpPr>
+        <p:spPr>
+          <a:xfrm>
+            <a:off x="838200" y="331305"/>
+            <a:ext cx="9471991" cy="480225"/>
+          </a:xfrm>
+          <a:prstGeom prst="rect">
+            <a:avLst/>
+          </a:prstGeom>
+        </p:spPr>
+        <p:txBody>
+          <a:bodyPr/>
+          <a:lstStyle>
+            <a:lvl1pPr marL="228600" indent="-228600" algn="l" defTabSz="914400" rtl="0" eaLnBrk="1" latinLnBrk="0" hangingPunct="1">
+              <a:lnSpc>
+                <a:spcPct val="90000"/>
+              </a:lnSpc>
+              <a:spcBef>
+                <a:spcPts val="1000"/>
+              </a:spcBef>
+              <a:buFont typeface="Arial" panose="020B0604020202020204" pitchFamily="34" charset="0"/>
+              <a:buChar char="•"/>
+              <a:defRPr sz="2800" kern="1200">
+                <a:solidFill>
+                  <a:schemeClr val="tx1"/>
+                </a:solidFill>
+                <a:latin typeface="+mn-lt"/>
+                <a:ea typeface="+mn-ea"/>
+                <a:cs typeface="+mn-cs"/>
+              </a:defRPr>
+            </a:lvl1pPr>
+            <a:lvl2pPr marL="685800" indent="-228600" algn="l" defTabSz="914400" rtl="0" eaLnBrk="1" latinLnBrk="0" hangingPunct="1">
+              <a:lnSpc>
+                <a:spcPct val="90000"/>
+              </a:lnSpc>
+              <a:spcBef>
+                <a:spcPts val="500"/>
+              </a:spcBef>
+              <a:buFont typeface="Arial" panose="020B0604020202020204" pitchFamily="34" charset="0"/>
+              <a:buChar char="•"/>
+              <a:defRPr sz="2400" kern="1200">
+                <a:solidFill>
+                  <a:schemeClr val="tx1"/>
+                </a:solidFill>
+                <a:latin typeface="+mn-lt"/>
+                <a:ea typeface="+mn-ea"/>
+                <a:cs typeface="+mn-cs"/>
+              </a:defRPr>
+            </a:lvl2pPr>
+            <a:lvl3pPr marL="1143000" indent="-228600" algn="l" defTabSz="914400" rtl="0" eaLnBrk="1" latinLnBrk="0" hangingPunct="1">
+              <a:lnSpc>
+                <a:spcPct val="90000"/>
+              </a:lnSpc>
+              <a:spcBef>
+                <a:spcPts val="500"/>
+              </a:spcBef>
+              <a:buFont typeface="Arial" panose="020B0604020202020204" pitchFamily="34" charset="0"/>
+              <a:buChar char="•"/>
+              <a:defRPr sz="2000" kern="1200">
+                <a:solidFill>
+                  <a:schemeClr val="tx1"/>
+                </a:solidFill>
+                <a:latin typeface="+mn-lt"/>
+                <a:ea typeface="+mn-ea"/>
+                <a:cs typeface="+mn-cs"/>
+              </a:defRPr>
+            </a:lvl3pPr>
+            <a:lvl4pPr marL="1600200" indent="-228600" algn="l" defTabSz="914400" rtl="0" eaLnBrk="1" latinLnBrk="0" hangingPunct="1">
+              <a:lnSpc>
+                <a:spcPct val="90000"/>
+              </a:lnSpc>
+              <a:spcBef>
+                <a:spcPts val="500"/>
+              </a:spcBef>
+              <a:buFont typeface="Arial" panose="020B0604020202020204" pitchFamily="34" charset="0"/>
+              <a:buChar char="•"/>
+              <a:defRPr sz="1800" kern="1200">
+                <a:solidFill>
+                  <a:schemeClr val="tx1"/>
+                </a:solidFill>
+                <a:latin typeface="+mn-lt"/>
+                <a:ea typeface="+mn-ea"/>
+                <a:cs typeface="+mn-cs"/>
+              </a:defRPr>
+            </a:lvl4pPr>
+            <a:lvl5pPr marL="2057400" indent="-228600" algn="l" defTabSz="914400" rtl="0" eaLnBrk="1" latinLnBrk="0" hangingPunct="1">
+              <a:lnSpc>
+                <a:spcPct val="90000"/>
+              </a:lnSpc>
+              <a:spcBef>
+                <a:spcPts val="500"/>
+              </a:spcBef>
+              <a:buFont typeface="Arial" panose="020B0604020202020204" pitchFamily="34" charset="0"/>
+              <a:buChar char="•"/>
+              <a:defRPr sz="1800" kern="1200">
+                <a:solidFill>
+                  <a:schemeClr val="tx1"/>
+                </a:solidFill>
+                <a:latin typeface="+mn-lt"/>
+                <a:ea typeface="+mn-ea"/>
+                <a:cs typeface="+mn-cs"/>
+              </a:defRPr>
+            </a:lvl5pPr>
+            <a:lvl6pPr marL="2514600" indent="-228600" algn="l" defTabSz="914400" rtl="0" eaLnBrk="1" latinLnBrk="0" hangingPunct="1">
+              <a:lnSpc>
+                <a:spcPct val="90000"/>
+              </a:lnSpc>
+              <a:spcBef>
+                <a:spcPts val="500"/>
+              </a:spcBef>
+              <a:buFont typeface="Arial" panose="020B0604020202020204" pitchFamily="34" charset="0"/>
+              <a:buChar char="•"/>
+              <a:defRPr sz="1800" kern="1200">
+                <a:solidFill>
+                  <a:schemeClr val="tx1"/>
+                </a:solidFill>
+                <a:latin typeface="+mn-lt"/>
+                <a:ea typeface="+mn-ea"/>
+                <a:cs typeface="+mn-cs"/>
+              </a:defRPr>
+            </a:lvl6pPr>
+            <a:lvl7pPr marL="2971800" indent="-228600" algn="l" defTabSz="914400" rtl="0" eaLnBrk="1" latinLnBrk="0" hangingPunct="1">
+              <a:lnSpc>
+                <a:spcPct val="90000"/>
+              </a:lnSpc>
+              <a:spcBef>
+                <a:spcPts val="500"/>
+              </a:spcBef>
+              <a:buFont typeface="Arial" panose="020B0604020202020204" pitchFamily="34" charset="0"/>
+              <a:buChar char="•"/>
+              <a:defRPr sz="1800" kern="1200">
+                <a:solidFill>
+                  <a:schemeClr val="tx1"/>
+                </a:solidFill>
+                <a:latin typeface="+mn-lt"/>
+                <a:ea typeface="+mn-ea"/>
+                <a:cs typeface="+mn-cs"/>
+              </a:defRPr>
+            </a:lvl7pPr>
+            <a:lvl8pPr marL="3429000" indent="-228600" algn="l" defTabSz="914400" rtl="0" eaLnBrk="1" latinLnBrk="0" hangingPunct="1">
+              <a:lnSpc>
+                <a:spcPct val="90000"/>
+              </a:lnSpc>
+              <a:spcBef>
+                <a:spcPts val="500"/>
+              </a:spcBef>
+              <a:buFont typeface="Arial" panose="020B0604020202020204" pitchFamily="34" charset="0"/>
+              <a:buChar char="•"/>
+              <a:defRPr sz="1800" kern="1200">
+                <a:solidFill>
+                  <a:schemeClr val="tx1"/>
+                </a:solidFill>
+                <a:latin typeface="+mn-lt"/>
+                <a:ea typeface="+mn-ea"/>
+                <a:cs typeface="+mn-cs"/>
+              </a:defRPr>
+            </a:lvl8pPr>
+            <a:lvl9pPr marL="3886200" indent="-228600" algn="l" defTabSz="914400" rtl="0" eaLnBrk="1" latinLnBrk="0" hangingPunct="1">
+              <a:lnSpc>
+                <a:spcPct val="90000"/>
+              </a:lnSpc>
+              <a:spcBef>
+                <a:spcPts val="500"/>
+              </a:spcBef>
+              <a:buFont typeface="Arial" panose="020B0604020202020204" pitchFamily="34" charset="0"/>
+              <a:buChar char="•"/>
+              <a:defRPr sz="1800" kern="1200">
+                <a:solidFill>
+                  <a:schemeClr val="tx1"/>
+                </a:solidFill>
+                <a:latin typeface="+mn-lt"/>
+                <a:ea typeface="+mn-ea"/>
+                <a:cs typeface="+mn-cs"/>
+              </a:defRPr>
+            </a:lvl9pPr>
+          </a:lstStyle>
+          <a:p>
+            <a:r>
+              <a:rPr lang="es-MX" dirty="0"/>
+              <a:t>Business </a:t>
+            </a:r>
+            <a:r>
+              <a:rPr lang="es-MX" dirty="0" err="1"/>
+              <a:t>Development</a:t>
+            </a:r>
+            <a:r>
+              <a:rPr lang="es-MX" dirty="0"/>
+              <a:t>: </a:t>
+            </a:r>
+            <a:r>
+              <a:rPr lang="es-MX" dirty="0" err="1"/>
+              <a:t>Review</a:t>
+            </a:r>
+            <a:endParaRPr lang="es-MX" dirty="0"/>
+          </a:p>
+          <a:p>
+            <a:endParaRPr lang="es-MX" dirty="0"/>
+          </a:p>
+        </p:txBody>
+      </p:sp>
+      <p:sp>
+        <p:nvSpPr>
+          <p:cNvPr id="4" name="Rectangle 3">
+            <a:extLst>
+              <a:ext uri="{FF2B5EF4-FFF2-40B4-BE49-F238E27FC236}">
+                <a16:creationId xmlns:a16="http://schemas.microsoft.com/office/drawing/2014/main" id="{2A141F8C-1F60-4E94-97DF-23626B8EFFB5}"/>
+              </a:ext>
+            </a:extLst>
+          </p:cNvPr>
+          <p:cNvSpPr/>
+          <p:nvPr/>
+        </p:nvSpPr>
+        <p:spPr>
+          <a:xfrm>
+            <a:off x="9424322" y="4311626"/>
+            <a:ext cx="1016849" cy="749471"/>
+          </a:xfrm>
+          <a:prstGeom prst="rect">
+            <a:avLst/>
+          </a:prstGeom>
+          <a:noFill/>
+          <a:ln w="79375">
+            <a:solidFill>
+              <a:schemeClr val="accent1">
+                <a:lumMod val="75000"/>
+              </a:schemeClr>
+            </a:solidFill>
+          </a:ln>
+        </p:spPr>
+        <p:style>
+          <a:lnRef idx="2">
+            <a:schemeClr val="accent1">
+              <a:shade val="50000"/>
+            </a:schemeClr>
+          </a:lnRef>
+          <a:fillRef idx="1">
+            <a:schemeClr val="accent1"/>
+          </a:fillRef>
+          <a:effectRef idx="0">
+            <a:schemeClr val="accent1"/>
+          </a:effectRef>
+          <a:fontRef idx="minor">
+            <a:schemeClr val="lt1"/>
+          </a:fontRef>
+        </p:style>
+        <p:txBody>
+          <a:bodyPr rtlCol="0" anchor="ctr"/>
+          <a:lstStyle/>
+          <a:p>
+            <a:pPr algn="ctr"/>
+            <a:endParaRPr lang="es-MX"/>
+          </a:p>
+        </p:txBody>
+      </p:sp>
+    </p:spTree>
+    <p:extLst>
+      <p:ext uri="{BB962C8B-B14F-4D97-AF65-F5344CB8AC3E}">
+        <p14:creationId xmlns:p14="http://schemas.microsoft.com/office/powerpoint/2010/main" val="4265361141"/>
+      </p:ext>
+    </p:extLst>
+  </p:cSld>
+  <p:clrMapOvr>
+    <a:masterClrMapping/>
+  </p:clrMapOvr>
+</p:sld>
+</file>
+
+<file path=ppt/slides/slide15.xml><?xml version="1.0" encoding="utf-8"?>
+<p:sld xmlns:a="http://schemas.openxmlformats.org/drawingml/2006/main" xmlns:r="http://schemas.openxmlformats.org/officeDocument/2006/relationships" xmlns:p="http://schemas.openxmlformats.org/presentationml/2006/main">
+  <p:cSld>
+    <p:spTree>
+      <p:nvGrpSpPr>
+        <p:cNvPr id="1" name=""/>
+        <p:cNvGrpSpPr/>
+        <p:nvPr/>
+      </p:nvGrpSpPr>
+      <p:grpSpPr>
+        <a:xfrm>
+          <a:off x="0" y="0"/>
+          <a:ext cx="0" cy="0"/>
+          <a:chOff x="0" y="0"/>
+          <a:chExt cx="0" cy="0"/>
+        </a:xfrm>
+      </p:grpSpPr>
+      <p:sp>
+        <p:nvSpPr>
+          <p:cNvPr id="2" name="TextBox 1">
+            <a:extLst>
+              <a:ext uri="{FF2B5EF4-FFF2-40B4-BE49-F238E27FC236}">
+                <a16:creationId xmlns:a16="http://schemas.microsoft.com/office/drawing/2014/main" id="{76BE7E75-2C0C-40BA-9D33-9DAEA198249D}"/>
+              </a:ext>
+            </a:extLst>
+          </p:cNvPr>
+          <p:cNvSpPr txBox="1"/>
+          <p:nvPr/>
+        </p:nvSpPr>
+        <p:spPr>
+          <a:xfrm>
+            <a:off x="8491415" y="1047114"/>
+            <a:ext cx="3637551" cy="2308324"/>
+          </a:xfrm>
+          <a:prstGeom prst="rect">
+            <a:avLst/>
+          </a:prstGeom>
+          <a:noFill/>
+        </p:spPr>
+        <p:txBody>
+          <a:bodyPr wrap="square" rtlCol="0">
+            <a:spAutoFit/>
+          </a:bodyPr>
+          <a:lstStyle/>
+          <a:p>
+            <a:r>
+              <a:rPr lang="es-MX" sz="1600" dirty="0" err="1"/>
+              <a:t>Options</a:t>
+            </a:r>
+            <a:r>
+              <a:rPr lang="es-MX" sz="1600" dirty="0"/>
+              <a:t>: </a:t>
+            </a:r>
+          </a:p>
+          <a:p>
+            <a:pPr marL="342900" indent="-342900">
+              <a:buAutoNum type="arabicPeriod"/>
+            </a:pPr>
+            <a:r>
+              <a:rPr lang="es-MX" sz="1600" dirty="0" err="1"/>
+              <a:t>Create</a:t>
+            </a:r>
+            <a:r>
+              <a:rPr lang="es-MX" sz="1600" dirty="0"/>
+              <a:t> New </a:t>
+            </a:r>
+            <a:r>
+              <a:rPr lang="es-MX" sz="1600" dirty="0" err="1"/>
+              <a:t>Version</a:t>
+            </a:r>
+            <a:r>
+              <a:rPr lang="es-MX" sz="1600" dirty="0"/>
+              <a:t>. </a:t>
+            </a:r>
+            <a:r>
+              <a:rPr lang="es-MX" sz="1600" dirty="0" err="1"/>
+              <a:t>Create</a:t>
+            </a:r>
+            <a:r>
+              <a:rPr lang="es-MX" sz="1600" dirty="0"/>
+              <a:t> </a:t>
+            </a:r>
+            <a:r>
+              <a:rPr lang="es-MX" sz="1600" dirty="0" err="1"/>
+              <a:t>version</a:t>
+            </a:r>
+            <a:r>
+              <a:rPr lang="es-MX" sz="1600" dirty="0"/>
+              <a:t> # 2,3, </a:t>
+            </a:r>
+            <a:r>
+              <a:rPr lang="es-MX" sz="1600" dirty="0" err="1"/>
+              <a:t>etc</a:t>
+            </a:r>
+            <a:r>
+              <a:rPr lang="es-MX" sz="1600" dirty="0"/>
+              <a:t>..</a:t>
+            </a:r>
+            <a:r>
+              <a:rPr lang="es-MX" sz="1600" dirty="0" err="1"/>
+              <a:t>with</a:t>
+            </a:r>
+            <a:r>
+              <a:rPr lang="es-MX" sz="1600" dirty="0"/>
+              <a:t> </a:t>
+            </a:r>
+            <a:r>
+              <a:rPr lang="es-MX" sz="1600" dirty="0" err="1"/>
+              <a:t>the</a:t>
+            </a:r>
+            <a:r>
+              <a:rPr lang="es-MX" sz="1600" dirty="0"/>
+              <a:t> </a:t>
+            </a:r>
+            <a:r>
+              <a:rPr lang="es-MX" sz="1600" dirty="0" err="1"/>
+              <a:t>same</a:t>
+            </a:r>
+            <a:r>
+              <a:rPr lang="es-MX" sz="1600" dirty="0"/>
+              <a:t> RFQ </a:t>
+            </a:r>
+            <a:r>
+              <a:rPr lang="es-MX" sz="1600" dirty="0" err="1"/>
+              <a:t>number</a:t>
+            </a:r>
+            <a:endParaRPr lang="es-MX" sz="1600" dirty="0"/>
+          </a:p>
+          <a:p>
+            <a:pPr marL="342900" indent="-342900">
+              <a:buAutoNum type="arabicPeriod"/>
+            </a:pPr>
+            <a:r>
+              <a:rPr lang="es-MX" sz="1600" dirty="0" err="1"/>
+              <a:t>Send</a:t>
+            </a:r>
+            <a:r>
+              <a:rPr lang="es-MX" sz="1600" dirty="0"/>
+              <a:t> </a:t>
+            </a:r>
+            <a:r>
+              <a:rPr lang="es-MX" sz="1600" dirty="0" err="1"/>
+              <a:t>to</a:t>
+            </a:r>
+            <a:r>
+              <a:rPr lang="es-MX" sz="1600" dirty="0"/>
+              <a:t> </a:t>
+            </a:r>
+            <a:r>
+              <a:rPr lang="es-MX" sz="1600" dirty="0" err="1"/>
+              <a:t>Customer</a:t>
+            </a:r>
+            <a:r>
+              <a:rPr lang="es-MX" sz="1600" dirty="0"/>
+              <a:t> (PDF File). </a:t>
+            </a:r>
+            <a:r>
+              <a:rPr lang="es-MX" sz="1600" dirty="0" err="1"/>
+              <a:t>Generate</a:t>
+            </a:r>
+            <a:r>
+              <a:rPr lang="es-MX" sz="1600" dirty="0"/>
+              <a:t> PDF file </a:t>
+            </a:r>
+            <a:r>
+              <a:rPr lang="es-MX" sz="1600" dirty="0" err="1"/>
+              <a:t>for</a:t>
+            </a:r>
+            <a:r>
+              <a:rPr lang="es-MX" sz="1600" dirty="0"/>
+              <a:t> </a:t>
+            </a:r>
+            <a:r>
+              <a:rPr lang="es-MX" sz="1600" dirty="0" err="1"/>
+              <a:t>send</a:t>
+            </a:r>
+            <a:r>
+              <a:rPr lang="es-MX" sz="1600" dirty="0"/>
+              <a:t> </a:t>
+            </a:r>
+            <a:r>
+              <a:rPr lang="es-MX" sz="1600" dirty="0" err="1"/>
+              <a:t>Customer</a:t>
+            </a:r>
+            <a:endParaRPr lang="es-MX" sz="1600" dirty="0"/>
+          </a:p>
+          <a:p>
+            <a:pPr marL="342900" indent="-342900">
+              <a:buAutoNum type="arabicPeriod"/>
+            </a:pPr>
+            <a:r>
+              <a:rPr lang="es-MX" sz="1600" dirty="0" err="1"/>
+              <a:t>Convert</a:t>
+            </a:r>
+            <a:r>
+              <a:rPr lang="es-MX" sz="1600" dirty="0"/>
+              <a:t> RFQ </a:t>
+            </a:r>
+            <a:r>
+              <a:rPr lang="es-MX" sz="1600" dirty="0" err="1"/>
+              <a:t>To</a:t>
+            </a:r>
+            <a:r>
+              <a:rPr lang="es-MX" sz="1600" dirty="0"/>
+              <a:t> Job. </a:t>
+            </a:r>
+            <a:r>
+              <a:rPr lang="es-MX" sz="1600" dirty="0" err="1"/>
+              <a:t>Create</a:t>
+            </a:r>
+            <a:r>
+              <a:rPr lang="es-MX" sz="1600" dirty="0"/>
+              <a:t> New Job # </a:t>
+            </a:r>
+            <a:r>
+              <a:rPr lang="es-MX" sz="1600" dirty="0" err="1"/>
+              <a:t>based</a:t>
+            </a:r>
+            <a:r>
+              <a:rPr lang="es-MX" sz="1600" dirty="0"/>
+              <a:t> in </a:t>
+            </a:r>
+            <a:r>
+              <a:rPr lang="es-MX" sz="1600" dirty="0" err="1"/>
+              <a:t>this</a:t>
+            </a:r>
+            <a:r>
+              <a:rPr lang="es-MX" sz="1600" dirty="0"/>
+              <a:t> RFQ #</a:t>
+            </a:r>
+          </a:p>
+          <a:p>
+            <a:pPr marL="342900" indent="-342900">
+              <a:buAutoNum type="arabicPeriod"/>
+            </a:pPr>
+            <a:r>
+              <a:rPr lang="es-MX" sz="1600" dirty="0" err="1"/>
+              <a:t>Close</a:t>
+            </a:r>
+            <a:r>
+              <a:rPr lang="es-MX" sz="1600" dirty="0"/>
+              <a:t> versión. Chance </a:t>
+            </a:r>
+            <a:r>
+              <a:rPr lang="es-MX" sz="1600" dirty="0" err="1"/>
+              <a:t>the</a:t>
+            </a:r>
+            <a:r>
+              <a:rPr lang="es-MX" sz="1600" dirty="0"/>
+              <a:t> Status </a:t>
+            </a:r>
+            <a:r>
+              <a:rPr lang="es-MX" sz="1600" dirty="0" err="1"/>
+              <a:t>of</a:t>
+            </a:r>
+            <a:r>
+              <a:rPr lang="es-MX" sz="1600" dirty="0"/>
+              <a:t> </a:t>
+            </a:r>
+            <a:r>
+              <a:rPr lang="es-MX" sz="1600" dirty="0" err="1"/>
+              <a:t>this</a:t>
+            </a:r>
+            <a:r>
+              <a:rPr lang="es-MX" sz="1600" dirty="0"/>
+              <a:t> </a:t>
+            </a:r>
+            <a:r>
+              <a:rPr lang="es-MX" sz="1600" dirty="0" err="1"/>
+              <a:t>Version</a:t>
+            </a:r>
+            <a:r>
+              <a:rPr lang="es-MX" sz="1600" dirty="0"/>
+              <a:t> </a:t>
+            </a:r>
+            <a:r>
+              <a:rPr lang="es-MX" sz="1600" dirty="0" err="1"/>
+              <a:t>to</a:t>
+            </a:r>
+            <a:r>
+              <a:rPr lang="es-MX" sz="1600" dirty="0"/>
+              <a:t> “CLOSED”</a:t>
+            </a:r>
+          </a:p>
+        </p:txBody>
+      </p:sp>
+      <p:sp>
+        <p:nvSpPr>
+          <p:cNvPr id="3" name="Content Placeholder 2">
+            <a:extLst>
+              <a:ext uri="{FF2B5EF4-FFF2-40B4-BE49-F238E27FC236}">
+                <a16:creationId xmlns:a16="http://schemas.microsoft.com/office/drawing/2014/main" id="{7C17CEB3-EFC0-477F-B689-AFA94594E6A6}"/>
+              </a:ext>
+            </a:extLst>
+          </p:cNvPr>
+          <p:cNvSpPr txBox="1">
+            <a:spLocks/>
+          </p:cNvSpPr>
+          <p:nvPr/>
+        </p:nvSpPr>
+        <p:spPr>
+          <a:xfrm>
+            <a:off x="838200" y="331305"/>
+            <a:ext cx="9471991" cy="480225"/>
+          </a:xfrm>
+          <a:prstGeom prst="rect">
+            <a:avLst/>
+          </a:prstGeom>
+        </p:spPr>
+        <p:txBody>
+          <a:bodyPr/>
+          <a:lstStyle>
+            <a:lvl1pPr marL="228600" indent="-228600" algn="l" defTabSz="914400" rtl="0" eaLnBrk="1" latinLnBrk="0" hangingPunct="1">
+              <a:lnSpc>
+                <a:spcPct val="90000"/>
+              </a:lnSpc>
+              <a:spcBef>
+                <a:spcPts val="1000"/>
+              </a:spcBef>
+              <a:buFont typeface="Arial" panose="020B0604020202020204" pitchFamily="34" charset="0"/>
+              <a:buChar char="•"/>
+              <a:defRPr sz="2800" kern="1200">
+                <a:solidFill>
+                  <a:schemeClr val="tx1"/>
+                </a:solidFill>
+                <a:latin typeface="+mn-lt"/>
+                <a:ea typeface="+mn-ea"/>
+                <a:cs typeface="+mn-cs"/>
+              </a:defRPr>
+            </a:lvl1pPr>
+            <a:lvl2pPr marL="685800" indent="-228600" algn="l" defTabSz="914400" rtl="0" eaLnBrk="1" latinLnBrk="0" hangingPunct="1">
+              <a:lnSpc>
+                <a:spcPct val="90000"/>
+              </a:lnSpc>
+              <a:spcBef>
+                <a:spcPts val="500"/>
+              </a:spcBef>
+              <a:buFont typeface="Arial" panose="020B0604020202020204" pitchFamily="34" charset="0"/>
+              <a:buChar char="•"/>
+              <a:defRPr sz="2400" kern="1200">
+                <a:solidFill>
+                  <a:schemeClr val="tx1"/>
+                </a:solidFill>
+                <a:latin typeface="+mn-lt"/>
+                <a:ea typeface="+mn-ea"/>
+                <a:cs typeface="+mn-cs"/>
+              </a:defRPr>
+            </a:lvl2pPr>
+            <a:lvl3pPr marL="1143000" indent="-228600" algn="l" defTabSz="914400" rtl="0" eaLnBrk="1" latinLnBrk="0" hangingPunct="1">
+              <a:lnSpc>
+                <a:spcPct val="90000"/>
+              </a:lnSpc>
+              <a:spcBef>
+                <a:spcPts val="500"/>
+              </a:spcBef>
+              <a:buFont typeface="Arial" panose="020B0604020202020204" pitchFamily="34" charset="0"/>
+              <a:buChar char="•"/>
+              <a:defRPr sz="2000" kern="1200">
+                <a:solidFill>
+                  <a:schemeClr val="tx1"/>
+                </a:solidFill>
+                <a:latin typeface="+mn-lt"/>
+                <a:ea typeface="+mn-ea"/>
+                <a:cs typeface="+mn-cs"/>
+              </a:defRPr>
+            </a:lvl3pPr>
+            <a:lvl4pPr marL="1600200" indent="-228600" algn="l" defTabSz="914400" rtl="0" eaLnBrk="1" latinLnBrk="0" hangingPunct="1">
+              <a:lnSpc>
+                <a:spcPct val="90000"/>
+              </a:lnSpc>
+              <a:spcBef>
+                <a:spcPts val="500"/>
+              </a:spcBef>
+              <a:buFont typeface="Arial" panose="020B0604020202020204" pitchFamily="34" charset="0"/>
+              <a:buChar char="•"/>
+              <a:defRPr sz="1800" kern="1200">
+                <a:solidFill>
+                  <a:schemeClr val="tx1"/>
+                </a:solidFill>
+                <a:latin typeface="+mn-lt"/>
+                <a:ea typeface="+mn-ea"/>
+                <a:cs typeface="+mn-cs"/>
+              </a:defRPr>
+            </a:lvl4pPr>
+            <a:lvl5pPr marL="2057400" indent="-228600" algn="l" defTabSz="914400" rtl="0" eaLnBrk="1" latinLnBrk="0" hangingPunct="1">
+              <a:lnSpc>
+                <a:spcPct val="90000"/>
+              </a:lnSpc>
+              <a:spcBef>
+                <a:spcPts val="500"/>
+              </a:spcBef>
+              <a:buFont typeface="Arial" panose="020B0604020202020204" pitchFamily="34" charset="0"/>
+              <a:buChar char="•"/>
+              <a:defRPr sz="1800" kern="1200">
+                <a:solidFill>
+                  <a:schemeClr val="tx1"/>
+                </a:solidFill>
+                <a:latin typeface="+mn-lt"/>
+                <a:ea typeface="+mn-ea"/>
+                <a:cs typeface="+mn-cs"/>
+              </a:defRPr>
+            </a:lvl5pPr>
+            <a:lvl6pPr marL="2514600" indent="-228600" algn="l" defTabSz="914400" rtl="0" eaLnBrk="1" latinLnBrk="0" hangingPunct="1">
+              <a:lnSpc>
+                <a:spcPct val="90000"/>
+              </a:lnSpc>
+              <a:spcBef>
+                <a:spcPts val="500"/>
+              </a:spcBef>
+              <a:buFont typeface="Arial" panose="020B0604020202020204" pitchFamily="34" charset="0"/>
+              <a:buChar char="•"/>
+              <a:defRPr sz="1800" kern="1200">
+                <a:solidFill>
+                  <a:schemeClr val="tx1"/>
+                </a:solidFill>
+                <a:latin typeface="+mn-lt"/>
+                <a:ea typeface="+mn-ea"/>
+                <a:cs typeface="+mn-cs"/>
+              </a:defRPr>
+            </a:lvl6pPr>
+            <a:lvl7pPr marL="2971800" indent="-228600" algn="l" defTabSz="914400" rtl="0" eaLnBrk="1" latinLnBrk="0" hangingPunct="1">
+              <a:lnSpc>
+                <a:spcPct val="90000"/>
+              </a:lnSpc>
+              <a:spcBef>
+                <a:spcPts val="500"/>
+              </a:spcBef>
+              <a:buFont typeface="Arial" panose="020B0604020202020204" pitchFamily="34" charset="0"/>
+              <a:buChar char="•"/>
+              <a:defRPr sz="1800" kern="1200">
+                <a:solidFill>
+                  <a:schemeClr val="tx1"/>
+                </a:solidFill>
+                <a:latin typeface="+mn-lt"/>
+                <a:ea typeface="+mn-ea"/>
+                <a:cs typeface="+mn-cs"/>
+              </a:defRPr>
+            </a:lvl7pPr>
+            <a:lvl8pPr marL="3429000" indent="-228600" algn="l" defTabSz="914400" rtl="0" eaLnBrk="1" latinLnBrk="0" hangingPunct="1">
+              <a:lnSpc>
+                <a:spcPct val="90000"/>
+              </a:lnSpc>
+              <a:spcBef>
+                <a:spcPts val="500"/>
+              </a:spcBef>
+              <a:buFont typeface="Arial" panose="020B0604020202020204" pitchFamily="34" charset="0"/>
+              <a:buChar char="•"/>
+              <a:defRPr sz="1800" kern="1200">
+                <a:solidFill>
+                  <a:schemeClr val="tx1"/>
+                </a:solidFill>
+                <a:latin typeface="+mn-lt"/>
+                <a:ea typeface="+mn-ea"/>
+                <a:cs typeface="+mn-cs"/>
+              </a:defRPr>
+            </a:lvl8pPr>
+            <a:lvl9pPr marL="3886200" indent="-228600" algn="l" defTabSz="914400" rtl="0" eaLnBrk="1" latinLnBrk="0" hangingPunct="1">
+              <a:lnSpc>
+                <a:spcPct val="90000"/>
+              </a:lnSpc>
+              <a:spcBef>
+                <a:spcPts val="500"/>
+              </a:spcBef>
+              <a:buFont typeface="Arial" panose="020B0604020202020204" pitchFamily="34" charset="0"/>
+              <a:buChar char="•"/>
+              <a:defRPr sz="1800" kern="1200">
+                <a:solidFill>
+                  <a:schemeClr val="tx1"/>
+                </a:solidFill>
+                <a:latin typeface="+mn-lt"/>
+                <a:ea typeface="+mn-ea"/>
+                <a:cs typeface="+mn-cs"/>
+              </a:defRPr>
+            </a:lvl9pPr>
+          </a:lstStyle>
+          <a:p>
+            <a:r>
+              <a:rPr lang="es-MX" dirty="0"/>
+              <a:t>Business </a:t>
+            </a:r>
+            <a:r>
+              <a:rPr lang="es-MX" dirty="0" err="1"/>
+              <a:t>Development</a:t>
+            </a:r>
+            <a:r>
+              <a:rPr lang="es-MX" dirty="0"/>
+              <a:t>: </a:t>
+            </a:r>
+            <a:r>
+              <a:rPr lang="es-MX" dirty="0" err="1"/>
+              <a:t>Review</a:t>
+            </a:r>
+            <a:endParaRPr lang="es-MX" dirty="0"/>
+          </a:p>
+          <a:p>
+            <a:endParaRPr lang="es-MX" dirty="0"/>
+          </a:p>
+        </p:txBody>
+      </p:sp>
+      <p:pic>
+        <p:nvPicPr>
+          <p:cNvPr id="4" name="Picture 3">
+            <a:extLst>
+              <a:ext uri="{FF2B5EF4-FFF2-40B4-BE49-F238E27FC236}">
+                <a16:creationId xmlns:a16="http://schemas.microsoft.com/office/drawing/2014/main" id="{FC8B6DA8-5E3F-4C28-B4F1-35725F2CBFEC}"/>
+              </a:ext>
+            </a:extLst>
+          </p:cNvPr>
+          <p:cNvPicPr>
+            <a:picLocks noChangeAspect="1"/>
+          </p:cNvPicPr>
+          <p:nvPr/>
+        </p:nvPicPr>
+        <p:blipFill>
+          <a:blip r:embed="rId2"/>
+          <a:stretch>
+            <a:fillRect/>
+          </a:stretch>
+        </p:blipFill>
+        <p:spPr>
+          <a:xfrm>
+            <a:off x="603269" y="811530"/>
+            <a:ext cx="6889977" cy="3844544"/>
+          </a:xfrm>
+          <a:prstGeom prst="rect">
+            <a:avLst/>
+          </a:prstGeom>
+        </p:spPr>
+      </p:pic>
+      <p:cxnSp>
+        <p:nvCxnSpPr>
+          <p:cNvPr id="6" name="Connector: Elbow 5">
+            <a:extLst>
+              <a:ext uri="{FF2B5EF4-FFF2-40B4-BE49-F238E27FC236}">
+                <a16:creationId xmlns:a16="http://schemas.microsoft.com/office/drawing/2014/main" id="{46DCBC9C-BBF1-459A-90CD-1AF3DD51E827}"/>
+              </a:ext>
+            </a:extLst>
+          </p:cNvPr>
+          <p:cNvCxnSpPr/>
+          <p:nvPr/>
+        </p:nvCxnSpPr>
+        <p:spPr>
+          <a:xfrm flipV="1">
+            <a:off x="4120587" y="1238491"/>
+            <a:ext cx="4370828" cy="416689"/>
+          </a:xfrm>
+          <a:prstGeom prst="bentConnector3">
+            <a:avLst/>
+          </a:prstGeom>
+          <a:ln>
+            <a:tailEnd type="triangle"/>
+          </a:ln>
+        </p:spPr>
+        <p:style>
+          <a:lnRef idx="1">
+            <a:schemeClr val="accent1"/>
+          </a:lnRef>
+          <a:fillRef idx="0">
+            <a:schemeClr val="accent1"/>
+          </a:fillRef>
+          <a:effectRef idx="0">
+            <a:schemeClr val="accent1"/>
+          </a:effectRef>
+          <a:fontRef idx="minor">
+            <a:schemeClr val="tx1"/>
+          </a:fontRef>
+        </p:style>
+      </p:cxnSp>
+    </p:spTree>
+    <p:extLst>
+      <p:ext uri="{BB962C8B-B14F-4D97-AF65-F5344CB8AC3E}">
+        <p14:creationId xmlns:p14="http://schemas.microsoft.com/office/powerpoint/2010/main" val="1112868281"/>
+      </p:ext>
+    </p:extLst>
+  </p:cSld>
+  <p:clrMapOvr>
+    <a:masterClrMapping/>
+  </p:clrMapOvr>
+</p:sld>
+</file>
+
+<file path=ppt/slides/slide16.xml><?xml version="1.0" encoding="utf-8"?>
+<p:sld xmlns:a="http://schemas.openxmlformats.org/drawingml/2006/main" xmlns:r="http://schemas.openxmlformats.org/officeDocument/2006/relationships" xmlns:p="http://schemas.openxmlformats.org/presentationml/2006/main">
+  <p:cSld>
+    <p:spTree>
+      <p:nvGrpSpPr>
+        <p:cNvPr id="1" name=""/>
+        <p:cNvGrpSpPr/>
+        <p:nvPr/>
+      </p:nvGrpSpPr>
+      <p:grpSpPr>
+        <a:xfrm>
+          <a:off x="0" y="0"/>
+          <a:ext cx="0" cy="0"/>
+          <a:chOff x="0" y="0"/>
+          <a:chExt cx="0" cy="0"/>
+        </a:xfrm>
+      </p:grpSpPr>
+      <p:pic>
+        <p:nvPicPr>
+          <p:cNvPr id="2" name="Picture 1">
+            <a:extLst>
+              <a:ext uri="{FF2B5EF4-FFF2-40B4-BE49-F238E27FC236}">
+                <a16:creationId xmlns:a16="http://schemas.microsoft.com/office/drawing/2014/main" id="{302E0008-FEAE-4434-A441-F3C55CC9B249}"/>
+              </a:ext>
+            </a:extLst>
+          </p:cNvPr>
+          <p:cNvPicPr>
+            <a:picLocks noChangeAspect="1"/>
+          </p:cNvPicPr>
+          <p:nvPr/>
+        </p:nvPicPr>
+        <p:blipFill>
+          <a:blip r:embed="rId2"/>
+          <a:stretch>
+            <a:fillRect/>
+          </a:stretch>
+        </p:blipFill>
+        <p:spPr>
+          <a:xfrm>
+            <a:off x="7010485" y="1635394"/>
+            <a:ext cx="5181515" cy="3112348"/>
+          </a:xfrm>
+          <a:prstGeom prst="rect">
+            <a:avLst/>
+          </a:prstGeom>
+        </p:spPr>
+      </p:pic>
+      <p:sp>
+        <p:nvSpPr>
+          <p:cNvPr id="3" name="Content Placeholder 2">
+            <a:extLst>
+              <a:ext uri="{FF2B5EF4-FFF2-40B4-BE49-F238E27FC236}">
+                <a16:creationId xmlns:a16="http://schemas.microsoft.com/office/drawing/2014/main" id="{5F9CA07B-7CDD-4D67-A5EC-E19D0EF73EAB}"/>
+              </a:ext>
+            </a:extLst>
+          </p:cNvPr>
+          <p:cNvSpPr txBox="1">
+            <a:spLocks/>
+          </p:cNvSpPr>
+          <p:nvPr/>
+        </p:nvSpPr>
+        <p:spPr>
+          <a:xfrm>
+            <a:off x="838200" y="331305"/>
+            <a:ext cx="9471991" cy="480225"/>
+          </a:xfrm>
+          <a:prstGeom prst="rect">
+            <a:avLst/>
+          </a:prstGeom>
+        </p:spPr>
+        <p:txBody>
+          <a:bodyPr/>
+          <a:lstStyle>
+            <a:lvl1pPr marL="228600" indent="-228600" algn="l" defTabSz="914400" rtl="0" eaLnBrk="1" latinLnBrk="0" hangingPunct="1">
+              <a:lnSpc>
+                <a:spcPct val="90000"/>
+              </a:lnSpc>
+              <a:spcBef>
+                <a:spcPts val="1000"/>
+              </a:spcBef>
+              <a:buFont typeface="Arial" panose="020B0604020202020204" pitchFamily="34" charset="0"/>
+              <a:buChar char="•"/>
+              <a:defRPr sz="2800" kern="1200">
+                <a:solidFill>
+                  <a:schemeClr val="tx1"/>
+                </a:solidFill>
+                <a:latin typeface="+mn-lt"/>
+                <a:ea typeface="+mn-ea"/>
+                <a:cs typeface="+mn-cs"/>
+              </a:defRPr>
+            </a:lvl1pPr>
+            <a:lvl2pPr marL="685800" indent="-228600" algn="l" defTabSz="914400" rtl="0" eaLnBrk="1" latinLnBrk="0" hangingPunct="1">
+              <a:lnSpc>
+                <a:spcPct val="90000"/>
+              </a:lnSpc>
+              <a:spcBef>
+                <a:spcPts val="500"/>
+              </a:spcBef>
+              <a:buFont typeface="Arial" panose="020B0604020202020204" pitchFamily="34" charset="0"/>
+              <a:buChar char="•"/>
+              <a:defRPr sz="2400" kern="1200">
+                <a:solidFill>
+                  <a:schemeClr val="tx1"/>
+                </a:solidFill>
+                <a:latin typeface="+mn-lt"/>
+                <a:ea typeface="+mn-ea"/>
+                <a:cs typeface="+mn-cs"/>
+              </a:defRPr>
+            </a:lvl2pPr>
+            <a:lvl3pPr marL="1143000" indent="-228600" algn="l" defTabSz="914400" rtl="0" eaLnBrk="1" latinLnBrk="0" hangingPunct="1">
+              <a:lnSpc>
+                <a:spcPct val="90000"/>
+              </a:lnSpc>
+              <a:spcBef>
+                <a:spcPts val="500"/>
+              </a:spcBef>
+              <a:buFont typeface="Arial" panose="020B0604020202020204" pitchFamily="34" charset="0"/>
+              <a:buChar char="•"/>
+              <a:defRPr sz="2000" kern="1200">
+                <a:solidFill>
+                  <a:schemeClr val="tx1"/>
+                </a:solidFill>
+                <a:latin typeface="+mn-lt"/>
+                <a:ea typeface="+mn-ea"/>
+                <a:cs typeface="+mn-cs"/>
+              </a:defRPr>
+            </a:lvl3pPr>
+            <a:lvl4pPr marL="1600200" indent="-228600" algn="l" defTabSz="914400" rtl="0" eaLnBrk="1" latinLnBrk="0" hangingPunct="1">
+              <a:lnSpc>
+                <a:spcPct val="90000"/>
+              </a:lnSpc>
+              <a:spcBef>
+                <a:spcPts val="500"/>
+              </a:spcBef>
+              <a:buFont typeface="Arial" panose="020B0604020202020204" pitchFamily="34" charset="0"/>
+              <a:buChar char="•"/>
+              <a:defRPr sz="1800" kern="1200">
+                <a:solidFill>
+                  <a:schemeClr val="tx1"/>
+                </a:solidFill>
+                <a:latin typeface="+mn-lt"/>
+                <a:ea typeface="+mn-ea"/>
+                <a:cs typeface="+mn-cs"/>
+              </a:defRPr>
+            </a:lvl4pPr>
+            <a:lvl5pPr marL="2057400" indent="-228600" algn="l" defTabSz="914400" rtl="0" eaLnBrk="1" latinLnBrk="0" hangingPunct="1">
+              <a:lnSpc>
+                <a:spcPct val="90000"/>
+              </a:lnSpc>
+              <a:spcBef>
+                <a:spcPts val="500"/>
+              </a:spcBef>
+              <a:buFont typeface="Arial" panose="020B0604020202020204" pitchFamily="34" charset="0"/>
+              <a:buChar char="•"/>
+              <a:defRPr sz="1800" kern="1200">
+                <a:solidFill>
+                  <a:schemeClr val="tx1"/>
+                </a:solidFill>
+                <a:latin typeface="+mn-lt"/>
+                <a:ea typeface="+mn-ea"/>
+                <a:cs typeface="+mn-cs"/>
+              </a:defRPr>
+            </a:lvl5pPr>
+            <a:lvl6pPr marL="2514600" indent="-228600" algn="l" defTabSz="914400" rtl="0" eaLnBrk="1" latinLnBrk="0" hangingPunct="1">
+              <a:lnSpc>
+                <a:spcPct val="90000"/>
+              </a:lnSpc>
+              <a:spcBef>
+                <a:spcPts val="500"/>
+              </a:spcBef>
+              <a:buFont typeface="Arial" panose="020B0604020202020204" pitchFamily="34" charset="0"/>
+              <a:buChar char="•"/>
+              <a:defRPr sz="1800" kern="1200">
+                <a:solidFill>
+                  <a:schemeClr val="tx1"/>
+                </a:solidFill>
+                <a:latin typeface="+mn-lt"/>
+                <a:ea typeface="+mn-ea"/>
+                <a:cs typeface="+mn-cs"/>
+              </a:defRPr>
+            </a:lvl6pPr>
+            <a:lvl7pPr marL="2971800" indent="-228600" algn="l" defTabSz="914400" rtl="0" eaLnBrk="1" latinLnBrk="0" hangingPunct="1">
+              <a:lnSpc>
+                <a:spcPct val="90000"/>
+              </a:lnSpc>
+              <a:spcBef>
+                <a:spcPts val="500"/>
+              </a:spcBef>
+              <a:buFont typeface="Arial" panose="020B0604020202020204" pitchFamily="34" charset="0"/>
+              <a:buChar char="•"/>
+              <a:defRPr sz="1800" kern="1200">
+                <a:solidFill>
+                  <a:schemeClr val="tx1"/>
+                </a:solidFill>
+                <a:latin typeface="+mn-lt"/>
+                <a:ea typeface="+mn-ea"/>
+                <a:cs typeface="+mn-cs"/>
+              </a:defRPr>
+            </a:lvl7pPr>
+            <a:lvl8pPr marL="3429000" indent="-228600" algn="l" defTabSz="914400" rtl="0" eaLnBrk="1" latinLnBrk="0" hangingPunct="1">
+              <a:lnSpc>
+                <a:spcPct val="90000"/>
+              </a:lnSpc>
+              <a:spcBef>
+                <a:spcPts val="500"/>
+              </a:spcBef>
+              <a:buFont typeface="Arial" panose="020B0604020202020204" pitchFamily="34" charset="0"/>
+              <a:buChar char="•"/>
+              <a:defRPr sz="1800" kern="1200">
+                <a:solidFill>
+                  <a:schemeClr val="tx1"/>
+                </a:solidFill>
+                <a:latin typeface="+mn-lt"/>
+                <a:ea typeface="+mn-ea"/>
+                <a:cs typeface="+mn-cs"/>
+              </a:defRPr>
+            </a:lvl8pPr>
+            <a:lvl9pPr marL="3886200" indent="-228600" algn="l" defTabSz="914400" rtl="0" eaLnBrk="1" latinLnBrk="0" hangingPunct="1">
+              <a:lnSpc>
+                <a:spcPct val="90000"/>
+              </a:lnSpc>
+              <a:spcBef>
+                <a:spcPts val="500"/>
+              </a:spcBef>
+              <a:buFont typeface="Arial" panose="020B0604020202020204" pitchFamily="34" charset="0"/>
+              <a:buChar char="•"/>
+              <a:defRPr sz="1800" kern="1200">
+                <a:solidFill>
+                  <a:schemeClr val="tx1"/>
+                </a:solidFill>
+                <a:latin typeface="+mn-lt"/>
+                <a:ea typeface="+mn-ea"/>
+                <a:cs typeface="+mn-cs"/>
+              </a:defRPr>
+            </a:lvl9pPr>
+          </a:lstStyle>
+          <a:p>
+            <a:r>
+              <a:rPr lang="es-MX" dirty="0"/>
+              <a:t>Business </a:t>
+            </a:r>
+            <a:r>
+              <a:rPr lang="es-MX" dirty="0" err="1"/>
+              <a:t>Development</a:t>
+            </a:r>
+            <a:r>
+              <a:rPr lang="es-MX" dirty="0"/>
+              <a:t>: </a:t>
+            </a:r>
+            <a:r>
+              <a:rPr lang="es-MX" dirty="0" err="1"/>
+              <a:t>Create</a:t>
+            </a:r>
+            <a:r>
+              <a:rPr lang="es-MX" dirty="0"/>
+              <a:t> New Job #</a:t>
+            </a:r>
+          </a:p>
+          <a:p>
+            <a:endParaRPr lang="es-MX" dirty="0"/>
+          </a:p>
+        </p:txBody>
+      </p:sp>
+      <p:sp>
+        <p:nvSpPr>
+          <p:cNvPr id="4" name="TextBox 3">
+            <a:extLst>
+              <a:ext uri="{FF2B5EF4-FFF2-40B4-BE49-F238E27FC236}">
+                <a16:creationId xmlns:a16="http://schemas.microsoft.com/office/drawing/2014/main" id="{0FB0601D-ED00-49A8-8BD4-C6FE403BE2E9}"/>
+              </a:ext>
+            </a:extLst>
+          </p:cNvPr>
+          <p:cNvSpPr txBox="1"/>
+          <p:nvPr/>
+        </p:nvSpPr>
+        <p:spPr>
+          <a:xfrm>
+            <a:off x="123593" y="898258"/>
+            <a:ext cx="3534007" cy="338554"/>
+          </a:xfrm>
+          <a:prstGeom prst="rect">
+            <a:avLst/>
+          </a:prstGeom>
+          <a:noFill/>
+        </p:spPr>
+        <p:txBody>
+          <a:bodyPr wrap="square" rtlCol="0">
+            <a:spAutoFit/>
+          </a:bodyPr>
+          <a:lstStyle/>
+          <a:p>
+            <a:r>
+              <a:rPr lang="es-MX" sz="1600" dirty="0"/>
+              <a:t>Open RFQ and </a:t>
+            </a:r>
+            <a:r>
+              <a:rPr lang="es-MX" sz="1600" dirty="0" err="1"/>
+              <a:t>click</a:t>
+            </a:r>
+            <a:r>
+              <a:rPr lang="es-MX" sz="1600" dirty="0"/>
+              <a:t> </a:t>
+            </a:r>
+            <a:r>
+              <a:rPr lang="es-MX" sz="1600" dirty="0" err="1"/>
+              <a:t>on</a:t>
+            </a:r>
+            <a:r>
+              <a:rPr lang="es-MX" sz="1600" dirty="0"/>
+              <a:t> GENERATE JOB</a:t>
+            </a:r>
+          </a:p>
+        </p:txBody>
+      </p:sp>
+      <p:pic>
+        <p:nvPicPr>
+          <p:cNvPr id="5" name="Picture 4">
+            <a:extLst>
+              <a:ext uri="{FF2B5EF4-FFF2-40B4-BE49-F238E27FC236}">
+                <a16:creationId xmlns:a16="http://schemas.microsoft.com/office/drawing/2014/main" id="{AA40BDCC-65F8-484C-9210-B1CD8D6696A4}"/>
+              </a:ext>
+            </a:extLst>
+          </p:cNvPr>
+          <p:cNvPicPr>
+            <a:picLocks noChangeAspect="1"/>
+          </p:cNvPicPr>
+          <p:nvPr/>
+        </p:nvPicPr>
+        <p:blipFill>
+          <a:blip r:embed="rId3"/>
+          <a:stretch>
+            <a:fillRect/>
+          </a:stretch>
+        </p:blipFill>
+        <p:spPr>
+          <a:xfrm>
+            <a:off x="0" y="1236812"/>
+            <a:ext cx="6292094" cy="3510930"/>
+          </a:xfrm>
+          <a:prstGeom prst="rect">
+            <a:avLst/>
+          </a:prstGeom>
+        </p:spPr>
+      </p:pic>
+      <p:sp>
+        <p:nvSpPr>
+          <p:cNvPr id="6" name="Rectangle 5">
+            <a:extLst>
+              <a:ext uri="{FF2B5EF4-FFF2-40B4-BE49-F238E27FC236}">
+                <a16:creationId xmlns:a16="http://schemas.microsoft.com/office/drawing/2014/main" id="{3352BBC1-EC8A-4E52-BD59-97D8AA8925EA}"/>
+              </a:ext>
+            </a:extLst>
+          </p:cNvPr>
+          <p:cNvSpPr/>
+          <p:nvPr/>
+        </p:nvSpPr>
+        <p:spPr>
+          <a:xfrm>
+            <a:off x="1862333" y="1812975"/>
+            <a:ext cx="710746" cy="377332"/>
+          </a:xfrm>
+          <a:prstGeom prst="rect">
+            <a:avLst/>
+          </a:prstGeom>
+          <a:noFill/>
+          <a:ln w="79375">
+            <a:solidFill>
+              <a:schemeClr val="accent1">
+                <a:lumMod val="75000"/>
+              </a:schemeClr>
+            </a:solidFill>
+          </a:ln>
+        </p:spPr>
+        <p:style>
+          <a:lnRef idx="2">
+            <a:schemeClr val="accent1">
+              <a:shade val="50000"/>
+            </a:schemeClr>
+          </a:lnRef>
+          <a:fillRef idx="1">
+            <a:schemeClr val="accent1"/>
+          </a:fillRef>
+          <a:effectRef idx="0">
+            <a:schemeClr val="accent1"/>
+          </a:effectRef>
+          <a:fontRef idx="minor">
+            <a:schemeClr val="lt1"/>
+          </a:fontRef>
+        </p:style>
+        <p:txBody>
+          <a:bodyPr rtlCol="0" anchor="ctr"/>
+          <a:lstStyle/>
+          <a:p>
+            <a:pPr algn="ctr"/>
+            <a:endParaRPr lang="es-MX"/>
+          </a:p>
+        </p:txBody>
+      </p:sp>
+      <p:sp>
+        <p:nvSpPr>
+          <p:cNvPr id="7" name="TextBox 6">
+            <a:extLst>
+              <a:ext uri="{FF2B5EF4-FFF2-40B4-BE49-F238E27FC236}">
+                <a16:creationId xmlns:a16="http://schemas.microsoft.com/office/drawing/2014/main" id="{9427A23B-1CCD-44DD-B687-A1BE184A3F95}"/>
+              </a:ext>
+            </a:extLst>
+          </p:cNvPr>
+          <p:cNvSpPr txBox="1"/>
+          <p:nvPr/>
+        </p:nvSpPr>
+        <p:spPr>
+          <a:xfrm>
+            <a:off x="7010485" y="909598"/>
+            <a:ext cx="4993673" cy="584775"/>
+          </a:xfrm>
+          <a:prstGeom prst="rect">
+            <a:avLst/>
+          </a:prstGeom>
+          <a:noFill/>
+        </p:spPr>
+        <p:txBody>
+          <a:bodyPr wrap="square" rtlCol="0">
+            <a:spAutoFit/>
+          </a:bodyPr>
+          <a:lstStyle/>
+          <a:p>
+            <a:r>
+              <a:rPr lang="es-MX" sz="1600" dirty="0" err="1"/>
+              <a:t>Add</a:t>
+            </a:r>
+            <a:r>
+              <a:rPr lang="es-MX" sz="1600" dirty="0"/>
+              <a:t> </a:t>
+            </a:r>
+            <a:r>
+              <a:rPr lang="es-MX" sz="1600" dirty="0" err="1"/>
+              <a:t>Comments</a:t>
+            </a:r>
+            <a:r>
+              <a:rPr lang="es-MX" sz="1600" dirty="0"/>
+              <a:t>, </a:t>
+            </a:r>
+            <a:r>
+              <a:rPr lang="es-MX" sz="1600" dirty="0" err="1"/>
+              <a:t>Upload</a:t>
+            </a:r>
+            <a:r>
+              <a:rPr lang="es-MX" sz="1600" dirty="0"/>
+              <a:t> </a:t>
+            </a:r>
+            <a:r>
+              <a:rPr lang="es-MX" sz="1600" dirty="0" err="1"/>
+              <a:t>Contract</a:t>
+            </a:r>
+            <a:r>
+              <a:rPr lang="es-MX" sz="1600" dirty="0"/>
+              <a:t> File, </a:t>
+            </a:r>
+            <a:r>
+              <a:rPr lang="es-MX" sz="1600" dirty="0" err="1"/>
+              <a:t>asign</a:t>
+            </a:r>
+            <a:r>
+              <a:rPr lang="es-MX" sz="1600" dirty="0"/>
+              <a:t> </a:t>
+            </a:r>
+            <a:r>
+              <a:rPr lang="es-MX" sz="1600" dirty="0" err="1"/>
+              <a:t>Resource</a:t>
+            </a:r>
+            <a:r>
+              <a:rPr lang="es-MX" sz="1600" dirty="0"/>
+              <a:t> Manager, </a:t>
+            </a:r>
+            <a:r>
+              <a:rPr lang="es-MX" sz="1600" dirty="0" err="1"/>
+              <a:t>Indicate</a:t>
+            </a:r>
+            <a:r>
+              <a:rPr lang="es-MX" sz="1600" dirty="0"/>
+              <a:t> </a:t>
+            </a:r>
+            <a:r>
+              <a:rPr lang="es-MX" sz="1600" dirty="0" err="1"/>
+              <a:t>Star</a:t>
+            </a:r>
+            <a:r>
+              <a:rPr lang="es-MX" sz="1600" dirty="0"/>
+              <a:t> and </a:t>
+            </a:r>
+            <a:r>
+              <a:rPr lang="es-MX" sz="1600" dirty="0" err="1"/>
+              <a:t>End</a:t>
+            </a:r>
+            <a:r>
+              <a:rPr lang="es-MX" sz="1600" dirty="0"/>
+              <a:t> date </a:t>
+            </a:r>
+            <a:r>
+              <a:rPr lang="es-MX" sz="1600" dirty="0" err="1"/>
+              <a:t>of</a:t>
+            </a:r>
+            <a:r>
+              <a:rPr lang="es-MX" sz="1600" dirty="0"/>
+              <a:t> </a:t>
+            </a:r>
+            <a:r>
+              <a:rPr lang="es-MX" sz="1600" dirty="0" err="1"/>
+              <a:t>Contract</a:t>
+            </a:r>
+            <a:endParaRPr lang="es-MX" sz="1600" dirty="0"/>
+          </a:p>
+        </p:txBody>
+      </p:sp>
+      <p:cxnSp>
+        <p:nvCxnSpPr>
+          <p:cNvPr id="9" name="Connector: Elbow 8">
+            <a:extLst>
+              <a:ext uri="{FF2B5EF4-FFF2-40B4-BE49-F238E27FC236}">
+                <a16:creationId xmlns:a16="http://schemas.microsoft.com/office/drawing/2014/main" id="{2F2497C6-4966-47F3-80A9-685C5C6EC7A9}"/>
+              </a:ext>
+            </a:extLst>
+          </p:cNvPr>
+          <p:cNvCxnSpPr/>
+          <p:nvPr/>
+        </p:nvCxnSpPr>
+        <p:spPr>
+          <a:xfrm flipV="1">
+            <a:off x="2785730" y="1832927"/>
+            <a:ext cx="4224755" cy="357380"/>
+          </a:xfrm>
+          <a:prstGeom prst="bentConnector3">
+            <a:avLst/>
+          </a:prstGeom>
+          <a:ln>
+            <a:tailEnd type="triangle"/>
+          </a:ln>
+        </p:spPr>
+        <p:style>
+          <a:lnRef idx="1">
+            <a:schemeClr val="accent1"/>
+          </a:lnRef>
+          <a:fillRef idx="0">
+            <a:schemeClr val="accent1"/>
+          </a:fillRef>
+          <a:effectRef idx="0">
+            <a:schemeClr val="accent1"/>
+          </a:effectRef>
+          <a:fontRef idx="minor">
+            <a:schemeClr val="tx1"/>
+          </a:fontRef>
+        </p:style>
+      </p:cxnSp>
+    </p:spTree>
+    <p:extLst>
+      <p:ext uri="{BB962C8B-B14F-4D97-AF65-F5344CB8AC3E}">
+        <p14:creationId xmlns:p14="http://schemas.microsoft.com/office/powerpoint/2010/main" val="4089465921"/>
+      </p:ext>
+    </p:extLst>
+  </p:cSld>
+  <p:clrMapOvr>
+    <a:masterClrMapping/>
+  </p:clrMapOvr>
+</p:sld>
+</file>
+
+<file path=ppt/slides/slide17.xml><?xml version="1.0" encoding="utf-8"?>
+<p:sld xmlns:a="http://schemas.openxmlformats.org/drawingml/2006/main" xmlns:r="http://schemas.openxmlformats.org/officeDocument/2006/relationships" xmlns:p="http://schemas.openxmlformats.org/presentationml/2006/main">
+  <p:cSld>
+    <p:spTree>
+      <p:nvGrpSpPr>
+        <p:cNvPr id="1" name=""/>
+        <p:cNvGrpSpPr/>
+        <p:nvPr/>
+      </p:nvGrpSpPr>
+      <p:grpSpPr>
+        <a:xfrm>
+          <a:off x="0" y="0"/>
+          <a:ext cx="0" cy="0"/>
+          <a:chOff x="0" y="0"/>
+          <a:chExt cx="0" cy="0"/>
+        </a:xfrm>
+      </p:grpSpPr>
+      <p:sp>
+        <p:nvSpPr>
+          <p:cNvPr id="2" name="Content Placeholder 2">
+            <a:extLst>
+              <a:ext uri="{FF2B5EF4-FFF2-40B4-BE49-F238E27FC236}">
+                <a16:creationId xmlns:a16="http://schemas.microsoft.com/office/drawing/2014/main" id="{695146D4-F28F-4EFF-93E0-24E0CF9AA7D8}"/>
+              </a:ext>
+            </a:extLst>
+          </p:cNvPr>
+          <p:cNvSpPr txBox="1">
+            <a:spLocks/>
+          </p:cNvSpPr>
+          <p:nvPr/>
+        </p:nvSpPr>
+        <p:spPr>
+          <a:xfrm>
+            <a:off x="838200" y="331305"/>
+            <a:ext cx="9471991" cy="480225"/>
+          </a:xfrm>
+          <a:prstGeom prst="rect">
+            <a:avLst/>
+          </a:prstGeom>
+        </p:spPr>
+        <p:txBody>
+          <a:bodyPr/>
+          <a:lstStyle>
+            <a:lvl1pPr marL="228600" indent="-228600" algn="l" defTabSz="914400" rtl="0" eaLnBrk="1" latinLnBrk="0" hangingPunct="1">
+              <a:lnSpc>
+                <a:spcPct val="90000"/>
+              </a:lnSpc>
+              <a:spcBef>
+                <a:spcPts val="1000"/>
+              </a:spcBef>
+              <a:buFont typeface="Arial" panose="020B0604020202020204" pitchFamily="34" charset="0"/>
+              <a:buChar char="•"/>
+              <a:defRPr sz="2800" kern="1200">
+                <a:solidFill>
+                  <a:schemeClr val="tx1"/>
+                </a:solidFill>
+                <a:latin typeface="+mn-lt"/>
+                <a:ea typeface="+mn-ea"/>
+                <a:cs typeface="+mn-cs"/>
+              </a:defRPr>
+            </a:lvl1pPr>
+            <a:lvl2pPr marL="685800" indent="-228600" algn="l" defTabSz="914400" rtl="0" eaLnBrk="1" latinLnBrk="0" hangingPunct="1">
+              <a:lnSpc>
+                <a:spcPct val="90000"/>
+              </a:lnSpc>
+              <a:spcBef>
+                <a:spcPts val="500"/>
+              </a:spcBef>
+              <a:buFont typeface="Arial" panose="020B0604020202020204" pitchFamily="34" charset="0"/>
+              <a:buChar char="•"/>
+              <a:defRPr sz="2400" kern="1200">
+                <a:solidFill>
+                  <a:schemeClr val="tx1"/>
+                </a:solidFill>
+                <a:latin typeface="+mn-lt"/>
+                <a:ea typeface="+mn-ea"/>
+                <a:cs typeface="+mn-cs"/>
+              </a:defRPr>
+            </a:lvl2pPr>
+            <a:lvl3pPr marL="1143000" indent="-228600" algn="l" defTabSz="914400" rtl="0" eaLnBrk="1" latinLnBrk="0" hangingPunct="1">
+              <a:lnSpc>
+                <a:spcPct val="90000"/>
+              </a:lnSpc>
+              <a:spcBef>
+                <a:spcPts val="500"/>
+              </a:spcBef>
+              <a:buFont typeface="Arial" panose="020B0604020202020204" pitchFamily="34" charset="0"/>
+              <a:buChar char="•"/>
+              <a:defRPr sz="2000" kern="1200">
+                <a:solidFill>
+                  <a:schemeClr val="tx1"/>
+                </a:solidFill>
+                <a:latin typeface="+mn-lt"/>
+                <a:ea typeface="+mn-ea"/>
+                <a:cs typeface="+mn-cs"/>
+              </a:defRPr>
+            </a:lvl3pPr>
+            <a:lvl4pPr marL="1600200" indent="-228600" algn="l" defTabSz="914400" rtl="0" eaLnBrk="1" latinLnBrk="0" hangingPunct="1">
+              <a:lnSpc>
+                <a:spcPct val="90000"/>
+              </a:lnSpc>
+              <a:spcBef>
+                <a:spcPts val="500"/>
+              </a:spcBef>
+              <a:buFont typeface="Arial" panose="020B0604020202020204" pitchFamily="34" charset="0"/>
+              <a:buChar char="•"/>
+              <a:defRPr sz="1800" kern="1200">
+                <a:solidFill>
+                  <a:schemeClr val="tx1"/>
+                </a:solidFill>
+                <a:latin typeface="+mn-lt"/>
+                <a:ea typeface="+mn-ea"/>
+                <a:cs typeface="+mn-cs"/>
+              </a:defRPr>
+            </a:lvl4pPr>
+            <a:lvl5pPr marL="2057400" indent="-228600" algn="l" defTabSz="914400" rtl="0" eaLnBrk="1" latinLnBrk="0" hangingPunct="1">
+              <a:lnSpc>
+                <a:spcPct val="90000"/>
+              </a:lnSpc>
+              <a:spcBef>
+                <a:spcPts val="500"/>
+              </a:spcBef>
+              <a:buFont typeface="Arial" panose="020B0604020202020204" pitchFamily="34" charset="0"/>
+              <a:buChar char="•"/>
+              <a:defRPr sz="1800" kern="1200">
+                <a:solidFill>
+                  <a:schemeClr val="tx1"/>
+                </a:solidFill>
+                <a:latin typeface="+mn-lt"/>
+                <a:ea typeface="+mn-ea"/>
+                <a:cs typeface="+mn-cs"/>
+              </a:defRPr>
+            </a:lvl5pPr>
+            <a:lvl6pPr marL="2514600" indent="-228600" algn="l" defTabSz="914400" rtl="0" eaLnBrk="1" latinLnBrk="0" hangingPunct="1">
+              <a:lnSpc>
+                <a:spcPct val="90000"/>
+              </a:lnSpc>
+              <a:spcBef>
+                <a:spcPts val="500"/>
+              </a:spcBef>
+              <a:buFont typeface="Arial" panose="020B0604020202020204" pitchFamily="34" charset="0"/>
+              <a:buChar char="•"/>
+              <a:defRPr sz="1800" kern="1200">
+                <a:solidFill>
+                  <a:schemeClr val="tx1"/>
+                </a:solidFill>
+                <a:latin typeface="+mn-lt"/>
+                <a:ea typeface="+mn-ea"/>
+                <a:cs typeface="+mn-cs"/>
+              </a:defRPr>
+            </a:lvl6pPr>
+            <a:lvl7pPr marL="2971800" indent="-228600" algn="l" defTabSz="914400" rtl="0" eaLnBrk="1" latinLnBrk="0" hangingPunct="1">
+              <a:lnSpc>
+                <a:spcPct val="90000"/>
+              </a:lnSpc>
+              <a:spcBef>
+                <a:spcPts val="500"/>
+              </a:spcBef>
+              <a:buFont typeface="Arial" panose="020B0604020202020204" pitchFamily="34" charset="0"/>
+              <a:buChar char="•"/>
+              <a:defRPr sz="1800" kern="1200">
+                <a:solidFill>
+                  <a:schemeClr val="tx1"/>
+                </a:solidFill>
+                <a:latin typeface="+mn-lt"/>
+                <a:ea typeface="+mn-ea"/>
+                <a:cs typeface="+mn-cs"/>
+              </a:defRPr>
+            </a:lvl7pPr>
+            <a:lvl8pPr marL="3429000" indent="-228600" algn="l" defTabSz="914400" rtl="0" eaLnBrk="1" latinLnBrk="0" hangingPunct="1">
+              <a:lnSpc>
+                <a:spcPct val="90000"/>
+              </a:lnSpc>
+              <a:spcBef>
+                <a:spcPts val="500"/>
+              </a:spcBef>
+              <a:buFont typeface="Arial" panose="020B0604020202020204" pitchFamily="34" charset="0"/>
+              <a:buChar char="•"/>
+              <a:defRPr sz="1800" kern="1200">
+                <a:solidFill>
+                  <a:schemeClr val="tx1"/>
+                </a:solidFill>
+                <a:latin typeface="+mn-lt"/>
+                <a:ea typeface="+mn-ea"/>
+                <a:cs typeface="+mn-cs"/>
+              </a:defRPr>
+            </a:lvl8pPr>
+            <a:lvl9pPr marL="3886200" indent="-228600" algn="l" defTabSz="914400" rtl="0" eaLnBrk="1" latinLnBrk="0" hangingPunct="1">
+              <a:lnSpc>
+                <a:spcPct val="90000"/>
+              </a:lnSpc>
+              <a:spcBef>
+                <a:spcPts val="500"/>
+              </a:spcBef>
+              <a:buFont typeface="Arial" panose="020B0604020202020204" pitchFamily="34" charset="0"/>
+              <a:buChar char="•"/>
+              <a:defRPr sz="1800" kern="1200">
+                <a:solidFill>
+                  <a:schemeClr val="tx1"/>
+                </a:solidFill>
+                <a:latin typeface="+mn-lt"/>
+                <a:ea typeface="+mn-ea"/>
+                <a:cs typeface="+mn-cs"/>
+              </a:defRPr>
+            </a:lvl9pPr>
+          </a:lstStyle>
+          <a:p>
+            <a:r>
+              <a:rPr lang="es-MX" dirty="0"/>
+              <a:t>Business </a:t>
+            </a:r>
+            <a:r>
+              <a:rPr lang="es-MX" dirty="0" err="1"/>
+              <a:t>Development</a:t>
+            </a:r>
+            <a:r>
+              <a:rPr lang="es-MX" dirty="0"/>
+              <a:t>: </a:t>
+            </a:r>
+            <a:r>
+              <a:rPr lang="es-MX" dirty="0" err="1"/>
+              <a:t>Add</a:t>
+            </a:r>
+            <a:r>
+              <a:rPr lang="es-MX" dirty="0"/>
+              <a:t> </a:t>
+            </a:r>
+            <a:r>
+              <a:rPr lang="es-MX" dirty="0" err="1"/>
+              <a:t>PO’s</a:t>
+            </a:r>
+            <a:r>
+              <a:rPr lang="es-MX" dirty="0"/>
+              <a:t> </a:t>
+            </a:r>
+            <a:r>
+              <a:rPr lang="es-MX" dirty="0" err="1"/>
+              <a:t>to</a:t>
+            </a:r>
+            <a:r>
+              <a:rPr lang="es-MX" dirty="0"/>
+              <a:t> </a:t>
+            </a:r>
+            <a:r>
+              <a:rPr lang="es-MX" dirty="0" err="1"/>
+              <a:t>JOB’s</a:t>
+            </a:r>
+            <a:endParaRPr lang="es-MX" dirty="0"/>
+          </a:p>
+          <a:p>
+            <a:endParaRPr lang="es-MX" dirty="0"/>
+          </a:p>
+        </p:txBody>
+      </p:sp>
+      <p:pic>
+        <p:nvPicPr>
+          <p:cNvPr id="3" name="Picture 2">
+            <a:extLst>
+              <a:ext uri="{FF2B5EF4-FFF2-40B4-BE49-F238E27FC236}">
+                <a16:creationId xmlns:a16="http://schemas.microsoft.com/office/drawing/2014/main" id="{F22896A7-2448-44B1-850C-8A649BBD0C1B}"/>
+              </a:ext>
+            </a:extLst>
+          </p:cNvPr>
+          <p:cNvPicPr>
+            <a:picLocks noChangeAspect="1"/>
+          </p:cNvPicPr>
+          <p:nvPr/>
+        </p:nvPicPr>
+        <p:blipFill>
+          <a:blip r:embed="rId2"/>
+          <a:stretch>
+            <a:fillRect/>
+          </a:stretch>
+        </p:blipFill>
+        <p:spPr>
+          <a:xfrm>
+            <a:off x="753949" y="1903176"/>
+            <a:ext cx="7047656" cy="3818025"/>
+          </a:xfrm>
+          <a:prstGeom prst="rect">
+            <a:avLst/>
+          </a:prstGeom>
+        </p:spPr>
+      </p:pic>
+      <p:sp>
+        <p:nvSpPr>
+          <p:cNvPr id="4" name="TextBox 3">
+            <a:extLst>
+              <a:ext uri="{FF2B5EF4-FFF2-40B4-BE49-F238E27FC236}">
+                <a16:creationId xmlns:a16="http://schemas.microsoft.com/office/drawing/2014/main" id="{9A63A28C-EE35-49D5-9047-997438D489E2}"/>
+              </a:ext>
+            </a:extLst>
+          </p:cNvPr>
+          <p:cNvSpPr txBox="1"/>
+          <p:nvPr/>
+        </p:nvSpPr>
+        <p:spPr>
+          <a:xfrm>
+            <a:off x="580522" y="930864"/>
+            <a:ext cx="6628352" cy="338554"/>
+          </a:xfrm>
+          <a:prstGeom prst="rect">
+            <a:avLst/>
+          </a:prstGeom>
+          <a:noFill/>
+        </p:spPr>
+        <p:txBody>
+          <a:bodyPr wrap="square" rtlCol="0">
+            <a:spAutoFit/>
+          </a:bodyPr>
+          <a:lstStyle/>
+          <a:p>
+            <a:r>
+              <a:rPr lang="es-MX" sz="1600" dirty="0" err="1"/>
+              <a:t>Add</a:t>
+            </a:r>
+            <a:r>
+              <a:rPr lang="es-MX" sz="1600" dirty="0"/>
+              <a:t> PO Client, </a:t>
+            </a:r>
+            <a:r>
+              <a:rPr lang="es-MX" sz="1600" dirty="0" err="1"/>
+              <a:t>Comments</a:t>
+            </a:r>
+            <a:r>
+              <a:rPr lang="es-MX" sz="1600" dirty="0"/>
+              <a:t>, </a:t>
+            </a:r>
+            <a:r>
+              <a:rPr lang="es-MX" sz="1600" dirty="0" err="1"/>
+              <a:t>upload</a:t>
+            </a:r>
+            <a:r>
+              <a:rPr lang="es-MX" sz="1600" dirty="0"/>
+              <a:t> PO File and </a:t>
+            </a:r>
+            <a:r>
+              <a:rPr lang="es-MX" sz="1600" dirty="0" err="1"/>
+              <a:t>click</a:t>
+            </a:r>
+            <a:r>
+              <a:rPr lang="es-MX" sz="1600" dirty="0"/>
+              <a:t> </a:t>
+            </a:r>
+            <a:r>
+              <a:rPr lang="es-MX" sz="1600" dirty="0" err="1"/>
+              <a:t>on</a:t>
+            </a:r>
+            <a:r>
+              <a:rPr lang="es-MX" sz="1600" dirty="0"/>
+              <a:t> ADD </a:t>
+            </a:r>
+            <a:r>
+              <a:rPr lang="es-MX" sz="1600" dirty="0" err="1"/>
+              <a:t>Button</a:t>
+            </a:r>
+            <a:endParaRPr lang="es-MX" sz="1600" dirty="0"/>
+          </a:p>
+        </p:txBody>
+      </p:sp>
+      <p:sp>
+        <p:nvSpPr>
+          <p:cNvPr id="5" name="Rectangle 4">
+            <a:extLst>
+              <a:ext uri="{FF2B5EF4-FFF2-40B4-BE49-F238E27FC236}">
+                <a16:creationId xmlns:a16="http://schemas.microsoft.com/office/drawing/2014/main" id="{FEFF035B-E71A-4E96-B203-A0C9F1E9762C}"/>
+              </a:ext>
+            </a:extLst>
+          </p:cNvPr>
+          <p:cNvSpPr/>
+          <p:nvPr/>
+        </p:nvSpPr>
+        <p:spPr>
+          <a:xfrm>
+            <a:off x="6853501" y="5119701"/>
+            <a:ext cx="710746" cy="377332"/>
+          </a:xfrm>
+          <a:prstGeom prst="rect">
+            <a:avLst/>
+          </a:prstGeom>
+          <a:noFill/>
+          <a:ln w="79375">
+            <a:solidFill>
+              <a:schemeClr val="accent1">
+                <a:lumMod val="75000"/>
+              </a:schemeClr>
+            </a:solidFill>
+          </a:ln>
+        </p:spPr>
+        <p:style>
+          <a:lnRef idx="2">
+            <a:schemeClr val="accent1">
+              <a:shade val="50000"/>
+            </a:schemeClr>
+          </a:lnRef>
+          <a:fillRef idx="1">
+            <a:schemeClr val="accent1"/>
+          </a:fillRef>
+          <a:effectRef idx="0">
+            <a:schemeClr val="accent1"/>
+          </a:effectRef>
+          <a:fontRef idx="minor">
+            <a:schemeClr val="lt1"/>
+          </a:fontRef>
+        </p:style>
+        <p:txBody>
+          <a:bodyPr rtlCol="0" anchor="ctr"/>
+          <a:lstStyle/>
+          <a:p>
+            <a:pPr algn="ctr"/>
+            <a:endParaRPr lang="es-MX"/>
+          </a:p>
+        </p:txBody>
+      </p:sp>
+      <p:sp>
+        <p:nvSpPr>
+          <p:cNvPr id="6" name="TextBox 5">
+            <a:extLst>
+              <a:ext uri="{FF2B5EF4-FFF2-40B4-BE49-F238E27FC236}">
+                <a16:creationId xmlns:a16="http://schemas.microsoft.com/office/drawing/2014/main" id="{6E1B0395-CFCF-4F11-9F2E-4491C3F12E60}"/>
+              </a:ext>
+            </a:extLst>
+          </p:cNvPr>
+          <p:cNvSpPr txBox="1"/>
+          <p:nvPr/>
+        </p:nvSpPr>
+        <p:spPr>
+          <a:xfrm>
+            <a:off x="753949" y="5899813"/>
+            <a:ext cx="6628352" cy="338554"/>
+          </a:xfrm>
+          <a:prstGeom prst="rect">
+            <a:avLst/>
+          </a:prstGeom>
+          <a:noFill/>
+        </p:spPr>
+        <p:txBody>
+          <a:bodyPr wrap="square" rtlCol="0">
+            <a:spAutoFit/>
+          </a:bodyPr>
+          <a:lstStyle/>
+          <a:p>
+            <a:r>
+              <a:rPr lang="es-MX" sz="1600" b="1" dirty="0"/>
+              <a:t>Note: </a:t>
+            </a:r>
+            <a:r>
+              <a:rPr lang="es-MX" sz="1600" b="1" dirty="0" err="1"/>
+              <a:t>With</a:t>
+            </a:r>
+            <a:r>
+              <a:rPr lang="es-MX" sz="1600" b="1" dirty="0"/>
+              <a:t> </a:t>
+            </a:r>
+            <a:r>
+              <a:rPr lang="es-MX" sz="1600" b="1" dirty="0" err="1"/>
+              <a:t>Purchase</a:t>
+            </a:r>
+            <a:r>
+              <a:rPr lang="es-MX" sz="1600" b="1" dirty="0"/>
+              <a:t> </a:t>
+            </a:r>
+            <a:r>
+              <a:rPr lang="es-MX" sz="1600" b="1" dirty="0" err="1"/>
+              <a:t>Orders</a:t>
+            </a:r>
+            <a:r>
+              <a:rPr lang="es-MX" sz="1600" b="1" dirty="0"/>
+              <a:t> </a:t>
+            </a:r>
+            <a:r>
+              <a:rPr lang="es-MX" sz="1600" b="1" dirty="0" err="1"/>
+              <a:t>stared</a:t>
+            </a:r>
+            <a:r>
+              <a:rPr lang="es-MX" sz="1600" b="1" dirty="0"/>
+              <a:t> </a:t>
+            </a:r>
+            <a:r>
+              <a:rPr lang="es-MX" sz="1600" b="1" dirty="0" err="1"/>
+              <a:t>the</a:t>
+            </a:r>
+            <a:r>
+              <a:rPr lang="es-MX" sz="1600" b="1" dirty="0"/>
+              <a:t> </a:t>
+            </a:r>
+            <a:r>
+              <a:rPr lang="es-MX" sz="1600" b="1" dirty="0" err="1"/>
+              <a:t>Mobilization</a:t>
+            </a:r>
+            <a:r>
+              <a:rPr lang="es-MX" sz="1600" b="1" dirty="0"/>
+              <a:t> </a:t>
+            </a:r>
+            <a:r>
+              <a:rPr lang="es-MX" sz="1600" b="1" dirty="0" err="1"/>
+              <a:t>Process</a:t>
+            </a:r>
+            <a:endParaRPr lang="es-MX" sz="1600" b="1" dirty="0"/>
+          </a:p>
+        </p:txBody>
+      </p:sp>
+    </p:spTree>
+    <p:extLst>
+      <p:ext uri="{BB962C8B-B14F-4D97-AF65-F5344CB8AC3E}">
+        <p14:creationId xmlns:p14="http://schemas.microsoft.com/office/powerpoint/2010/main" val="3645763708"/>
+      </p:ext>
+    </p:extLst>
+  </p:cSld>
+  <p:clrMapOvr>
+    <a:masterClrMapping/>
+  </p:clrMapOvr>
+</p:sld>
+</file>
+
 <file path=ppt/slides/slide2.xml><?xml version="1.0" encoding="utf-8"?>
 <p:sld xmlns:a="http://schemas.openxmlformats.org/drawingml/2006/main" xmlns:r="http://schemas.openxmlformats.org/officeDocument/2006/relationships" xmlns:p="http://schemas.openxmlformats.org/presentationml/2006/main">
   <p:cSld>
@@ -4945,7 +9690,7 @@
             </a:r>
             <a:r>
               <a:rPr lang="es-MX" dirty="0" err="1"/>
-              <a:t>buttom</a:t>
+              <a:t>button</a:t>
             </a:r>
             <a:endParaRPr lang="es-MX" dirty="0"/>
           </a:p>
@@ -5108,7 +9853,7 @@
         </p:blipFill>
         <p:spPr>
           <a:xfrm>
-            <a:off x="0" y="571417"/>
+            <a:off x="1786270" y="468630"/>
             <a:ext cx="3552825" cy="3629025"/>
           </a:xfrm>
           <a:prstGeom prst="rect">
@@ -5324,12 +10069,1488 @@
             </a:r>
             <a:endParaRPr lang="es-MX" dirty="0"/>
           </a:p>
+          <a:p>
+            <a:endParaRPr lang="es-MX" dirty="0"/>
+          </a:p>
+        </p:txBody>
+      </p:sp>
+      <p:sp>
+        <p:nvSpPr>
+          <p:cNvPr id="4" name="Rectangle 3">
+            <a:extLst>
+              <a:ext uri="{FF2B5EF4-FFF2-40B4-BE49-F238E27FC236}">
+                <a16:creationId xmlns:a16="http://schemas.microsoft.com/office/drawing/2014/main" id="{A1E58299-0ED8-41AE-8AB6-2B296F3989C9}"/>
+              </a:ext>
+            </a:extLst>
+          </p:cNvPr>
+          <p:cNvSpPr/>
+          <p:nvPr/>
+        </p:nvSpPr>
+        <p:spPr>
+          <a:xfrm>
+            <a:off x="2186330" y="1428301"/>
+            <a:ext cx="2768442" cy="510364"/>
+          </a:xfrm>
+          <a:prstGeom prst="rect">
+            <a:avLst/>
+          </a:prstGeom>
+          <a:noFill/>
+          <a:ln w="79375">
+            <a:solidFill>
+              <a:schemeClr val="accent1">
+                <a:lumMod val="75000"/>
+              </a:schemeClr>
+            </a:solidFill>
+          </a:ln>
+        </p:spPr>
+        <p:style>
+          <a:lnRef idx="2">
+            <a:schemeClr val="accent1">
+              <a:shade val="50000"/>
+            </a:schemeClr>
+          </a:lnRef>
+          <a:fillRef idx="1">
+            <a:schemeClr val="accent1"/>
+          </a:fillRef>
+          <a:effectRef idx="0">
+            <a:schemeClr val="accent1"/>
+          </a:effectRef>
+          <a:fontRef idx="minor">
+            <a:schemeClr val="lt1"/>
+          </a:fontRef>
+        </p:style>
+        <p:txBody>
+          <a:bodyPr rtlCol="0" anchor="ctr"/>
+          <a:lstStyle/>
+          <a:p>
+            <a:pPr algn="ctr"/>
+            <a:endParaRPr lang="es-MX"/>
+          </a:p>
+        </p:txBody>
+      </p:sp>
+      <p:sp>
+        <p:nvSpPr>
+          <p:cNvPr id="5" name="Content Placeholder 2">
+            <a:extLst>
+              <a:ext uri="{FF2B5EF4-FFF2-40B4-BE49-F238E27FC236}">
+                <a16:creationId xmlns:a16="http://schemas.microsoft.com/office/drawing/2014/main" id="{3A07E753-736F-4932-9331-C2268520B689}"/>
+              </a:ext>
+            </a:extLst>
+          </p:cNvPr>
+          <p:cNvSpPr txBox="1">
+            <a:spLocks/>
+          </p:cNvSpPr>
+          <p:nvPr/>
+        </p:nvSpPr>
+        <p:spPr>
+          <a:xfrm>
+            <a:off x="4954772" y="1491218"/>
+            <a:ext cx="1733107" cy="298589"/>
+          </a:xfrm>
+          <a:prstGeom prst="rect">
+            <a:avLst/>
+          </a:prstGeom>
+        </p:spPr>
+        <p:txBody>
+          <a:bodyPr/>
+          <a:lstStyle>
+            <a:lvl1pPr marL="228600" indent="-228600" algn="l" defTabSz="914400" rtl="0" eaLnBrk="1" latinLnBrk="0" hangingPunct="1">
+              <a:lnSpc>
+                <a:spcPct val="90000"/>
+              </a:lnSpc>
+              <a:spcBef>
+                <a:spcPts val="1000"/>
+              </a:spcBef>
+              <a:buFont typeface="Arial" panose="020B0604020202020204" pitchFamily="34" charset="0"/>
+              <a:buChar char="•"/>
+              <a:defRPr sz="2800" kern="1200">
+                <a:solidFill>
+                  <a:schemeClr val="tx1"/>
+                </a:solidFill>
+                <a:latin typeface="+mn-lt"/>
+                <a:ea typeface="+mn-ea"/>
+                <a:cs typeface="+mn-cs"/>
+              </a:defRPr>
+            </a:lvl1pPr>
+            <a:lvl2pPr marL="685800" indent="-228600" algn="l" defTabSz="914400" rtl="0" eaLnBrk="1" latinLnBrk="0" hangingPunct="1">
+              <a:lnSpc>
+                <a:spcPct val="90000"/>
+              </a:lnSpc>
+              <a:spcBef>
+                <a:spcPts val="500"/>
+              </a:spcBef>
+              <a:buFont typeface="Arial" panose="020B0604020202020204" pitchFamily="34" charset="0"/>
+              <a:buChar char="•"/>
+              <a:defRPr sz="2400" kern="1200">
+                <a:solidFill>
+                  <a:schemeClr val="tx1"/>
+                </a:solidFill>
+                <a:latin typeface="+mn-lt"/>
+                <a:ea typeface="+mn-ea"/>
+                <a:cs typeface="+mn-cs"/>
+              </a:defRPr>
+            </a:lvl2pPr>
+            <a:lvl3pPr marL="1143000" indent="-228600" algn="l" defTabSz="914400" rtl="0" eaLnBrk="1" latinLnBrk="0" hangingPunct="1">
+              <a:lnSpc>
+                <a:spcPct val="90000"/>
+              </a:lnSpc>
+              <a:spcBef>
+                <a:spcPts val="500"/>
+              </a:spcBef>
+              <a:buFont typeface="Arial" panose="020B0604020202020204" pitchFamily="34" charset="0"/>
+              <a:buChar char="•"/>
+              <a:defRPr sz="2000" kern="1200">
+                <a:solidFill>
+                  <a:schemeClr val="tx1"/>
+                </a:solidFill>
+                <a:latin typeface="+mn-lt"/>
+                <a:ea typeface="+mn-ea"/>
+                <a:cs typeface="+mn-cs"/>
+              </a:defRPr>
+            </a:lvl3pPr>
+            <a:lvl4pPr marL="1600200" indent="-228600" algn="l" defTabSz="914400" rtl="0" eaLnBrk="1" latinLnBrk="0" hangingPunct="1">
+              <a:lnSpc>
+                <a:spcPct val="90000"/>
+              </a:lnSpc>
+              <a:spcBef>
+                <a:spcPts val="500"/>
+              </a:spcBef>
+              <a:buFont typeface="Arial" panose="020B0604020202020204" pitchFamily="34" charset="0"/>
+              <a:buChar char="•"/>
+              <a:defRPr sz="1800" kern="1200">
+                <a:solidFill>
+                  <a:schemeClr val="tx1"/>
+                </a:solidFill>
+                <a:latin typeface="+mn-lt"/>
+                <a:ea typeface="+mn-ea"/>
+                <a:cs typeface="+mn-cs"/>
+              </a:defRPr>
+            </a:lvl4pPr>
+            <a:lvl5pPr marL="2057400" indent="-228600" algn="l" defTabSz="914400" rtl="0" eaLnBrk="1" latinLnBrk="0" hangingPunct="1">
+              <a:lnSpc>
+                <a:spcPct val="90000"/>
+              </a:lnSpc>
+              <a:spcBef>
+                <a:spcPts val="500"/>
+              </a:spcBef>
+              <a:buFont typeface="Arial" panose="020B0604020202020204" pitchFamily="34" charset="0"/>
+              <a:buChar char="•"/>
+              <a:defRPr sz="1800" kern="1200">
+                <a:solidFill>
+                  <a:schemeClr val="tx1"/>
+                </a:solidFill>
+                <a:latin typeface="+mn-lt"/>
+                <a:ea typeface="+mn-ea"/>
+                <a:cs typeface="+mn-cs"/>
+              </a:defRPr>
+            </a:lvl5pPr>
+            <a:lvl6pPr marL="2514600" indent="-228600" algn="l" defTabSz="914400" rtl="0" eaLnBrk="1" latinLnBrk="0" hangingPunct="1">
+              <a:lnSpc>
+                <a:spcPct val="90000"/>
+              </a:lnSpc>
+              <a:spcBef>
+                <a:spcPts val="500"/>
+              </a:spcBef>
+              <a:buFont typeface="Arial" panose="020B0604020202020204" pitchFamily="34" charset="0"/>
+              <a:buChar char="•"/>
+              <a:defRPr sz="1800" kern="1200">
+                <a:solidFill>
+                  <a:schemeClr val="tx1"/>
+                </a:solidFill>
+                <a:latin typeface="+mn-lt"/>
+                <a:ea typeface="+mn-ea"/>
+                <a:cs typeface="+mn-cs"/>
+              </a:defRPr>
+            </a:lvl6pPr>
+            <a:lvl7pPr marL="2971800" indent="-228600" algn="l" defTabSz="914400" rtl="0" eaLnBrk="1" latinLnBrk="0" hangingPunct="1">
+              <a:lnSpc>
+                <a:spcPct val="90000"/>
+              </a:lnSpc>
+              <a:spcBef>
+                <a:spcPts val="500"/>
+              </a:spcBef>
+              <a:buFont typeface="Arial" panose="020B0604020202020204" pitchFamily="34" charset="0"/>
+              <a:buChar char="•"/>
+              <a:defRPr sz="1800" kern="1200">
+                <a:solidFill>
+                  <a:schemeClr val="tx1"/>
+                </a:solidFill>
+                <a:latin typeface="+mn-lt"/>
+                <a:ea typeface="+mn-ea"/>
+                <a:cs typeface="+mn-cs"/>
+              </a:defRPr>
+            </a:lvl7pPr>
+            <a:lvl8pPr marL="3429000" indent="-228600" algn="l" defTabSz="914400" rtl="0" eaLnBrk="1" latinLnBrk="0" hangingPunct="1">
+              <a:lnSpc>
+                <a:spcPct val="90000"/>
+              </a:lnSpc>
+              <a:spcBef>
+                <a:spcPts val="500"/>
+              </a:spcBef>
+              <a:buFont typeface="Arial" panose="020B0604020202020204" pitchFamily="34" charset="0"/>
+              <a:buChar char="•"/>
+              <a:defRPr sz="1800" kern="1200">
+                <a:solidFill>
+                  <a:schemeClr val="tx1"/>
+                </a:solidFill>
+                <a:latin typeface="+mn-lt"/>
+                <a:ea typeface="+mn-ea"/>
+                <a:cs typeface="+mn-cs"/>
+              </a:defRPr>
+            </a:lvl8pPr>
+            <a:lvl9pPr marL="3886200" indent="-228600" algn="l" defTabSz="914400" rtl="0" eaLnBrk="1" latinLnBrk="0" hangingPunct="1">
+              <a:lnSpc>
+                <a:spcPct val="90000"/>
+              </a:lnSpc>
+              <a:spcBef>
+                <a:spcPts val="500"/>
+              </a:spcBef>
+              <a:buFont typeface="Arial" panose="020B0604020202020204" pitchFamily="34" charset="0"/>
+              <a:buChar char="•"/>
+              <a:defRPr sz="1800" kern="1200">
+                <a:solidFill>
+                  <a:schemeClr val="tx1"/>
+                </a:solidFill>
+                <a:latin typeface="+mn-lt"/>
+                <a:ea typeface="+mn-ea"/>
+                <a:cs typeface="+mn-cs"/>
+              </a:defRPr>
+            </a:lvl9pPr>
+          </a:lstStyle>
+          <a:p>
+            <a:pPr marL="0" indent="0">
+              <a:buNone/>
+            </a:pPr>
+            <a:r>
+              <a:rPr lang="es-MX" sz="1400" dirty="0" err="1">
+                <a:latin typeface="Arial" panose="020B0604020202020204" pitchFamily="34" charset="0"/>
+                <a:cs typeface="Arial" panose="020B0604020202020204" pitchFamily="34" charset="0"/>
+              </a:rPr>
+              <a:t>Customers</a:t>
+            </a:r>
+            <a:r>
+              <a:rPr lang="es-MX" sz="1400" dirty="0">
+                <a:latin typeface="Arial" panose="020B0604020202020204" pitchFamily="34" charset="0"/>
+                <a:cs typeface="Arial" panose="020B0604020202020204" pitchFamily="34" charset="0"/>
+              </a:rPr>
+              <a:t> </a:t>
+            </a:r>
+            <a:r>
+              <a:rPr lang="es-MX" sz="1400" dirty="0" err="1">
+                <a:latin typeface="Arial" panose="020B0604020202020204" pitchFamily="34" charset="0"/>
+                <a:cs typeface="Arial" panose="020B0604020202020204" pitchFamily="34" charset="0"/>
+              </a:rPr>
+              <a:t>register</a:t>
+            </a:r>
+            <a:endParaRPr lang="es-MX" sz="1400" dirty="0">
+              <a:latin typeface="Arial" panose="020B0604020202020204" pitchFamily="34" charset="0"/>
+              <a:cs typeface="Arial" panose="020B0604020202020204" pitchFamily="34" charset="0"/>
+            </a:endParaRPr>
+          </a:p>
+        </p:txBody>
+      </p:sp>
+      <p:pic>
+        <p:nvPicPr>
+          <p:cNvPr id="6" name="Picture 5">
+            <a:extLst>
+              <a:ext uri="{FF2B5EF4-FFF2-40B4-BE49-F238E27FC236}">
+                <a16:creationId xmlns:a16="http://schemas.microsoft.com/office/drawing/2014/main" id="{F42F448E-BF8A-457D-8F5A-6412FFCD22A1}"/>
+              </a:ext>
+            </a:extLst>
+          </p:cNvPr>
+          <p:cNvPicPr>
+            <a:picLocks noChangeAspect="1"/>
+          </p:cNvPicPr>
+          <p:nvPr/>
+        </p:nvPicPr>
+        <p:blipFill>
+          <a:blip r:embed="rId3"/>
+          <a:stretch>
+            <a:fillRect/>
+          </a:stretch>
+        </p:blipFill>
+        <p:spPr>
+          <a:xfrm>
+            <a:off x="6814385" y="811530"/>
+            <a:ext cx="2876550" cy="3286125"/>
+          </a:xfrm>
+          <a:prstGeom prst="rect">
+            <a:avLst/>
+          </a:prstGeom>
+        </p:spPr>
+      </p:pic>
+      <p:sp>
+        <p:nvSpPr>
+          <p:cNvPr id="7" name="Rectangle 6">
+            <a:extLst>
+              <a:ext uri="{FF2B5EF4-FFF2-40B4-BE49-F238E27FC236}">
+                <a16:creationId xmlns:a16="http://schemas.microsoft.com/office/drawing/2014/main" id="{35E696A9-B1B6-4DF3-BEB3-8E96437A6119}"/>
+              </a:ext>
+            </a:extLst>
+          </p:cNvPr>
+          <p:cNvSpPr/>
+          <p:nvPr/>
+        </p:nvSpPr>
+        <p:spPr>
+          <a:xfrm>
+            <a:off x="6814385" y="1640512"/>
+            <a:ext cx="2768442" cy="688018"/>
+          </a:xfrm>
+          <a:prstGeom prst="rect">
+            <a:avLst/>
+          </a:prstGeom>
+          <a:noFill/>
+          <a:ln w="79375">
+            <a:solidFill>
+              <a:schemeClr val="accent1">
+                <a:lumMod val="75000"/>
+              </a:schemeClr>
+            </a:solidFill>
+          </a:ln>
+        </p:spPr>
+        <p:style>
+          <a:lnRef idx="2">
+            <a:schemeClr val="accent1">
+              <a:shade val="50000"/>
+            </a:schemeClr>
+          </a:lnRef>
+          <a:fillRef idx="1">
+            <a:schemeClr val="accent1"/>
+          </a:fillRef>
+          <a:effectRef idx="0">
+            <a:schemeClr val="accent1"/>
+          </a:effectRef>
+          <a:fontRef idx="minor">
+            <a:schemeClr val="lt1"/>
+          </a:fontRef>
+        </p:style>
+        <p:txBody>
+          <a:bodyPr rtlCol="0" anchor="ctr"/>
+          <a:lstStyle/>
+          <a:p>
+            <a:pPr algn="ctr"/>
+            <a:endParaRPr lang="es-MX"/>
+          </a:p>
+        </p:txBody>
+      </p:sp>
+      <p:cxnSp>
+        <p:nvCxnSpPr>
+          <p:cNvPr id="9" name="Straight Arrow Connector 8">
+            <a:extLst>
+              <a:ext uri="{FF2B5EF4-FFF2-40B4-BE49-F238E27FC236}">
+                <a16:creationId xmlns:a16="http://schemas.microsoft.com/office/drawing/2014/main" id="{ABF0D5AB-4020-4B5E-8DE1-0E2641CA6284}"/>
+              </a:ext>
+            </a:extLst>
+          </p:cNvPr>
+          <p:cNvCxnSpPr/>
+          <p:nvPr/>
+        </p:nvCxnSpPr>
+        <p:spPr>
+          <a:xfrm>
+            <a:off x="5231993" y="1938665"/>
+            <a:ext cx="1178663" cy="0"/>
+          </a:xfrm>
+          <a:prstGeom prst="straightConnector1">
+            <a:avLst/>
+          </a:prstGeom>
+          <a:ln>
+            <a:tailEnd type="triangle"/>
+          </a:ln>
+        </p:spPr>
+        <p:style>
+          <a:lnRef idx="3">
+            <a:schemeClr val="dk1"/>
+          </a:lnRef>
+          <a:fillRef idx="0">
+            <a:schemeClr val="dk1"/>
+          </a:fillRef>
+          <a:effectRef idx="2">
+            <a:schemeClr val="dk1"/>
+          </a:effectRef>
+          <a:fontRef idx="minor">
+            <a:schemeClr val="tx1"/>
+          </a:fontRef>
+        </p:style>
+      </p:cxnSp>
+      <p:sp>
+        <p:nvSpPr>
+          <p:cNvPr id="10" name="Content Placeholder 2">
+            <a:extLst>
+              <a:ext uri="{FF2B5EF4-FFF2-40B4-BE49-F238E27FC236}">
+                <a16:creationId xmlns:a16="http://schemas.microsoft.com/office/drawing/2014/main" id="{D4BFC321-112A-4F59-BA9C-9C602C3E8434}"/>
+              </a:ext>
+            </a:extLst>
+          </p:cNvPr>
+          <p:cNvSpPr txBox="1">
+            <a:spLocks/>
+          </p:cNvSpPr>
+          <p:nvPr/>
+        </p:nvSpPr>
+        <p:spPr>
+          <a:xfrm>
+            <a:off x="7063563" y="567515"/>
+            <a:ext cx="1733107" cy="298589"/>
+          </a:xfrm>
+          <a:prstGeom prst="rect">
+            <a:avLst/>
+          </a:prstGeom>
+        </p:spPr>
+        <p:txBody>
+          <a:bodyPr/>
+          <a:lstStyle>
+            <a:lvl1pPr marL="228600" indent="-228600" algn="l" defTabSz="914400" rtl="0" eaLnBrk="1" latinLnBrk="0" hangingPunct="1">
+              <a:lnSpc>
+                <a:spcPct val="90000"/>
+              </a:lnSpc>
+              <a:spcBef>
+                <a:spcPts val="1000"/>
+              </a:spcBef>
+              <a:buFont typeface="Arial" panose="020B0604020202020204" pitchFamily="34" charset="0"/>
+              <a:buChar char="•"/>
+              <a:defRPr sz="2800" kern="1200">
+                <a:solidFill>
+                  <a:schemeClr val="tx1"/>
+                </a:solidFill>
+                <a:latin typeface="+mn-lt"/>
+                <a:ea typeface="+mn-ea"/>
+                <a:cs typeface="+mn-cs"/>
+              </a:defRPr>
+            </a:lvl1pPr>
+            <a:lvl2pPr marL="685800" indent="-228600" algn="l" defTabSz="914400" rtl="0" eaLnBrk="1" latinLnBrk="0" hangingPunct="1">
+              <a:lnSpc>
+                <a:spcPct val="90000"/>
+              </a:lnSpc>
+              <a:spcBef>
+                <a:spcPts val="500"/>
+              </a:spcBef>
+              <a:buFont typeface="Arial" panose="020B0604020202020204" pitchFamily="34" charset="0"/>
+              <a:buChar char="•"/>
+              <a:defRPr sz="2400" kern="1200">
+                <a:solidFill>
+                  <a:schemeClr val="tx1"/>
+                </a:solidFill>
+                <a:latin typeface="+mn-lt"/>
+                <a:ea typeface="+mn-ea"/>
+                <a:cs typeface="+mn-cs"/>
+              </a:defRPr>
+            </a:lvl2pPr>
+            <a:lvl3pPr marL="1143000" indent="-228600" algn="l" defTabSz="914400" rtl="0" eaLnBrk="1" latinLnBrk="0" hangingPunct="1">
+              <a:lnSpc>
+                <a:spcPct val="90000"/>
+              </a:lnSpc>
+              <a:spcBef>
+                <a:spcPts val="500"/>
+              </a:spcBef>
+              <a:buFont typeface="Arial" panose="020B0604020202020204" pitchFamily="34" charset="0"/>
+              <a:buChar char="•"/>
+              <a:defRPr sz="2000" kern="1200">
+                <a:solidFill>
+                  <a:schemeClr val="tx1"/>
+                </a:solidFill>
+                <a:latin typeface="+mn-lt"/>
+                <a:ea typeface="+mn-ea"/>
+                <a:cs typeface="+mn-cs"/>
+              </a:defRPr>
+            </a:lvl3pPr>
+            <a:lvl4pPr marL="1600200" indent="-228600" algn="l" defTabSz="914400" rtl="0" eaLnBrk="1" latinLnBrk="0" hangingPunct="1">
+              <a:lnSpc>
+                <a:spcPct val="90000"/>
+              </a:lnSpc>
+              <a:spcBef>
+                <a:spcPts val="500"/>
+              </a:spcBef>
+              <a:buFont typeface="Arial" panose="020B0604020202020204" pitchFamily="34" charset="0"/>
+              <a:buChar char="•"/>
+              <a:defRPr sz="1800" kern="1200">
+                <a:solidFill>
+                  <a:schemeClr val="tx1"/>
+                </a:solidFill>
+                <a:latin typeface="+mn-lt"/>
+                <a:ea typeface="+mn-ea"/>
+                <a:cs typeface="+mn-cs"/>
+              </a:defRPr>
+            </a:lvl4pPr>
+            <a:lvl5pPr marL="2057400" indent="-228600" algn="l" defTabSz="914400" rtl="0" eaLnBrk="1" latinLnBrk="0" hangingPunct="1">
+              <a:lnSpc>
+                <a:spcPct val="90000"/>
+              </a:lnSpc>
+              <a:spcBef>
+                <a:spcPts val="500"/>
+              </a:spcBef>
+              <a:buFont typeface="Arial" panose="020B0604020202020204" pitchFamily="34" charset="0"/>
+              <a:buChar char="•"/>
+              <a:defRPr sz="1800" kern="1200">
+                <a:solidFill>
+                  <a:schemeClr val="tx1"/>
+                </a:solidFill>
+                <a:latin typeface="+mn-lt"/>
+                <a:ea typeface="+mn-ea"/>
+                <a:cs typeface="+mn-cs"/>
+              </a:defRPr>
+            </a:lvl5pPr>
+            <a:lvl6pPr marL="2514600" indent="-228600" algn="l" defTabSz="914400" rtl="0" eaLnBrk="1" latinLnBrk="0" hangingPunct="1">
+              <a:lnSpc>
+                <a:spcPct val="90000"/>
+              </a:lnSpc>
+              <a:spcBef>
+                <a:spcPts val="500"/>
+              </a:spcBef>
+              <a:buFont typeface="Arial" panose="020B0604020202020204" pitchFamily="34" charset="0"/>
+              <a:buChar char="•"/>
+              <a:defRPr sz="1800" kern="1200">
+                <a:solidFill>
+                  <a:schemeClr val="tx1"/>
+                </a:solidFill>
+                <a:latin typeface="+mn-lt"/>
+                <a:ea typeface="+mn-ea"/>
+                <a:cs typeface="+mn-cs"/>
+              </a:defRPr>
+            </a:lvl6pPr>
+            <a:lvl7pPr marL="2971800" indent="-228600" algn="l" defTabSz="914400" rtl="0" eaLnBrk="1" latinLnBrk="0" hangingPunct="1">
+              <a:lnSpc>
+                <a:spcPct val="90000"/>
+              </a:lnSpc>
+              <a:spcBef>
+                <a:spcPts val="500"/>
+              </a:spcBef>
+              <a:buFont typeface="Arial" panose="020B0604020202020204" pitchFamily="34" charset="0"/>
+              <a:buChar char="•"/>
+              <a:defRPr sz="1800" kern="1200">
+                <a:solidFill>
+                  <a:schemeClr val="tx1"/>
+                </a:solidFill>
+                <a:latin typeface="+mn-lt"/>
+                <a:ea typeface="+mn-ea"/>
+                <a:cs typeface="+mn-cs"/>
+              </a:defRPr>
+            </a:lvl7pPr>
+            <a:lvl8pPr marL="3429000" indent="-228600" algn="l" defTabSz="914400" rtl="0" eaLnBrk="1" latinLnBrk="0" hangingPunct="1">
+              <a:lnSpc>
+                <a:spcPct val="90000"/>
+              </a:lnSpc>
+              <a:spcBef>
+                <a:spcPts val="500"/>
+              </a:spcBef>
+              <a:buFont typeface="Arial" panose="020B0604020202020204" pitchFamily="34" charset="0"/>
+              <a:buChar char="•"/>
+              <a:defRPr sz="1800" kern="1200">
+                <a:solidFill>
+                  <a:schemeClr val="tx1"/>
+                </a:solidFill>
+                <a:latin typeface="+mn-lt"/>
+                <a:ea typeface="+mn-ea"/>
+                <a:cs typeface="+mn-cs"/>
+              </a:defRPr>
+            </a:lvl8pPr>
+            <a:lvl9pPr marL="3886200" indent="-228600" algn="l" defTabSz="914400" rtl="0" eaLnBrk="1" latinLnBrk="0" hangingPunct="1">
+              <a:lnSpc>
+                <a:spcPct val="90000"/>
+              </a:lnSpc>
+              <a:spcBef>
+                <a:spcPts val="500"/>
+              </a:spcBef>
+              <a:buFont typeface="Arial" panose="020B0604020202020204" pitchFamily="34" charset="0"/>
+              <a:buChar char="•"/>
+              <a:defRPr sz="1800" kern="1200">
+                <a:solidFill>
+                  <a:schemeClr val="tx1"/>
+                </a:solidFill>
+                <a:latin typeface="+mn-lt"/>
+                <a:ea typeface="+mn-ea"/>
+                <a:cs typeface="+mn-cs"/>
+              </a:defRPr>
+            </a:lvl9pPr>
+          </a:lstStyle>
+          <a:p>
+            <a:pPr marL="0" indent="0" algn="ctr">
+              <a:buNone/>
+            </a:pPr>
+            <a:r>
+              <a:rPr lang="es-MX" sz="1400" dirty="0" err="1">
+                <a:latin typeface="Arial" panose="020B0604020202020204" pitchFamily="34" charset="0"/>
+                <a:cs typeface="Arial" panose="020B0604020202020204" pitchFamily="34" charset="0"/>
+              </a:rPr>
+              <a:t>Clients</a:t>
+            </a:r>
+            <a:endParaRPr lang="es-MX" sz="1400" dirty="0">
+              <a:latin typeface="Arial" panose="020B0604020202020204" pitchFamily="34" charset="0"/>
+              <a:cs typeface="Arial" panose="020B0604020202020204" pitchFamily="34" charset="0"/>
+            </a:endParaRPr>
+          </a:p>
         </p:txBody>
       </p:sp>
     </p:spTree>
     <p:extLst>
       <p:ext uri="{BB962C8B-B14F-4D97-AF65-F5344CB8AC3E}">
         <p14:creationId xmlns:p14="http://schemas.microsoft.com/office/powerpoint/2010/main" val="601027392"/>
+      </p:ext>
+    </p:extLst>
+  </p:cSld>
+  <p:clrMapOvr>
+    <a:masterClrMapping/>
+  </p:clrMapOvr>
+</p:sld>
+</file>
+
+<file path=ppt/slides/slide9.xml><?xml version="1.0" encoding="utf-8"?>
+<p:sld xmlns:a="http://schemas.openxmlformats.org/drawingml/2006/main" xmlns:r="http://schemas.openxmlformats.org/officeDocument/2006/relationships" xmlns:p="http://schemas.openxmlformats.org/presentationml/2006/main">
+  <p:cSld>
+    <p:spTree>
+      <p:nvGrpSpPr>
+        <p:cNvPr id="1" name=""/>
+        <p:cNvGrpSpPr/>
+        <p:nvPr/>
+      </p:nvGrpSpPr>
+      <p:grpSpPr>
+        <a:xfrm>
+          <a:off x="0" y="0"/>
+          <a:ext cx="0" cy="0"/>
+          <a:chOff x="0" y="0"/>
+          <a:chExt cx="0" cy="0"/>
+        </a:xfrm>
+      </p:grpSpPr>
+      <p:sp>
+        <p:nvSpPr>
+          <p:cNvPr id="2" name="Content Placeholder 2">
+            <a:extLst>
+              <a:ext uri="{FF2B5EF4-FFF2-40B4-BE49-F238E27FC236}">
+                <a16:creationId xmlns:a16="http://schemas.microsoft.com/office/drawing/2014/main" id="{FC578ABD-CB3E-404F-85D1-5402C00C5D23}"/>
+              </a:ext>
+            </a:extLst>
+          </p:cNvPr>
+          <p:cNvSpPr txBox="1">
+            <a:spLocks/>
+          </p:cNvSpPr>
+          <p:nvPr/>
+        </p:nvSpPr>
+        <p:spPr>
+          <a:xfrm>
+            <a:off x="838200" y="331305"/>
+            <a:ext cx="9471991" cy="480225"/>
+          </a:xfrm>
+          <a:prstGeom prst="rect">
+            <a:avLst/>
+          </a:prstGeom>
+        </p:spPr>
+        <p:txBody>
+          <a:bodyPr/>
+          <a:lstStyle>
+            <a:lvl1pPr marL="228600" indent="-228600" algn="l" defTabSz="914400" rtl="0" eaLnBrk="1" latinLnBrk="0" hangingPunct="1">
+              <a:lnSpc>
+                <a:spcPct val="90000"/>
+              </a:lnSpc>
+              <a:spcBef>
+                <a:spcPts val="1000"/>
+              </a:spcBef>
+              <a:buFont typeface="Arial" panose="020B0604020202020204" pitchFamily="34" charset="0"/>
+              <a:buChar char="•"/>
+              <a:defRPr sz="2800" kern="1200">
+                <a:solidFill>
+                  <a:schemeClr val="tx1"/>
+                </a:solidFill>
+                <a:latin typeface="+mn-lt"/>
+                <a:ea typeface="+mn-ea"/>
+                <a:cs typeface="+mn-cs"/>
+              </a:defRPr>
+            </a:lvl1pPr>
+            <a:lvl2pPr marL="685800" indent="-228600" algn="l" defTabSz="914400" rtl="0" eaLnBrk="1" latinLnBrk="0" hangingPunct="1">
+              <a:lnSpc>
+                <a:spcPct val="90000"/>
+              </a:lnSpc>
+              <a:spcBef>
+                <a:spcPts val="500"/>
+              </a:spcBef>
+              <a:buFont typeface="Arial" panose="020B0604020202020204" pitchFamily="34" charset="0"/>
+              <a:buChar char="•"/>
+              <a:defRPr sz="2400" kern="1200">
+                <a:solidFill>
+                  <a:schemeClr val="tx1"/>
+                </a:solidFill>
+                <a:latin typeface="+mn-lt"/>
+                <a:ea typeface="+mn-ea"/>
+                <a:cs typeface="+mn-cs"/>
+              </a:defRPr>
+            </a:lvl2pPr>
+            <a:lvl3pPr marL="1143000" indent="-228600" algn="l" defTabSz="914400" rtl="0" eaLnBrk="1" latinLnBrk="0" hangingPunct="1">
+              <a:lnSpc>
+                <a:spcPct val="90000"/>
+              </a:lnSpc>
+              <a:spcBef>
+                <a:spcPts val="500"/>
+              </a:spcBef>
+              <a:buFont typeface="Arial" panose="020B0604020202020204" pitchFamily="34" charset="0"/>
+              <a:buChar char="•"/>
+              <a:defRPr sz="2000" kern="1200">
+                <a:solidFill>
+                  <a:schemeClr val="tx1"/>
+                </a:solidFill>
+                <a:latin typeface="+mn-lt"/>
+                <a:ea typeface="+mn-ea"/>
+                <a:cs typeface="+mn-cs"/>
+              </a:defRPr>
+            </a:lvl3pPr>
+            <a:lvl4pPr marL="1600200" indent="-228600" algn="l" defTabSz="914400" rtl="0" eaLnBrk="1" latinLnBrk="0" hangingPunct="1">
+              <a:lnSpc>
+                <a:spcPct val="90000"/>
+              </a:lnSpc>
+              <a:spcBef>
+                <a:spcPts val="500"/>
+              </a:spcBef>
+              <a:buFont typeface="Arial" panose="020B0604020202020204" pitchFamily="34" charset="0"/>
+              <a:buChar char="•"/>
+              <a:defRPr sz="1800" kern="1200">
+                <a:solidFill>
+                  <a:schemeClr val="tx1"/>
+                </a:solidFill>
+                <a:latin typeface="+mn-lt"/>
+                <a:ea typeface="+mn-ea"/>
+                <a:cs typeface="+mn-cs"/>
+              </a:defRPr>
+            </a:lvl4pPr>
+            <a:lvl5pPr marL="2057400" indent="-228600" algn="l" defTabSz="914400" rtl="0" eaLnBrk="1" latinLnBrk="0" hangingPunct="1">
+              <a:lnSpc>
+                <a:spcPct val="90000"/>
+              </a:lnSpc>
+              <a:spcBef>
+                <a:spcPts val="500"/>
+              </a:spcBef>
+              <a:buFont typeface="Arial" panose="020B0604020202020204" pitchFamily="34" charset="0"/>
+              <a:buChar char="•"/>
+              <a:defRPr sz="1800" kern="1200">
+                <a:solidFill>
+                  <a:schemeClr val="tx1"/>
+                </a:solidFill>
+                <a:latin typeface="+mn-lt"/>
+                <a:ea typeface="+mn-ea"/>
+                <a:cs typeface="+mn-cs"/>
+              </a:defRPr>
+            </a:lvl5pPr>
+            <a:lvl6pPr marL="2514600" indent="-228600" algn="l" defTabSz="914400" rtl="0" eaLnBrk="1" latinLnBrk="0" hangingPunct="1">
+              <a:lnSpc>
+                <a:spcPct val="90000"/>
+              </a:lnSpc>
+              <a:spcBef>
+                <a:spcPts val="500"/>
+              </a:spcBef>
+              <a:buFont typeface="Arial" panose="020B0604020202020204" pitchFamily="34" charset="0"/>
+              <a:buChar char="•"/>
+              <a:defRPr sz="1800" kern="1200">
+                <a:solidFill>
+                  <a:schemeClr val="tx1"/>
+                </a:solidFill>
+                <a:latin typeface="+mn-lt"/>
+                <a:ea typeface="+mn-ea"/>
+                <a:cs typeface="+mn-cs"/>
+              </a:defRPr>
+            </a:lvl6pPr>
+            <a:lvl7pPr marL="2971800" indent="-228600" algn="l" defTabSz="914400" rtl="0" eaLnBrk="1" latinLnBrk="0" hangingPunct="1">
+              <a:lnSpc>
+                <a:spcPct val="90000"/>
+              </a:lnSpc>
+              <a:spcBef>
+                <a:spcPts val="500"/>
+              </a:spcBef>
+              <a:buFont typeface="Arial" panose="020B0604020202020204" pitchFamily="34" charset="0"/>
+              <a:buChar char="•"/>
+              <a:defRPr sz="1800" kern="1200">
+                <a:solidFill>
+                  <a:schemeClr val="tx1"/>
+                </a:solidFill>
+                <a:latin typeface="+mn-lt"/>
+                <a:ea typeface="+mn-ea"/>
+                <a:cs typeface="+mn-cs"/>
+              </a:defRPr>
+            </a:lvl7pPr>
+            <a:lvl8pPr marL="3429000" indent="-228600" algn="l" defTabSz="914400" rtl="0" eaLnBrk="1" latinLnBrk="0" hangingPunct="1">
+              <a:lnSpc>
+                <a:spcPct val="90000"/>
+              </a:lnSpc>
+              <a:spcBef>
+                <a:spcPts val="500"/>
+              </a:spcBef>
+              <a:buFont typeface="Arial" panose="020B0604020202020204" pitchFamily="34" charset="0"/>
+              <a:buChar char="•"/>
+              <a:defRPr sz="1800" kern="1200">
+                <a:solidFill>
+                  <a:schemeClr val="tx1"/>
+                </a:solidFill>
+                <a:latin typeface="+mn-lt"/>
+                <a:ea typeface="+mn-ea"/>
+                <a:cs typeface="+mn-cs"/>
+              </a:defRPr>
+            </a:lvl8pPr>
+            <a:lvl9pPr marL="3886200" indent="-228600" algn="l" defTabSz="914400" rtl="0" eaLnBrk="1" latinLnBrk="0" hangingPunct="1">
+              <a:lnSpc>
+                <a:spcPct val="90000"/>
+              </a:lnSpc>
+              <a:spcBef>
+                <a:spcPts val="500"/>
+              </a:spcBef>
+              <a:buFont typeface="Arial" panose="020B0604020202020204" pitchFamily="34" charset="0"/>
+              <a:buChar char="•"/>
+              <a:defRPr sz="1800" kern="1200">
+                <a:solidFill>
+                  <a:schemeClr val="tx1"/>
+                </a:solidFill>
+                <a:latin typeface="+mn-lt"/>
+                <a:ea typeface="+mn-ea"/>
+                <a:cs typeface="+mn-cs"/>
+              </a:defRPr>
+            </a:lvl9pPr>
+          </a:lstStyle>
+          <a:p>
+            <a:r>
+              <a:rPr lang="es-MX" dirty="0"/>
+              <a:t>Business </a:t>
+            </a:r>
+            <a:r>
+              <a:rPr lang="es-MX" dirty="0" err="1"/>
+              <a:t>Development</a:t>
+            </a:r>
+            <a:r>
+              <a:rPr lang="es-MX" dirty="0"/>
+              <a:t> </a:t>
+            </a:r>
+            <a:r>
+              <a:rPr lang="es-MX" dirty="0" err="1"/>
+              <a:t>Add</a:t>
+            </a:r>
+            <a:r>
+              <a:rPr lang="es-MX" dirty="0"/>
+              <a:t> </a:t>
+            </a:r>
+            <a:r>
+              <a:rPr lang="es-MX" dirty="0" err="1"/>
+              <a:t>Clients</a:t>
+            </a:r>
+            <a:endParaRPr lang="es-MX" dirty="0"/>
+          </a:p>
+          <a:p>
+            <a:endParaRPr lang="es-MX" dirty="0"/>
+          </a:p>
+        </p:txBody>
+      </p:sp>
+      <p:pic>
+        <p:nvPicPr>
+          <p:cNvPr id="3" name="Picture 2">
+            <a:extLst>
+              <a:ext uri="{FF2B5EF4-FFF2-40B4-BE49-F238E27FC236}">
+                <a16:creationId xmlns:a16="http://schemas.microsoft.com/office/drawing/2014/main" id="{AB5F7ACB-A7EF-41E1-B034-A6528D8D7CF7}"/>
+              </a:ext>
+            </a:extLst>
+          </p:cNvPr>
+          <p:cNvPicPr>
+            <a:picLocks noChangeAspect="1"/>
+          </p:cNvPicPr>
+          <p:nvPr/>
+        </p:nvPicPr>
+        <p:blipFill>
+          <a:blip r:embed="rId2"/>
+          <a:stretch>
+            <a:fillRect/>
+          </a:stretch>
+        </p:blipFill>
+        <p:spPr>
+          <a:xfrm>
+            <a:off x="124218" y="1066173"/>
+            <a:ext cx="2144420" cy="2449751"/>
+          </a:xfrm>
+          <a:prstGeom prst="rect">
+            <a:avLst/>
+          </a:prstGeom>
+        </p:spPr>
+      </p:pic>
+      <p:sp>
+        <p:nvSpPr>
+          <p:cNvPr id="4" name="Rectangle 3">
+            <a:extLst>
+              <a:ext uri="{FF2B5EF4-FFF2-40B4-BE49-F238E27FC236}">
+                <a16:creationId xmlns:a16="http://schemas.microsoft.com/office/drawing/2014/main" id="{164AF85A-809F-496D-B893-4572E87A6A9F}"/>
+              </a:ext>
+            </a:extLst>
+          </p:cNvPr>
+          <p:cNvSpPr/>
+          <p:nvPr/>
+        </p:nvSpPr>
+        <p:spPr>
+          <a:xfrm>
+            <a:off x="124218" y="1663661"/>
+            <a:ext cx="2063827" cy="389895"/>
+          </a:xfrm>
+          <a:prstGeom prst="rect">
+            <a:avLst/>
+          </a:prstGeom>
+          <a:noFill/>
+          <a:ln w="79375">
+            <a:solidFill>
+              <a:schemeClr val="accent1">
+                <a:lumMod val="75000"/>
+              </a:schemeClr>
+            </a:solidFill>
+          </a:ln>
+        </p:spPr>
+        <p:style>
+          <a:lnRef idx="2">
+            <a:schemeClr val="accent1">
+              <a:shade val="50000"/>
+            </a:schemeClr>
+          </a:lnRef>
+          <a:fillRef idx="1">
+            <a:schemeClr val="accent1"/>
+          </a:fillRef>
+          <a:effectRef idx="0">
+            <a:schemeClr val="accent1"/>
+          </a:effectRef>
+          <a:fontRef idx="minor">
+            <a:schemeClr val="lt1"/>
+          </a:fontRef>
+        </p:style>
+        <p:txBody>
+          <a:bodyPr rtlCol="0" anchor="ctr"/>
+          <a:lstStyle/>
+          <a:p>
+            <a:pPr algn="ctr"/>
+            <a:endParaRPr lang="es-MX"/>
+          </a:p>
+        </p:txBody>
+      </p:sp>
+      <p:pic>
+        <p:nvPicPr>
+          <p:cNvPr id="5" name="Picture 4">
+            <a:extLst>
+              <a:ext uri="{FF2B5EF4-FFF2-40B4-BE49-F238E27FC236}">
+                <a16:creationId xmlns:a16="http://schemas.microsoft.com/office/drawing/2014/main" id="{BBA8D3D3-DAEE-4B9A-ADE1-AE232C5BB2E9}"/>
+              </a:ext>
+            </a:extLst>
+          </p:cNvPr>
+          <p:cNvPicPr>
+            <a:picLocks noChangeAspect="1"/>
+          </p:cNvPicPr>
+          <p:nvPr/>
+        </p:nvPicPr>
+        <p:blipFill>
+          <a:blip r:embed="rId3"/>
+          <a:stretch>
+            <a:fillRect/>
+          </a:stretch>
+        </p:blipFill>
+        <p:spPr>
+          <a:xfrm>
+            <a:off x="3887960" y="1516283"/>
+            <a:ext cx="3578566" cy="1243543"/>
+          </a:xfrm>
+          <a:prstGeom prst="rect">
+            <a:avLst/>
+          </a:prstGeom>
+        </p:spPr>
+      </p:pic>
+      <p:cxnSp>
+        <p:nvCxnSpPr>
+          <p:cNvPr id="7" name="Connector: Elbow 6">
+            <a:extLst>
+              <a:ext uri="{FF2B5EF4-FFF2-40B4-BE49-F238E27FC236}">
+                <a16:creationId xmlns:a16="http://schemas.microsoft.com/office/drawing/2014/main" id="{56D8EAD0-4C65-4FBA-A041-CF787DF5E3F5}"/>
+              </a:ext>
+            </a:extLst>
+          </p:cNvPr>
+          <p:cNvCxnSpPr>
+            <a:endCxn id="5" idx="1"/>
+          </p:cNvCxnSpPr>
+          <p:nvPr/>
+        </p:nvCxnSpPr>
+        <p:spPr>
+          <a:xfrm>
+            <a:off x="2268638" y="1858608"/>
+            <a:ext cx="1619322" cy="279447"/>
+          </a:xfrm>
+          <a:prstGeom prst="bentConnector3">
+            <a:avLst/>
+          </a:prstGeom>
+          <a:ln>
+            <a:tailEnd type="triangle"/>
+          </a:ln>
+        </p:spPr>
+        <p:style>
+          <a:lnRef idx="1">
+            <a:schemeClr val="accent1"/>
+          </a:lnRef>
+          <a:fillRef idx="0">
+            <a:schemeClr val="accent1"/>
+          </a:fillRef>
+          <a:effectRef idx="0">
+            <a:schemeClr val="accent1"/>
+          </a:effectRef>
+          <a:fontRef idx="minor">
+            <a:schemeClr val="tx1"/>
+          </a:fontRef>
+        </p:style>
+      </p:cxnSp>
+      <p:sp>
+        <p:nvSpPr>
+          <p:cNvPr id="8" name="TextBox 7">
+            <a:extLst>
+              <a:ext uri="{FF2B5EF4-FFF2-40B4-BE49-F238E27FC236}">
+                <a16:creationId xmlns:a16="http://schemas.microsoft.com/office/drawing/2014/main" id="{953ACB45-DD60-4231-9F79-5B42D28CD973}"/>
+              </a:ext>
+            </a:extLst>
+          </p:cNvPr>
+          <p:cNvSpPr txBox="1"/>
+          <p:nvPr/>
+        </p:nvSpPr>
+        <p:spPr>
+          <a:xfrm>
+            <a:off x="4936431" y="2755653"/>
+            <a:ext cx="1481624" cy="369332"/>
+          </a:xfrm>
+          <a:prstGeom prst="rect">
+            <a:avLst/>
+          </a:prstGeom>
+          <a:noFill/>
+        </p:spPr>
+        <p:txBody>
+          <a:bodyPr wrap="none" rtlCol="0">
+            <a:spAutoFit/>
+          </a:bodyPr>
+          <a:lstStyle/>
+          <a:p>
+            <a:r>
+              <a:rPr lang="es-MX" dirty="0" err="1"/>
+              <a:t>List</a:t>
+            </a:r>
+            <a:r>
+              <a:rPr lang="es-MX" dirty="0"/>
+              <a:t> </a:t>
+            </a:r>
+            <a:r>
+              <a:rPr lang="es-MX" dirty="0" err="1"/>
+              <a:t>of</a:t>
+            </a:r>
+            <a:r>
+              <a:rPr lang="es-MX" dirty="0"/>
+              <a:t> </a:t>
+            </a:r>
+            <a:r>
+              <a:rPr lang="es-MX" dirty="0" err="1"/>
+              <a:t>Clients</a:t>
+            </a:r>
+            <a:endParaRPr lang="es-MX" dirty="0"/>
+          </a:p>
+        </p:txBody>
+      </p:sp>
+      <p:sp>
+        <p:nvSpPr>
+          <p:cNvPr id="9" name="TextBox 8">
+            <a:extLst>
+              <a:ext uri="{FF2B5EF4-FFF2-40B4-BE49-F238E27FC236}">
+                <a16:creationId xmlns:a16="http://schemas.microsoft.com/office/drawing/2014/main" id="{54C2AD34-0D95-4FA6-864B-CF8D593EF27E}"/>
+              </a:ext>
+            </a:extLst>
+          </p:cNvPr>
+          <p:cNvSpPr txBox="1"/>
+          <p:nvPr/>
+        </p:nvSpPr>
+        <p:spPr>
+          <a:xfrm>
+            <a:off x="8506048" y="1201479"/>
+            <a:ext cx="3109896" cy="1754326"/>
+          </a:xfrm>
+          <a:prstGeom prst="rect">
+            <a:avLst/>
+          </a:prstGeom>
+          <a:noFill/>
+        </p:spPr>
+        <p:txBody>
+          <a:bodyPr wrap="square" rtlCol="0">
+            <a:spAutoFit/>
+          </a:bodyPr>
+          <a:lstStyle/>
+          <a:p>
+            <a:r>
+              <a:rPr lang="es-MX" dirty="0" err="1"/>
+              <a:t>Options</a:t>
+            </a:r>
+            <a:r>
+              <a:rPr lang="es-MX" dirty="0"/>
+              <a:t>:</a:t>
+            </a:r>
+          </a:p>
+          <a:p>
+            <a:pPr marL="342900" indent="-342900">
+              <a:buAutoNum type="alphaUcPeriod"/>
+            </a:pPr>
+            <a:r>
+              <a:rPr lang="es-MX" dirty="0"/>
+              <a:t>View </a:t>
+            </a:r>
+            <a:r>
+              <a:rPr lang="es-MX" dirty="0" err="1"/>
+              <a:t>Profile</a:t>
+            </a:r>
+            <a:endParaRPr lang="es-MX" dirty="0"/>
+          </a:p>
+          <a:p>
+            <a:pPr marL="342900" indent="-342900">
+              <a:buAutoNum type="alphaUcPeriod"/>
+            </a:pPr>
+            <a:r>
+              <a:rPr lang="es-MX" dirty="0"/>
+              <a:t>New Client</a:t>
+            </a:r>
+          </a:p>
+          <a:p>
+            <a:pPr marL="342900" indent="-342900">
+              <a:buAutoNum type="alphaUcPeriod"/>
+            </a:pPr>
+            <a:r>
+              <a:rPr lang="es-MX" dirty="0"/>
+              <a:t>Back </a:t>
+            </a:r>
+            <a:r>
+              <a:rPr lang="es-MX" dirty="0" err="1"/>
+              <a:t>to</a:t>
+            </a:r>
+            <a:r>
+              <a:rPr lang="es-MX" dirty="0"/>
+              <a:t> </a:t>
+            </a:r>
+            <a:r>
+              <a:rPr lang="es-MX" dirty="0" err="1"/>
+              <a:t>previus</a:t>
+            </a:r>
+            <a:r>
+              <a:rPr lang="es-MX" dirty="0"/>
+              <a:t> menú</a:t>
+            </a:r>
+          </a:p>
+          <a:p>
+            <a:pPr marL="342900" indent="-342900">
+              <a:buAutoNum type="alphaUcPeriod"/>
+            </a:pPr>
+            <a:r>
+              <a:rPr lang="es-MX" dirty="0" err="1"/>
+              <a:t>Sort</a:t>
+            </a:r>
+            <a:r>
+              <a:rPr lang="es-MX" dirty="0"/>
+              <a:t> </a:t>
+            </a:r>
+            <a:r>
+              <a:rPr lang="es-MX" dirty="0" err="1"/>
+              <a:t>list</a:t>
+            </a:r>
+            <a:r>
+              <a:rPr lang="es-MX" dirty="0"/>
+              <a:t> </a:t>
+            </a:r>
+            <a:r>
+              <a:rPr lang="es-MX" dirty="0" err="1"/>
+              <a:t>by</a:t>
+            </a:r>
+            <a:r>
+              <a:rPr lang="es-MX" dirty="0"/>
+              <a:t> </a:t>
+            </a:r>
+            <a:r>
+              <a:rPr lang="es-MX" dirty="0" err="1"/>
+              <a:t>Name</a:t>
+            </a:r>
+            <a:r>
+              <a:rPr lang="es-MX" dirty="0"/>
+              <a:t>, Company </a:t>
+            </a:r>
+            <a:r>
+              <a:rPr lang="es-MX" dirty="0" err="1"/>
+              <a:t>or</a:t>
+            </a:r>
+            <a:r>
+              <a:rPr lang="es-MX" dirty="0"/>
+              <a:t> </a:t>
+            </a:r>
+            <a:r>
+              <a:rPr lang="es-MX" dirty="0" err="1"/>
+              <a:t>State</a:t>
+            </a:r>
+            <a:r>
+              <a:rPr lang="es-MX" dirty="0"/>
+              <a:t>, </a:t>
+            </a:r>
+            <a:r>
+              <a:rPr lang="es-MX" dirty="0" err="1"/>
+              <a:t>only</a:t>
+            </a:r>
+            <a:r>
+              <a:rPr lang="es-MX" dirty="0"/>
+              <a:t> </a:t>
+            </a:r>
+            <a:r>
+              <a:rPr lang="es-MX" dirty="0" err="1"/>
+              <a:t>click</a:t>
+            </a:r>
+            <a:r>
+              <a:rPr lang="es-MX" dirty="0"/>
+              <a:t> </a:t>
+            </a:r>
+            <a:r>
+              <a:rPr lang="es-MX" dirty="0" err="1"/>
+              <a:t>on</a:t>
+            </a:r>
+            <a:r>
+              <a:rPr lang="es-MX" dirty="0"/>
+              <a:t> </a:t>
+            </a:r>
+            <a:r>
+              <a:rPr lang="es-MX" dirty="0" err="1"/>
+              <a:t>label</a:t>
+            </a:r>
+            <a:endParaRPr lang="es-MX" dirty="0"/>
+          </a:p>
+        </p:txBody>
+      </p:sp>
+      <p:cxnSp>
+        <p:nvCxnSpPr>
+          <p:cNvPr id="10" name="Connector: Elbow 9">
+            <a:extLst>
+              <a:ext uri="{FF2B5EF4-FFF2-40B4-BE49-F238E27FC236}">
+                <a16:creationId xmlns:a16="http://schemas.microsoft.com/office/drawing/2014/main" id="{FEC94D00-BBE8-49BC-9FF7-C5BFA4455232}"/>
+              </a:ext>
+            </a:extLst>
+          </p:cNvPr>
+          <p:cNvCxnSpPr>
+            <a:cxnSpLocks/>
+            <a:stCxn id="8" idx="3"/>
+          </p:cNvCxnSpPr>
+          <p:nvPr/>
+        </p:nvCxnSpPr>
+        <p:spPr>
+          <a:xfrm flipV="1">
+            <a:off x="6418055" y="1382235"/>
+            <a:ext cx="1960401" cy="1558084"/>
+          </a:xfrm>
+          <a:prstGeom prst="bentConnector3">
+            <a:avLst/>
+          </a:prstGeom>
+          <a:ln>
+            <a:tailEnd type="triangle"/>
+          </a:ln>
+        </p:spPr>
+        <p:style>
+          <a:lnRef idx="1">
+            <a:schemeClr val="accent1"/>
+          </a:lnRef>
+          <a:fillRef idx="0">
+            <a:schemeClr val="accent1"/>
+          </a:fillRef>
+          <a:effectRef idx="0">
+            <a:schemeClr val="accent1"/>
+          </a:effectRef>
+          <a:fontRef idx="minor">
+            <a:schemeClr val="tx1"/>
+          </a:fontRef>
+        </p:style>
+      </p:cxnSp>
+      <p:sp>
+        <p:nvSpPr>
+          <p:cNvPr id="13" name="TextBox 12">
+            <a:extLst>
+              <a:ext uri="{FF2B5EF4-FFF2-40B4-BE49-F238E27FC236}">
+                <a16:creationId xmlns:a16="http://schemas.microsoft.com/office/drawing/2014/main" id="{B4F681CA-16BE-42D4-A526-8B45721DD5BF}"/>
+              </a:ext>
+            </a:extLst>
+          </p:cNvPr>
+          <p:cNvSpPr txBox="1"/>
+          <p:nvPr/>
+        </p:nvSpPr>
+        <p:spPr>
+          <a:xfrm>
+            <a:off x="135792" y="3951301"/>
+            <a:ext cx="4099392" cy="307777"/>
+          </a:xfrm>
+          <a:prstGeom prst="rect">
+            <a:avLst/>
+          </a:prstGeom>
+          <a:noFill/>
+        </p:spPr>
+        <p:txBody>
+          <a:bodyPr wrap="none" rtlCol="0">
+            <a:spAutoFit/>
+          </a:bodyPr>
+          <a:lstStyle/>
+          <a:p>
+            <a:pPr marL="342900" indent="-342900">
+              <a:buAutoNum type="alphaUcPeriod"/>
+            </a:pPr>
+            <a:r>
+              <a:rPr lang="es-MX" sz="1400" dirty="0"/>
+              <a:t>View </a:t>
+            </a:r>
+            <a:r>
+              <a:rPr lang="es-MX" sz="1400" dirty="0" err="1"/>
+              <a:t>Profile</a:t>
+            </a:r>
+            <a:r>
+              <a:rPr lang="es-MX" sz="1400" dirty="0"/>
+              <a:t>. </a:t>
+            </a:r>
+            <a:r>
+              <a:rPr lang="es-MX" sz="1400" dirty="0" err="1"/>
+              <a:t>Allow</a:t>
+            </a:r>
+            <a:r>
+              <a:rPr lang="es-MX" sz="1400" dirty="0"/>
+              <a:t> </a:t>
+            </a:r>
+            <a:r>
+              <a:rPr lang="es-MX" sz="1400" dirty="0" err="1"/>
+              <a:t>review</a:t>
+            </a:r>
+            <a:r>
+              <a:rPr lang="es-MX" sz="1400" dirty="0"/>
+              <a:t> and </a:t>
+            </a:r>
+            <a:r>
+              <a:rPr lang="es-MX" sz="1400" dirty="0" err="1"/>
+              <a:t>Edit</a:t>
+            </a:r>
+            <a:r>
+              <a:rPr lang="es-MX" sz="1400" dirty="0"/>
+              <a:t> </a:t>
+            </a:r>
+            <a:r>
+              <a:rPr lang="es-MX" sz="1400" dirty="0" err="1"/>
+              <a:t>clients</a:t>
+            </a:r>
+            <a:r>
+              <a:rPr lang="es-MX" sz="1400" dirty="0"/>
+              <a:t> </a:t>
+            </a:r>
+            <a:r>
+              <a:rPr lang="es-MX" sz="1400" dirty="0" err="1"/>
+              <a:t>profile</a:t>
+            </a:r>
+            <a:endParaRPr lang="es-MX" sz="1400" dirty="0"/>
+          </a:p>
+        </p:txBody>
+      </p:sp>
+      <p:pic>
+        <p:nvPicPr>
+          <p:cNvPr id="14" name="Picture 13">
+            <a:extLst>
+              <a:ext uri="{FF2B5EF4-FFF2-40B4-BE49-F238E27FC236}">
+                <a16:creationId xmlns:a16="http://schemas.microsoft.com/office/drawing/2014/main" id="{7E8C7F0F-4EDC-48C5-9BA8-A038B2FFA680}"/>
+              </a:ext>
+            </a:extLst>
+          </p:cNvPr>
+          <p:cNvPicPr>
+            <a:picLocks noChangeAspect="1"/>
+          </p:cNvPicPr>
+          <p:nvPr/>
+        </p:nvPicPr>
+        <p:blipFill>
+          <a:blip r:embed="rId4"/>
+          <a:stretch>
+            <a:fillRect/>
+          </a:stretch>
+        </p:blipFill>
+        <p:spPr>
+          <a:xfrm>
+            <a:off x="124217" y="4308359"/>
+            <a:ext cx="4661181" cy="2439682"/>
+          </a:xfrm>
+          <a:prstGeom prst="rect">
+            <a:avLst/>
+          </a:prstGeom>
+        </p:spPr>
+      </p:pic>
+      <p:pic>
+        <p:nvPicPr>
+          <p:cNvPr id="15" name="Picture 14">
+            <a:extLst>
+              <a:ext uri="{FF2B5EF4-FFF2-40B4-BE49-F238E27FC236}">
+                <a16:creationId xmlns:a16="http://schemas.microsoft.com/office/drawing/2014/main" id="{19AFB028-D8C4-40A8-B883-131E2553D1E0}"/>
+              </a:ext>
+            </a:extLst>
+          </p:cNvPr>
+          <p:cNvPicPr>
+            <a:picLocks noChangeAspect="1"/>
+          </p:cNvPicPr>
+          <p:nvPr/>
+        </p:nvPicPr>
+        <p:blipFill>
+          <a:blip r:embed="rId5"/>
+          <a:stretch>
+            <a:fillRect/>
+          </a:stretch>
+        </p:blipFill>
+        <p:spPr>
+          <a:xfrm>
+            <a:off x="6501776" y="4259078"/>
+            <a:ext cx="5003459" cy="2211642"/>
+          </a:xfrm>
+          <a:prstGeom prst="rect">
+            <a:avLst/>
+          </a:prstGeom>
+        </p:spPr>
+      </p:pic>
+      <p:sp>
+        <p:nvSpPr>
+          <p:cNvPr id="16" name="TextBox 15">
+            <a:extLst>
+              <a:ext uri="{FF2B5EF4-FFF2-40B4-BE49-F238E27FC236}">
+                <a16:creationId xmlns:a16="http://schemas.microsoft.com/office/drawing/2014/main" id="{90AD07C1-D5D6-4BF4-AD71-03F7070DEB9F}"/>
+              </a:ext>
+            </a:extLst>
+          </p:cNvPr>
+          <p:cNvSpPr txBox="1"/>
+          <p:nvPr/>
+        </p:nvSpPr>
+        <p:spPr>
+          <a:xfrm>
+            <a:off x="6334231" y="3951300"/>
+            <a:ext cx="2524858" cy="307777"/>
+          </a:xfrm>
+          <a:prstGeom prst="rect">
+            <a:avLst/>
+          </a:prstGeom>
+          <a:noFill/>
+        </p:spPr>
+        <p:txBody>
+          <a:bodyPr wrap="none" rtlCol="0">
+            <a:spAutoFit/>
+          </a:bodyPr>
+          <a:lstStyle/>
+          <a:p>
+            <a:r>
+              <a:rPr lang="es-MX" sz="1400" dirty="0"/>
+              <a:t>B.  </a:t>
+            </a:r>
+            <a:r>
+              <a:rPr lang="es-MX" sz="1400" dirty="0" err="1"/>
+              <a:t>Add</a:t>
+            </a:r>
+            <a:r>
+              <a:rPr lang="es-MX" sz="1400" dirty="0"/>
+              <a:t> new Client in </a:t>
+            </a:r>
+            <a:r>
+              <a:rPr lang="es-MX" sz="1400" dirty="0" err="1"/>
+              <a:t>the</a:t>
+            </a:r>
+            <a:r>
+              <a:rPr lang="es-MX" sz="1400" dirty="0"/>
+              <a:t> </a:t>
+            </a:r>
+            <a:r>
+              <a:rPr lang="es-MX" sz="1400" dirty="0" err="1"/>
+              <a:t>system</a:t>
+            </a:r>
+            <a:endParaRPr lang="es-MX" sz="1400" dirty="0"/>
+          </a:p>
+        </p:txBody>
+      </p:sp>
+    </p:spTree>
+    <p:extLst>
+      <p:ext uri="{BB962C8B-B14F-4D97-AF65-F5344CB8AC3E}">
+        <p14:creationId xmlns:p14="http://schemas.microsoft.com/office/powerpoint/2010/main" val="224457097"/>
       </p:ext>
     </p:extLst>
   </p:cSld>
